--- a/lectures/03/Тест.pptx
+++ b/lectures/03/Тест.pptx
@@ -110,6 +110,22 @@
       </a:defRPr>
     </a:lvl9pPr>
   </p:defaultTextStyle>
+  <p:extLst>
+    <p:ext uri="{EFAFB233-063F-42B5-8137-9DF3F51BA10A}">
+      <p15:sldGuideLst xmlns:p15="http://schemas.microsoft.com/office/powerpoint/2012/main">
+        <p15:guide id="1" orient="horz" pos="2160">
+          <p15:clr>
+            <a:srgbClr val="A4A3A4"/>
+          </p15:clr>
+        </p15:guide>
+        <p15:guide id="2" pos="2880">
+          <p15:clr>
+            <a:srgbClr val="A4A3A4"/>
+          </p15:clr>
+        </p15:guide>
+      </p15:sldGuideLst>
+    </p:ext>
+  </p:extLst>
 </p:presentation>
 </file>
 
@@ -3123,10 +3139,9 @@
         <a:lstStyle/>
         <a:p>
           <a:r>
-            <a:rPr lang="ru-RU" dirty="0" smtClean="0"/>
+            <a:rPr lang="ru-RU" dirty="0"/>
             <a:t>Фигура</a:t>
           </a:r>
-          <a:endParaRPr lang="ru-RU" dirty="0"/>
         </a:p>
       </dgm:t>
     </dgm:pt>
@@ -3160,10 +3175,9 @@
         <a:lstStyle/>
         <a:p>
           <a:r>
-            <a:rPr lang="ru-RU" dirty="0" smtClean="0"/>
+            <a:rPr lang="ru-RU" dirty="0"/>
             <a:t>Замкнутая фигура</a:t>
           </a:r>
-          <a:endParaRPr lang="ru-RU" dirty="0"/>
         </a:p>
       </dgm:t>
     </dgm:pt>
@@ -3197,10 +3211,9 @@
         <a:lstStyle/>
         <a:p>
           <a:r>
-            <a:rPr lang="ru-RU" dirty="0" smtClean="0"/>
+            <a:rPr lang="ru-RU" dirty="0"/>
             <a:t>Окружность</a:t>
           </a:r>
-          <a:endParaRPr lang="ru-RU" dirty="0"/>
         </a:p>
       </dgm:t>
     </dgm:pt>
@@ -3234,10 +3247,9 @@
         <a:lstStyle/>
         <a:p>
           <a:r>
-            <a:rPr lang="ru-RU" dirty="0" smtClean="0"/>
+            <a:rPr lang="ru-RU" dirty="0"/>
             <a:t>Треугольник</a:t>
           </a:r>
-          <a:endParaRPr lang="ru-RU" dirty="0"/>
         </a:p>
       </dgm:t>
     </dgm:pt>
@@ -3271,10 +3283,9 @@
         <a:lstStyle/>
         <a:p>
           <a:r>
-            <a:rPr lang="ru-RU" dirty="0" smtClean="0"/>
+            <a:rPr lang="ru-RU" dirty="0"/>
             <a:t>Кривая</a:t>
           </a:r>
-          <a:endParaRPr lang="ru-RU" dirty="0"/>
         </a:p>
       </dgm:t>
     </dgm:pt>
@@ -3308,10 +3319,9 @@
         <a:lstStyle/>
         <a:p>
           <a:r>
-            <a:rPr lang="ru-RU" dirty="0" smtClean="0"/>
+            <a:rPr lang="ru-RU" dirty="0"/>
             <a:t>Прямая</a:t>
           </a:r>
-          <a:endParaRPr lang="ru-RU" dirty="0"/>
         </a:p>
       </dgm:t>
     </dgm:pt>
@@ -3345,10 +3355,9 @@
         <a:lstStyle/>
         <a:p>
           <a:r>
-            <a:rPr lang="ru-RU" dirty="0" smtClean="0"/>
+            <a:rPr lang="ru-RU" dirty="0"/>
             <a:t>Парабола</a:t>
           </a:r>
-          <a:endParaRPr lang="ru-RU" dirty="0"/>
         </a:p>
       </dgm:t>
     </dgm:pt>
@@ -3385,13 +3394,6 @@
         </dgm:presLayoutVars>
       </dgm:prSet>
       <dgm:spPr/>
-      <dgm:t>
-        <a:bodyPr/>
-        <a:lstStyle/>
-        <a:p>
-          <a:endParaRPr lang="ru-RU"/>
-        </a:p>
-      </dgm:t>
     </dgm:pt>
     <dgm:pt modelId="{BE4521D9-9971-4D27-A766-E796DAFFA110}" type="pres">
       <dgm:prSet presAssocID="{20156D86-6C07-4172-90C5-6B63B507EB1B}" presName="hierRoot1" presStyleCnt="0"/>
@@ -3412,13 +3414,6 @@
         </dgm:presLayoutVars>
       </dgm:prSet>
       <dgm:spPr/>
-      <dgm:t>
-        <a:bodyPr/>
-        <a:lstStyle/>
-        <a:p>
-          <a:endParaRPr lang="ru-RU"/>
-        </a:p>
-      </dgm:t>
     </dgm:pt>
     <dgm:pt modelId="{9E4B7F13-3DDF-4A91-95E8-1732E23EB5A5}" type="pres">
       <dgm:prSet presAssocID="{20156D86-6C07-4172-90C5-6B63B507EB1B}" presName="hierChild2" presStyleCnt="0"/>
@@ -3427,13 +3422,6 @@
     <dgm:pt modelId="{8B4790DE-8A4C-4C9C-A07E-68BC36400A8F}" type="pres">
       <dgm:prSet presAssocID="{018B1995-8647-49E8-B1D3-38B583671010}" presName="Name10" presStyleLbl="parChTrans1D2" presStyleIdx="0" presStyleCnt="2"/>
       <dgm:spPr/>
-      <dgm:t>
-        <a:bodyPr/>
-        <a:lstStyle/>
-        <a:p>
-          <a:endParaRPr lang="ru-RU"/>
-        </a:p>
-      </dgm:t>
     </dgm:pt>
     <dgm:pt modelId="{8416DF6B-C44B-4BBE-AFB4-719B33B2E614}" type="pres">
       <dgm:prSet presAssocID="{C1170109-7BC1-4E7F-B004-8E2D588F7194}" presName="hierRoot2" presStyleCnt="0"/>
@@ -3454,13 +3442,6 @@
         </dgm:presLayoutVars>
       </dgm:prSet>
       <dgm:spPr/>
-      <dgm:t>
-        <a:bodyPr/>
-        <a:lstStyle/>
-        <a:p>
-          <a:endParaRPr lang="ru-RU"/>
-        </a:p>
-      </dgm:t>
     </dgm:pt>
     <dgm:pt modelId="{5C18C9C6-FF4A-4B30-BE7E-AF14D9379772}" type="pres">
       <dgm:prSet presAssocID="{C1170109-7BC1-4E7F-B004-8E2D588F7194}" presName="hierChild3" presStyleCnt="0"/>
@@ -3469,13 +3450,6 @@
     <dgm:pt modelId="{0A2902CF-3FE7-49A7-9275-CF8546912620}" type="pres">
       <dgm:prSet presAssocID="{5065425F-2C5C-4DF8-8656-63C65F2997EF}" presName="Name17" presStyleLbl="parChTrans1D3" presStyleIdx="0" presStyleCnt="4"/>
       <dgm:spPr/>
-      <dgm:t>
-        <a:bodyPr/>
-        <a:lstStyle/>
-        <a:p>
-          <a:endParaRPr lang="ru-RU"/>
-        </a:p>
-      </dgm:t>
     </dgm:pt>
     <dgm:pt modelId="{B8A7A8E7-856B-44A6-BCB1-3B2A8E33752C}" type="pres">
       <dgm:prSet presAssocID="{D8F25ACF-321D-478B-BEA1-9BD8F7036D41}" presName="hierRoot3" presStyleCnt="0"/>
@@ -3496,13 +3470,6 @@
         </dgm:presLayoutVars>
       </dgm:prSet>
       <dgm:spPr/>
-      <dgm:t>
-        <a:bodyPr/>
-        <a:lstStyle/>
-        <a:p>
-          <a:endParaRPr lang="ru-RU"/>
-        </a:p>
-      </dgm:t>
     </dgm:pt>
     <dgm:pt modelId="{64E2043C-0585-4C54-810E-94B448CA7EAC}" type="pres">
       <dgm:prSet presAssocID="{D8F25ACF-321D-478B-BEA1-9BD8F7036D41}" presName="hierChild4" presStyleCnt="0"/>
@@ -3511,13 +3478,6 @@
     <dgm:pt modelId="{B3A8D901-A88A-4426-94A0-6B07E392BB7E}" type="pres">
       <dgm:prSet presAssocID="{CC0B5645-F2BF-47C7-A22E-13867ED7CB69}" presName="Name17" presStyleLbl="parChTrans1D3" presStyleIdx="1" presStyleCnt="4"/>
       <dgm:spPr/>
-      <dgm:t>
-        <a:bodyPr/>
-        <a:lstStyle/>
-        <a:p>
-          <a:endParaRPr lang="ru-RU"/>
-        </a:p>
-      </dgm:t>
     </dgm:pt>
     <dgm:pt modelId="{0967B9C5-7144-40A0-A195-1D2CC1C9A774}" type="pres">
       <dgm:prSet presAssocID="{557D3BB9-2B21-444B-B8ED-4805C1F6CDED}" presName="hierRoot3" presStyleCnt="0"/>
@@ -3538,13 +3498,6 @@
         </dgm:presLayoutVars>
       </dgm:prSet>
       <dgm:spPr/>
-      <dgm:t>
-        <a:bodyPr/>
-        <a:lstStyle/>
-        <a:p>
-          <a:endParaRPr lang="ru-RU"/>
-        </a:p>
-      </dgm:t>
     </dgm:pt>
     <dgm:pt modelId="{331C4BD2-765B-45C8-9CA7-BA92D7D2C903}" type="pres">
       <dgm:prSet presAssocID="{557D3BB9-2B21-444B-B8ED-4805C1F6CDED}" presName="hierChild4" presStyleCnt="0"/>
@@ -3553,13 +3506,6 @@
     <dgm:pt modelId="{F2A3D314-C5B9-43E5-A9E1-D4C5407844EF}" type="pres">
       <dgm:prSet presAssocID="{3BE93795-B2AA-4128-8074-1157031E5609}" presName="Name10" presStyleLbl="parChTrans1D2" presStyleIdx="1" presStyleCnt="2"/>
       <dgm:spPr/>
-      <dgm:t>
-        <a:bodyPr/>
-        <a:lstStyle/>
-        <a:p>
-          <a:endParaRPr lang="ru-RU"/>
-        </a:p>
-      </dgm:t>
     </dgm:pt>
     <dgm:pt modelId="{18587E0F-21AE-4ABC-B79D-F87D777F6EEA}" type="pres">
       <dgm:prSet presAssocID="{ADDA526E-58E9-4C8F-91C0-75E300D74A99}" presName="hierRoot2" presStyleCnt="0"/>
@@ -3580,13 +3526,6 @@
         </dgm:presLayoutVars>
       </dgm:prSet>
       <dgm:spPr/>
-      <dgm:t>
-        <a:bodyPr/>
-        <a:lstStyle/>
-        <a:p>
-          <a:endParaRPr lang="ru-RU"/>
-        </a:p>
-      </dgm:t>
     </dgm:pt>
     <dgm:pt modelId="{F6E95912-A23E-4891-A245-706AA34A7DF1}" type="pres">
       <dgm:prSet presAssocID="{ADDA526E-58E9-4C8F-91C0-75E300D74A99}" presName="hierChild3" presStyleCnt="0"/>
@@ -3595,13 +3534,6 @@
     <dgm:pt modelId="{FF33E690-A6B7-4D7D-9F52-A7A995BCC70D}" type="pres">
       <dgm:prSet presAssocID="{2DD13292-9B36-4921-9DB9-8196CBC1B1DB}" presName="Name17" presStyleLbl="parChTrans1D3" presStyleIdx="2" presStyleCnt="4"/>
       <dgm:spPr/>
-      <dgm:t>
-        <a:bodyPr/>
-        <a:lstStyle/>
-        <a:p>
-          <a:endParaRPr lang="ru-RU"/>
-        </a:p>
-      </dgm:t>
     </dgm:pt>
     <dgm:pt modelId="{D03F05E7-5A67-4A09-99E2-307D4677B34B}" type="pres">
       <dgm:prSet presAssocID="{777E6487-EB49-4F75-A03B-ED667B047D0B}" presName="hierRoot3" presStyleCnt="0"/>
@@ -3622,13 +3554,6 @@
         </dgm:presLayoutVars>
       </dgm:prSet>
       <dgm:spPr/>
-      <dgm:t>
-        <a:bodyPr/>
-        <a:lstStyle/>
-        <a:p>
-          <a:endParaRPr lang="ru-RU"/>
-        </a:p>
-      </dgm:t>
     </dgm:pt>
     <dgm:pt modelId="{F9F2D23B-7605-4F7D-B331-CEE9973C288A}" type="pres">
       <dgm:prSet presAssocID="{777E6487-EB49-4F75-A03B-ED667B047D0B}" presName="hierChild4" presStyleCnt="0"/>
@@ -3637,13 +3562,6 @@
     <dgm:pt modelId="{B8D3F977-5BD0-46BB-BE4E-AE0190035863}" type="pres">
       <dgm:prSet presAssocID="{E4DC1CE3-BB0A-4D43-98F7-FE916B23B0A2}" presName="Name17" presStyleLbl="parChTrans1D3" presStyleIdx="3" presStyleCnt="4"/>
       <dgm:spPr/>
-      <dgm:t>
-        <a:bodyPr/>
-        <a:lstStyle/>
-        <a:p>
-          <a:endParaRPr lang="ru-RU"/>
-        </a:p>
-      </dgm:t>
     </dgm:pt>
     <dgm:pt modelId="{750953EB-40EB-4593-885A-E610E3DA47C9}" type="pres">
       <dgm:prSet presAssocID="{F282CB64-605D-485B-A877-41BB0C071131}" presName="hierRoot3" presStyleCnt="0"/>
@@ -3664,13 +3582,6 @@
         </dgm:presLayoutVars>
       </dgm:prSet>
       <dgm:spPr/>
-      <dgm:t>
-        <a:bodyPr/>
-        <a:lstStyle/>
-        <a:p>
-          <a:endParaRPr lang="ru-RU"/>
-        </a:p>
-      </dgm:t>
     </dgm:pt>
     <dgm:pt modelId="{A30B10D8-12D3-40AE-8E91-E8FA6A873EAF}" type="pres">
       <dgm:prSet presAssocID="{F282CB64-605D-485B-A877-41BB0C071131}" presName="hierChild4" presStyleCnt="0"/>
@@ -3678,27 +3589,27 @@
     </dgm:pt>
   </dgm:ptLst>
   <dgm:cxnLst>
+    <dgm:cxn modelId="{0C808405-00F5-4FA1-8F57-0EA3A90C8731}" srcId="{ADDA526E-58E9-4C8F-91C0-75E300D74A99}" destId="{F282CB64-605D-485B-A877-41BB0C071131}" srcOrd="1" destOrd="0" parTransId="{E4DC1CE3-BB0A-4D43-98F7-FE916B23B0A2}" sibTransId="{0048F72B-05B9-444F-A574-58E18C2EBE53}"/>
+    <dgm:cxn modelId="{592B3D09-95FA-4FC5-BFD4-0A6BCF5169E5}" srcId="{ADDA526E-58E9-4C8F-91C0-75E300D74A99}" destId="{777E6487-EB49-4F75-A03B-ED667B047D0B}" srcOrd="0" destOrd="0" parTransId="{2DD13292-9B36-4921-9DB9-8196CBC1B1DB}" sibTransId="{3C9BDC63-7D5B-4485-8847-49001CBF183D}"/>
+    <dgm:cxn modelId="{A961910E-93A9-42E6-896E-63A5FDB15418}" type="presOf" srcId="{557D3BB9-2B21-444B-B8ED-4805C1F6CDED}" destId="{35F8727D-D339-4C7E-BC2C-C0492B9C6286}" srcOrd="0" destOrd="0" presId="urn:microsoft.com/office/officeart/2005/8/layout/hierarchy1"/>
+    <dgm:cxn modelId="{B26C9D10-9DD0-43CC-A95F-51E9DB8DF369}" srcId="{20156D86-6C07-4172-90C5-6B63B507EB1B}" destId="{ADDA526E-58E9-4C8F-91C0-75E300D74A99}" srcOrd="1" destOrd="0" parTransId="{3BE93795-B2AA-4128-8074-1157031E5609}" sibTransId="{D097059A-F4A6-48E8-A172-9ABD2B63BCC5}"/>
+    <dgm:cxn modelId="{8165D81C-D75B-4C9E-8448-BD22968995C5}" srcId="{20156D86-6C07-4172-90C5-6B63B507EB1B}" destId="{C1170109-7BC1-4E7F-B004-8E2D588F7194}" srcOrd="0" destOrd="0" parTransId="{018B1995-8647-49E8-B1D3-38B583671010}" sibTransId="{0BBB8B89-D088-42B1-8573-D05FB5F93E5F}"/>
+    <dgm:cxn modelId="{CAEB1721-8215-4A08-ACC1-E2BB5BBEBDDE}" type="presOf" srcId="{E4DC1CE3-BB0A-4D43-98F7-FE916B23B0A2}" destId="{B8D3F977-5BD0-46BB-BE4E-AE0190035863}" srcOrd="0" destOrd="0" presId="urn:microsoft.com/office/officeart/2005/8/layout/hierarchy1"/>
     <dgm:cxn modelId="{161D6C24-0643-4003-9952-17DFFFC91823}" type="presOf" srcId="{3BE93795-B2AA-4128-8074-1157031E5609}" destId="{F2A3D314-C5B9-43E5-A9E1-D4C5407844EF}" srcOrd="0" destOrd="0" presId="urn:microsoft.com/office/officeart/2005/8/layout/hierarchy1"/>
-    <dgm:cxn modelId="{A961910E-93A9-42E6-896E-63A5FDB15418}" type="presOf" srcId="{557D3BB9-2B21-444B-B8ED-4805C1F6CDED}" destId="{35F8727D-D339-4C7E-BC2C-C0492B9C6286}" srcOrd="0" destOrd="0" presId="urn:microsoft.com/office/officeart/2005/8/layout/hierarchy1"/>
+    <dgm:cxn modelId="{7C047B47-2C17-43DA-A570-EF74F4937738}" type="presOf" srcId="{2DD13292-9B36-4921-9DB9-8196CBC1B1DB}" destId="{FF33E690-A6B7-4D7D-9F52-A7A995BCC70D}" srcOrd="0" destOrd="0" presId="urn:microsoft.com/office/officeart/2005/8/layout/hierarchy1"/>
+    <dgm:cxn modelId="{B629F268-6589-4754-A697-9AE4E01C7E74}" type="presOf" srcId="{CC0B5645-F2BF-47C7-A22E-13867ED7CB69}" destId="{B3A8D901-A88A-4426-94A0-6B07E392BB7E}" srcOrd="0" destOrd="0" presId="urn:microsoft.com/office/officeart/2005/8/layout/hierarchy1"/>
+    <dgm:cxn modelId="{F0D6967F-9B27-4A74-A5FC-401B2BC08873}" type="presOf" srcId="{C1E7C48E-B98C-4203-84B3-20760ACD87AA}" destId="{91FC972A-881D-4571-9C90-646CC06FD320}" srcOrd="0" destOrd="0" presId="urn:microsoft.com/office/officeart/2005/8/layout/hierarchy1"/>
+    <dgm:cxn modelId="{0FD7D794-8321-4E9D-8337-38849428E566}" srcId="{C1170109-7BC1-4E7F-B004-8E2D588F7194}" destId="{D8F25ACF-321D-478B-BEA1-9BD8F7036D41}" srcOrd="0" destOrd="0" parTransId="{5065425F-2C5C-4DF8-8656-63C65F2997EF}" sibTransId="{AE2EA0FC-BF36-4189-BF2E-A507CE0F64F5}"/>
+    <dgm:cxn modelId="{78DBECA5-B940-421B-83B7-72C88DF5EE3D}" type="presOf" srcId="{ADDA526E-58E9-4C8F-91C0-75E300D74A99}" destId="{51815D8F-3D1C-4106-BDDD-427AE213E8E8}" srcOrd="0" destOrd="0" presId="urn:microsoft.com/office/officeart/2005/8/layout/hierarchy1"/>
+    <dgm:cxn modelId="{86FD1FAA-6B8D-4838-A76B-C7AD1C87D467}" type="presOf" srcId="{5065425F-2C5C-4DF8-8656-63C65F2997EF}" destId="{0A2902CF-3FE7-49A7-9275-CF8546912620}" srcOrd="0" destOrd="0" presId="urn:microsoft.com/office/officeart/2005/8/layout/hierarchy1"/>
     <dgm:cxn modelId="{FC6D21C4-0D0E-476A-895A-6D7260976E50}" srcId="{C1E7C48E-B98C-4203-84B3-20760ACD87AA}" destId="{20156D86-6C07-4172-90C5-6B63B507EB1B}" srcOrd="0" destOrd="0" parTransId="{0DC3A203-3D25-431B-A101-22A1E9C786F8}" sibTransId="{BFF1BC3A-2DD4-4CEC-B9C7-30CF39AB2765}"/>
+    <dgm:cxn modelId="{B283B8E6-B81D-45F1-8E33-652B74ADD2AA}" srcId="{C1170109-7BC1-4E7F-B004-8E2D588F7194}" destId="{557D3BB9-2B21-444B-B8ED-4805C1F6CDED}" srcOrd="1" destOrd="0" parTransId="{CC0B5645-F2BF-47C7-A22E-13867ED7CB69}" sibTransId="{9B7709C9-1C26-48C0-B892-91D677A9FAFF}"/>
+    <dgm:cxn modelId="{8BD506EA-3148-458F-AE2A-F8FDD819AC97}" type="presOf" srcId="{F282CB64-605D-485B-A877-41BB0C071131}" destId="{0C6BAD78-72A8-435D-9067-FFFFC6F9E9F1}" srcOrd="0" destOrd="0" presId="urn:microsoft.com/office/officeart/2005/8/layout/hierarchy1"/>
+    <dgm:cxn modelId="{87110EF1-1D52-4A70-9477-BA52E1B8601E}" type="presOf" srcId="{20156D86-6C07-4172-90C5-6B63B507EB1B}" destId="{DAAD5AB0-461E-4F22-86F1-32A4EB1AB592}" srcOrd="0" destOrd="0" presId="urn:microsoft.com/office/officeart/2005/8/layout/hierarchy1"/>
+    <dgm:cxn modelId="{9EE43FF1-2076-4D1B-A160-B2A4A3F606CA}" type="presOf" srcId="{018B1995-8647-49E8-B1D3-38B583671010}" destId="{8B4790DE-8A4C-4C9C-A07E-68BC36400A8F}" srcOrd="0" destOrd="0" presId="urn:microsoft.com/office/officeart/2005/8/layout/hierarchy1"/>
+    <dgm:cxn modelId="{4B2439F6-BC48-42AA-AF79-74B3F2435CBF}" type="presOf" srcId="{D8F25ACF-321D-478B-BEA1-9BD8F7036D41}" destId="{A75489FC-56A8-4498-BEB5-027713830C2C}" srcOrd="0" destOrd="0" presId="urn:microsoft.com/office/officeart/2005/8/layout/hierarchy1"/>
+    <dgm:cxn modelId="{1E1108F9-2A3F-4313-9831-0ECD25E398FC}" type="presOf" srcId="{777E6487-EB49-4F75-A03B-ED667B047D0B}" destId="{A541EDF6-6F2A-486D-AC5F-0D3F845F0DAB}" srcOrd="0" destOrd="0" presId="urn:microsoft.com/office/officeart/2005/8/layout/hierarchy1"/>
     <dgm:cxn modelId="{96AC54FC-6ECA-47B7-94FA-1216D8B60CDF}" type="presOf" srcId="{C1170109-7BC1-4E7F-B004-8E2D588F7194}" destId="{BB70E5B4-95C4-4516-A9C0-1F85301E84A5}" srcOrd="0" destOrd="0" presId="urn:microsoft.com/office/officeart/2005/8/layout/hierarchy1"/>
-    <dgm:cxn modelId="{0C808405-00F5-4FA1-8F57-0EA3A90C8731}" srcId="{ADDA526E-58E9-4C8F-91C0-75E300D74A99}" destId="{F282CB64-605D-485B-A877-41BB0C071131}" srcOrd="1" destOrd="0" parTransId="{E4DC1CE3-BB0A-4D43-98F7-FE916B23B0A2}" sibTransId="{0048F72B-05B9-444F-A574-58E18C2EBE53}"/>
-    <dgm:cxn modelId="{9EE43FF1-2076-4D1B-A160-B2A4A3F606CA}" type="presOf" srcId="{018B1995-8647-49E8-B1D3-38B583671010}" destId="{8B4790DE-8A4C-4C9C-A07E-68BC36400A8F}" srcOrd="0" destOrd="0" presId="urn:microsoft.com/office/officeart/2005/8/layout/hierarchy1"/>
-    <dgm:cxn modelId="{B26C9D10-9DD0-43CC-A95F-51E9DB8DF369}" srcId="{20156D86-6C07-4172-90C5-6B63B507EB1B}" destId="{ADDA526E-58E9-4C8F-91C0-75E300D74A99}" srcOrd="1" destOrd="0" parTransId="{3BE93795-B2AA-4128-8074-1157031E5609}" sibTransId="{D097059A-F4A6-48E8-A172-9ABD2B63BCC5}"/>
-    <dgm:cxn modelId="{86FD1FAA-6B8D-4838-A76B-C7AD1C87D467}" type="presOf" srcId="{5065425F-2C5C-4DF8-8656-63C65F2997EF}" destId="{0A2902CF-3FE7-49A7-9275-CF8546912620}" srcOrd="0" destOrd="0" presId="urn:microsoft.com/office/officeart/2005/8/layout/hierarchy1"/>
-    <dgm:cxn modelId="{CAEB1721-8215-4A08-ACC1-E2BB5BBEBDDE}" type="presOf" srcId="{E4DC1CE3-BB0A-4D43-98F7-FE916B23B0A2}" destId="{B8D3F977-5BD0-46BB-BE4E-AE0190035863}" srcOrd="0" destOrd="0" presId="urn:microsoft.com/office/officeart/2005/8/layout/hierarchy1"/>
-    <dgm:cxn modelId="{B629F268-6589-4754-A697-9AE4E01C7E74}" type="presOf" srcId="{CC0B5645-F2BF-47C7-A22E-13867ED7CB69}" destId="{B3A8D901-A88A-4426-94A0-6B07E392BB7E}" srcOrd="0" destOrd="0" presId="urn:microsoft.com/office/officeart/2005/8/layout/hierarchy1"/>
-    <dgm:cxn modelId="{8BD506EA-3148-458F-AE2A-F8FDD819AC97}" type="presOf" srcId="{F282CB64-605D-485B-A877-41BB0C071131}" destId="{0C6BAD78-72A8-435D-9067-FFFFC6F9E9F1}" srcOrd="0" destOrd="0" presId="urn:microsoft.com/office/officeart/2005/8/layout/hierarchy1"/>
-    <dgm:cxn modelId="{78DBECA5-B940-421B-83B7-72C88DF5EE3D}" type="presOf" srcId="{ADDA526E-58E9-4C8F-91C0-75E300D74A99}" destId="{51815D8F-3D1C-4106-BDDD-427AE213E8E8}" srcOrd="0" destOrd="0" presId="urn:microsoft.com/office/officeart/2005/8/layout/hierarchy1"/>
-    <dgm:cxn modelId="{1E1108F9-2A3F-4313-9831-0ECD25E398FC}" type="presOf" srcId="{777E6487-EB49-4F75-A03B-ED667B047D0B}" destId="{A541EDF6-6F2A-486D-AC5F-0D3F845F0DAB}" srcOrd="0" destOrd="0" presId="urn:microsoft.com/office/officeart/2005/8/layout/hierarchy1"/>
-    <dgm:cxn modelId="{592B3D09-95FA-4FC5-BFD4-0A6BCF5169E5}" srcId="{ADDA526E-58E9-4C8F-91C0-75E300D74A99}" destId="{777E6487-EB49-4F75-A03B-ED667B047D0B}" srcOrd="0" destOrd="0" parTransId="{2DD13292-9B36-4921-9DB9-8196CBC1B1DB}" sibTransId="{3C9BDC63-7D5B-4485-8847-49001CBF183D}"/>
-    <dgm:cxn modelId="{B283B8E6-B81D-45F1-8E33-652B74ADD2AA}" srcId="{C1170109-7BC1-4E7F-B004-8E2D588F7194}" destId="{557D3BB9-2B21-444B-B8ED-4805C1F6CDED}" srcOrd="1" destOrd="0" parTransId="{CC0B5645-F2BF-47C7-A22E-13867ED7CB69}" sibTransId="{9B7709C9-1C26-48C0-B892-91D677A9FAFF}"/>
-    <dgm:cxn modelId="{0FD7D794-8321-4E9D-8337-38849428E566}" srcId="{C1170109-7BC1-4E7F-B004-8E2D588F7194}" destId="{D8F25ACF-321D-478B-BEA1-9BD8F7036D41}" srcOrd="0" destOrd="0" parTransId="{5065425F-2C5C-4DF8-8656-63C65F2997EF}" sibTransId="{AE2EA0FC-BF36-4189-BF2E-A507CE0F64F5}"/>
-    <dgm:cxn modelId="{F0D6967F-9B27-4A74-A5FC-401B2BC08873}" type="presOf" srcId="{C1E7C48E-B98C-4203-84B3-20760ACD87AA}" destId="{91FC972A-881D-4571-9C90-646CC06FD320}" srcOrd="0" destOrd="0" presId="urn:microsoft.com/office/officeart/2005/8/layout/hierarchy1"/>
-    <dgm:cxn modelId="{4B2439F6-BC48-42AA-AF79-74B3F2435CBF}" type="presOf" srcId="{D8F25ACF-321D-478B-BEA1-9BD8F7036D41}" destId="{A75489FC-56A8-4498-BEB5-027713830C2C}" srcOrd="0" destOrd="0" presId="urn:microsoft.com/office/officeart/2005/8/layout/hierarchy1"/>
-    <dgm:cxn modelId="{8165D81C-D75B-4C9E-8448-BD22968995C5}" srcId="{20156D86-6C07-4172-90C5-6B63B507EB1B}" destId="{C1170109-7BC1-4E7F-B004-8E2D588F7194}" srcOrd="0" destOrd="0" parTransId="{018B1995-8647-49E8-B1D3-38B583671010}" sibTransId="{0BBB8B89-D088-42B1-8573-D05FB5F93E5F}"/>
-    <dgm:cxn modelId="{87110EF1-1D52-4A70-9477-BA52E1B8601E}" type="presOf" srcId="{20156D86-6C07-4172-90C5-6B63B507EB1B}" destId="{DAAD5AB0-461E-4F22-86F1-32A4EB1AB592}" srcOrd="0" destOrd="0" presId="urn:microsoft.com/office/officeart/2005/8/layout/hierarchy1"/>
-    <dgm:cxn modelId="{7C047B47-2C17-43DA-A570-EF74F4937738}" type="presOf" srcId="{2DD13292-9B36-4921-9DB9-8196CBC1B1DB}" destId="{FF33E690-A6B7-4D7D-9F52-A7A995BCC70D}" srcOrd="0" destOrd="0" presId="urn:microsoft.com/office/officeart/2005/8/layout/hierarchy1"/>
     <dgm:cxn modelId="{265BEFF5-A936-4D43-A553-3C2479A3715D}" type="presParOf" srcId="{91FC972A-881D-4571-9C90-646CC06FD320}" destId="{BE4521D9-9971-4D27-A766-E796DAFFA110}" srcOrd="0" destOrd="0" presId="urn:microsoft.com/office/officeart/2005/8/layout/hierarchy1"/>
     <dgm:cxn modelId="{A65FC755-E5CB-46E0-8CDD-058CD6395FDA}" type="presParOf" srcId="{BE4521D9-9971-4D27-A766-E796DAFFA110}" destId="{58E0EBE3-219C-4CBF-8B6F-9C338C084084}" srcOrd="0" destOrd="0" presId="urn:microsoft.com/office/officeart/2005/8/layout/hierarchy1"/>
     <dgm:cxn modelId="{DAB1B0FC-01E6-480E-9183-327924E48600}" type="presParOf" srcId="{58E0EBE3-219C-4CBF-8B6F-9C338C084084}" destId="{69FC574F-D9EB-4473-96A0-C29ADC58B96F}" srcOrd="0" destOrd="0" presId="urn:microsoft.com/office/officeart/2005/8/layout/hierarchy1"/>
@@ -3773,10 +3684,9 @@
         <a:lstStyle/>
         <a:p>
           <a:r>
-            <a:rPr lang="ru-RU" dirty="0" smtClean="0"/>
+            <a:rPr lang="ru-RU" dirty="0"/>
             <a:t>Туловище</a:t>
           </a:r>
-          <a:endParaRPr lang="ru-RU" dirty="0"/>
         </a:p>
       </dgm:t>
     </dgm:pt>
@@ -3810,10 +3720,9 @@
         <a:lstStyle/>
         <a:p>
           <a:r>
-            <a:rPr lang="ru-RU" dirty="0" smtClean="0"/>
+            <a:rPr lang="ru-RU" dirty="0"/>
             <a:t>Сердце</a:t>
           </a:r>
-          <a:endParaRPr lang="ru-RU" dirty="0"/>
         </a:p>
       </dgm:t>
     </dgm:pt>
@@ -3847,10 +3756,9 @@
         <a:lstStyle/>
         <a:p>
           <a:r>
-            <a:rPr lang="ru-RU" dirty="0" smtClean="0"/>
+            <a:rPr lang="ru-RU" dirty="0"/>
             <a:t>Желудок</a:t>
           </a:r>
-          <a:endParaRPr lang="ru-RU" dirty="0"/>
         </a:p>
       </dgm:t>
     </dgm:pt>
@@ -3884,10 +3792,9 @@
         <a:lstStyle/>
         <a:p>
           <a:r>
-            <a:rPr lang="ru-RU" dirty="0" smtClean="0"/>
+            <a:rPr lang="ru-RU" dirty="0"/>
             <a:t>Руки</a:t>
           </a:r>
-          <a:endParaRPr lang="ru-RU" dirty="0"/>
         </a:p>
       </dgm:t>
     </dgm:pt>
@@ -3921,10 +3828,9 @@
         <a:lstStyle/>
         <a:p>
           <a:r>
-            <a:rPr lang="ru-RU" dirty="0" smtClean="0"/>
+            <a:rPr lang="ru-RU" dirty="0"/>
             <a:t>Ноги</a:t>
           </a:r>
-          <a:endParaRPr lang="ru-RU" dirty="0"/>
         </a:p>
       </dgm:t>
     </dgm:pt>
@@ -3958,10 +3864,9 @@
         <a:lstStyle/>
         <a:p>
           <a:r>
-            <a:rPr lang="ru-RU" dirty="0" smtClean="0"/>
+            <a:rPr lang="ru-RU" dirty="0"/>
             <a:t>Человек</a:t>
           </a:r>
-          <a:endParaRPr lang="ru-RU" dirty="0"/>
         </a:p>
       </dgm:t>
     </dgm:pt>
@@ -3995,10 +3900,9 @@
         <a:lstStyle/>
         <a:p>
           <a:r>
-            <a:rPr lang="ru-RU" dirty="0" smtClean="0"/>
+            <a:rPr lang="ru-RU" dirty="0"/>
             <a:t>Ладонь</a:t>
           </a:r>
-          <a:endParaRPr lang="ru-RU" dirty="0"/>
         </a:p>
       </dgm:t>
     </dgm:pt>
@@ -4032,10 +3936,9 @@
         <a:lstStyle/>
         <a:p>
           <a:r>
-            <a:rPr lang="ru-RU" dirty="0" smtClean="0"/>
+            <a:rPr lang="ru-RU" dirty="0"/>
             <a:t>Стопа</a:t>
           </a:r>
-          <a:endParaRPr lang="ru-RU" dirty="0"/>
         </a:p>
       </dgm:t>
     </dgm:pt>
@@ -4072,13 +3975,6 @@
         </dgm:presLayoutVars>
       </dgm:prSet>
       <dgm:spPr/>
-      <dgm:t>
-        <a:bodyPr/>
-        <a:lstStyle/>
-        <a:p>
-          <a:endParaRPr lang="ru-RU"/>
-        </a:p>
-      </dgm:t>
     </dgm:pt>
     <dgm:pt modelId="{0AA2A701-9287-4537-99D2-4AC13ADE6947}" type="pres">
       <dgm:prSet presAssocID="{4A337895-FFA8-450F-8F1C-0AF4C6E58EBA}" presName="hierRoot1" presStyleCnt="0"/>
@@ -4099,13 +3995,6 @@
         </dgm:presLayoutVars>
       </dgm:prSet>
       <dgm:spPr/>
-      <dgm:t>
-        <a:bodyPr/>
-        <a:lstStyle/>
-        <a:p>
-          <a:endParaRPr lang="ru-RU"/>
-        </a:p>
-      </dgm:t>
     </dgm:pt>
     <dgm:pt modelId="{747683E8-9703-4F9E-9110-117B33E59F6C}" type="pres">
       <dgm:prSet presAssocID="{4A337895-FFA8-450F-8F1C-0AF4C6E58EBA}" presName="hierChild2" presStyleCnt="0"/>
@@ -4114,13 +4003,6 @@
     <dgm:pt modelId="{B54AE129-0847-4CF8-ACD1-4FABF2413CD7}" type="pres">
       <dgm:prSet presAssocID="{65703E51-C40C-4928-B5F8-A6D69A40F662}" presName="Name10" presStyleLbl="parChTrans1D2" presStyleIdx="0" presStyleCnt="3"/>
       <dgm:spPr/>
-      <dgm:t>
-        <a:bodyPr/>
-        <a:lstStyle/>
-        <a:p>
-          <a:endParaRPr lang="ru-RU"/>
-        </a:p>
-      </dgm:t>
     </dgm:pt>
     <dgm:pt modelId="{ACF7810A-8EDF-4869-B6FE-16FEBD328ACB}" type="pres">
       <dgm:prSet presAssocID="{29DCB757-0B14-4634-A171-5A5C1C2A8F1F}" presName="hierRoot2" presStyleCnt="0"/>
@@ -4141,13 +4023,6 @@
         </dgm:presLayoutVars>
       </dgm:prSet>
       <dgm:spPr/>
-      <dgm:t>
-        <a:bodyPr/>
-        <a:lstStyle/>
-        <a:p>
-          <a:endParaRPr lang="ru-RU"/>
-        </a:p>
-      </dgm:t>
     </dgm:pt>
     <dgm:pt modelId="{4EFFD6AB-AF4F-42C5-959E-C549CB4DBA88}" type="pres">
       <dgm:prSet presAssocID="{29DCB757-0B14-4634-A171-5A5C1C2A8F1F}" presName="hierChild3" presStyleCnt="0"/>
@@ -4156,13 +4031,6 @@
     <dgm:pt modelId="{BE8DC8A4-1A89-4C64-B576-65C0EFDE3274}" type="pres">
       <dgm:prSet presAssocID="{AA407470-553C-468B-AAED-1F6569F04FF3}" presName="Name17" presStyleLbl="parChTrans1D3" presStyleIdx="0" presStyleCnt="4"/>
       <dgm:spPr/>
-      <dgm:t>
-        <a:bodyPr/>
-        <a:lstStyle/>
-        <a:p>
-          <a:endParaRPr lang="ru-RU"/>
-        </a:p>
-      </dgm:t>
     </dgm:pt>
     <dgm:pt modelId="{AFE571CA-EFC1-4DA2-BB7A-EBDF9102F848}" type="pres">
       <dgm:prSet presAssocID="{48CDEFB0-40AD-4827-9CF9-6E98D2450CC5}" presName="hierRoot3" presStyleCnt="0"/>
@@ -4183,13 +4051,6 @@
         </dgm:presLayoutVars>
       </dgm:prSet>
       <dgm:spPr/>
-      <dgm:t>
-        <a:bodyPr/>
-        <a:lstStyle/>
-        <a:p>
-          <a:endParaRPr lang="ru-RU"/>
-        </a:p>
-      </dgm:t>
     </dgm:pt>
     <dgm:pt modelId="{F6802436-98F6-456A-BEDC-CA95D3BC250A}" type="pres">
       <dgm:prSet presAssocID="{48CDEFB0-40AD-4827-9CF9-6E98D2450CC5}" presName="hierChild4" presStyleCnt="0"/>
@@ -4198,13 +4059,6 @@
     <dgm:pt modelId="{738D005C-305C-4677-ADEC-71CA342097DF}" type="pres">
       <dgm:prSet presAssocID="{7FC42F11-E7BB-4D22-A419-D396EBC5319A}" presName="Name17" presStyleLbl="parChTrans1D3" presStyleIdx="1" presStyleCnt="4"/>
       <dgm:spPr/>
-      <dgm:t>
-        <a:bodyPr/>
-        <a:lstStyle/>
-        <a:p>
-          <a:endParaRPr lang="ru-RU"/>
-        </a:p>
-      </dgm:t>
     </dgm:pt>
     <dgm:pt modelId="{A4CE83CD-499D-4244-B32C-1528DC0349FD}" type="pres">
       <dgm:prSet presAssocID="{63B18F5A-0C70-4EBF-BA8C-2EA88431425F}" presName="hierRoot3" presStyleCnt="0"/>
@@ -4225,13 +4079,6 @@
         </dgm:presLayoutVars>
       </dgm:prSet>
       <dgm:spPr/>
-      <dgm:t>
-        <a:bodyPr/>
-        <a:lstStyle/>
-        <a:p>
-          <a:endParaRPr lang="ru-RU"/>
-        </a:p>
-      </dgm:t>
     </dgm:pt>
     <dgm:pt modelId="{D6BFE24C-4481-4F54-9C64-1C53CAD9A4C9}" type="pres">
       <dgm:prSet presAssocID="{63B18F5A-0C70-4EBF-BA8C-2EA88431425F}" presName="hierChild4" presStyleCnt="0"/>
@@ -4240,13 +4087,6 @@
     <dgm:pt modelId="{5C350BA3-F35B-48FA-A284-0850BEB51E54}" type="pres">
       <dgm:prSet presAssocID="{3F9C22E0-A0B0-4E59-98D8-305C63F7F774}" presName="Name10" presStyleLbl="parChTrans1D2" presStyleIdx="1" presStyleCnt="3"/>
       <dgm:spPr/>
-      <dgm:t>
-        <a:bodyPr/>
-        <a:lstStyle/>
-        <a:p>
-          <a:endParaRPr lang="ru-RU"/>
-        </a:p>
-      </dgm:t>
     </dgm:pt>
     <dgm:pt modelId="{08C69A51-1B5C-453D-BC74-C7201AA486DC}" type="pres">
       <dgm:prSet presAssocID="{13807429-84A8-4F76-BC35-C9E7010A4161}" presName="hierRoot2" presStyleCnt="0"/>
@@ -4267,13 +4107,6 @@
         </dgm:presLayoutVars>
       </dgm:prSet>
       <dgm:spPr/>
-      <dgm:t>
-        <a:bodyPr/>
-        <a:lstStyle/>
-        <a:p>
-          <a:endParaRPr lang="ru-RU"/>
-        </a:p>
-      </dgm:t>
     </dgm:pt>
     <dgm:pt modelId="{F8D6C82C-6961-4147-A477-899A782A8CF5}" type="pres">
       <dgm:prSet presAssocID="{13807429-84A8-4F76-BC35-C9E7010A4161}" presName="hierChild3" presStyleCnt="0"/>
@@ -4282,13 +4115,6 @@
     <dgm:pt modelId="{D28365EE-2F88-4CAF-844E-8747857613D7}" type="pres">
       <dgm:prSet presAssocID="{87F674BF-403F-45F6-8A08-5AC15522F20B}" presName="Name17" presStyleLbl="parChTrans1D3" presStyleIdx="2" presStyleCnt="4"/>
       <dgm:spPr/>
-      <dgm:t>
-        <a:bodyPr/>
-        <a:lstStyle/>
-        <a:p>
-          <a:endParaRPr lang="ru-RU"/>
-        </a:p>
-      </dgm:t>
     </dgm:pt>
     <dgm:pt modelId="{025B25A4-135C-478F-940C-DB40FB490F8A}" type="pres">
       <dgm:prSet presAssocID="{1AA1045D-AF55-4AB9-8EE2-328B97747919}" presName="hierRoot3" presStyleCnt="0"/>
@@ -4309,13 +4135,6 @@
         </dgm:presLayoutVars>
       </dgm:prSet>
       <dgm:spPr/>
-      <dgm:t>
-        <a:bodyPr/>
-        <a:lstStyle/>
-        <a:p>
-          <a:endParaRPr lang="ru-RU"/>
-        </a:p>
-      </dgm:t>
     </dgm:pt>
     <dgm:pt modelId="{E6BC288C-8758-42B8-8127-B7FB063862D0}" type="pres">
       <dgm:prSet presAssocID="{1AA1045D-AF55-4AB9-8EE2-328B97747919}" presName="hierChild4" presStyleCnt="0"/>
@@ -4324,13 +4143,6 @@
     <dgm:pt modelId="{B06ADD77-664A-4731-8378-384FEEA775E1}" type="pres">
       <dgm:prSet presAssocID="{1E321F45-0806-4AEB-B26A-55068D55D3B5}" presName="Name10" presStyleLbl="parChTrans1D2" presStyleIdx="2" presStyleCnt="3"/>
       <dgm:spPr/>
-      <dgm:t>
-        <a:bodyPr/>
-        <a:lstStyle/>
-        <a:p>
-          <a:endParaRPr lang="ru-RU"/>
-        </a:p>
-      </dgm:t>
     </dgm:pt>
     <dgm:pt modelId="{D5C6C61A-0EB1-41C5-87D2-08007703529D}" type="pres">
       <dgm:prSet presAssocID="{FD8AD9E6-8BFD-4203-A069-2A7420D33F9D}" presName="hierRoot2" presStyleCnt="0"/>
@@ -4351,13 +4163,6 @@
         </dgm:presLayoutVars>
       </dgm:prSet>
       <dgm:spPr/>
-      <dgm:t>
-        <a:bodyPr/>
-        <a:lstStyle/>
-        <a:p>
-          <a:endParaRPr lang="ru-RU"/>
-        </a:p>
-      </dgm:t>
     </dgm:pt>
     <dgm:pt modelId="{BBC85DCB-8FD4-443B-ACA1-D60E8B3D0FBA}" type="pres">
       <dgm:prSet presAssocID="{FD8AD9E6-8BFD-4203-A069-2A7420D33F9D}" presName="hierChild3" presStyleCnt="0"/>
@@ -4366,13 +4171,6 @@
     <dgm:pt modelId="{640CB222-296F-4E83-8785-B4DCA0342B7D}" type="pres">
       <dgm:prSet presAssocID="{AF8C2BB5-6829-4148-91ED-A068C0EA9D2E}" presName="Name17" presStyleLbl="parChTrans1D3" presStyleIdx="3" presStyleCnt="4"/>
       <dgm:spPr/>
-      <dgm:t>
-        <a:bodyPr/>
-        <a:lstStyle/>
-        <a:p>
-          <a:endParaRPr lang="ru-RU"/>
-        </a:p>
-      </dgm:t>
     </dgm:pt>
     <dgm:pt modelId="{059D6655-6D6F-445E-96D7-143F7B7C51F3}" type="pres">
       <dgm:prSet presAssocID="{4296E9D0-FAA0-4D84-B312-DD640F997773}" presName="hierRoot3" presStyleCnt="0"/>
@@ -4393,13 +4191,6 @@
         </dgm:presLayoutVars>
       </dgm:prSet>
       <dgm:spPr/>
-      <dgm:t>
-        <a:bodyPr/>
-        <a:lstStyle/>
-        <a:p>
-          <a:endParaRPr lang="ru-RU"/>
-        </a:p>
-      </dgm:t>
     </dgm:pt>
     <dgm:pt modelId="{09760EEA-BFEC-4C48-ADC2-A298FAC050EA}" type="pres">
       <dgm:prSet presAssocID="{4296E9D0-FAA0-4D84-B312-DD640F997773}" presName="hierChild4" presStyleCnt="0"/>
@@ -4407,30 +4198,30 @@
     </dgm:pt>
   </dgm:ptLst>
   <dgm:cxnLst>
+    <dgm:cxn modelId="{956C1704-25AE-4B4A-B392-550541E459F9}" type="presOf" srcId="{29DCB757-0B14-4634-A171-5A5C1C2A8F1F}" destId="{AB17DEBF-5F25-42D7-BA3B-F72EEDDC0F3A}" srcOrd="0" destOrd="0" presId="urn:microsoft.com/office/officeart/2005/8/layout/hierarchy1"/>
+    <dgm:cxn modelId="{449D0A14-72CF-43F6-ADEB-0CDF4BEB2AEB}" srcId="{4A337895-FFA8-450F-8F1C-0AF4C6E58EBA}" destId="{29DCB757-0B14-4634-A171-5A5C1C2A8F1F}" srcOrd="0" destOrd="0" parTransId="{65703E51-C40C-4928-B5F8-A6D69A40F662}" sibTransId="{51988432-314D-4CCC-A771-6C387A1518CA}"/>
+    <dgm:cxn modelId="{79CBC314-E64E-4312-9A30-A2DE82D3F63F}" type="presOf" srcId="{AA407470-553C-468B-AAED-1F6569F04FF3}" destId="{BE8DC8A4-1A89-4C64-B576-65C0EFDE3274}" srcOrd="0" destOrd="0" presId="urn:microsoft.com/office/officeart/2005/8/layout/hierarchy1"/>
+    <dgm:cxn modelId="{4BCF1615-5CCD-42E2-AD83-450479090946}" type="presOf" srcId="{AF8C2BB5-6829-4148-91ED-A068C0EA9D2E}" destId="{640CB222-296F-4E83-8785-B4DCA0342B7D}" srcOrd="0" destOrd="0" presId="urn:microsoft.com/office/officeart/2005/8/layout/hierarchy1"/>
+    <dgm:cxn modelId="{9F29CC1D-17BC-4195-B406-2765D58F8BC2}" srcId="{4A337895-FFA8-450F-8F1C-0AF4C6E58EBA}" destId="{13807429-84A8-4F76-BC35-C9E7010A4161}" srcOrd="1" destOrd="0" parTransId="{3F9C22E0-A0B0-4E59-98D8-305C63F7F774}" sibTransId="{73E97C2A-726D-4D73-9235-E8045661E5DA}"/>
+    <dgm:cxn modelId="{E0CCFC24-1E96-4BD4-9F3C-FA835B422AEB}" type="presOf" srcId="{3016DA74-FBB6-43B5-81B4-1665BFDAF843}" destId="{18416813-2D15-49C8-9152-5180BEB69662}" srcOrd="0" destOrd="0" presId="urn:microsoft.com/office/officeart/2005/8/layout/hierarchy1"/>
+    <dgm:cxn modelId="{B236CD2E-1E36-4A83-B35A-8AB3C9501D5A}" type="presOf" srcId="{13807429-84A8-4F76-BC35-C9E7010A4161}" destId="{6B43D7F6-77BA-4F02-9762-2C59475A2DA8}" srcOrd="0" destOrd="0" presId="urn:microsoft.com/office/officeart/2005/8/layout/hierarchy1"/>
+    <dgm:cxn modelId="{0AD24A2F-04B4-46B9-A2D4-FDBAEDBCD972}" type="presOf" srcId="{FD8AD9E6-8BFD-4203-A069-2A7420D33F9D}" destId="{E5435AD2-12A9-4021-A784-73DFB98207B1}" srcOrd="0" destOrd="0" presId="urn:microsoft.com/office/officeart/2005/8/layout/hierarchy1"/>
+    <dgm:cxn modelId="{F6458F33-FBC2-4930-8F9C-93109EFD8BD9}" srcId="{29DCB757-0B14-4634-A171-5A5C1C2A8F1F}" destId="{63B18F5A-0C70-4EBF-BA8C-2EA88431425F}" srcOrd="1" destOrd="0" parTransId="{7FC42F11-E7BB-4D22-A419-D396EBC5319A}" sibTransId="{3EFF5DA3-B4B3-4952-AE94-E236D529F20A}"/>
     <dgm:cxn modelId="{AC4F7E39-6EDB-4D56-BE9B-66184D63D8B0}" type="presOf" srcId="{87F674BF-403F-45F6-8A08-5AC15522F20B}" destId="{D28365EE-2F88-4CAF-844E-8747857613D7}" srcOrd="0" destOrd="0" presId="urn:microsoft.com/office/officeart/2005/8/layout/hierarchy1"/>
+    <dgm:cxn modelId="{4FC1A564-18E7-496F-BAE0-A94BD9BEDBBC}" srcId="{4A337895-FFA8-450F-8F1C-0AF4C6E58EBA}" destId="{FD8AD9E6-8BFD-4203-A069-2A7420D33F9D}" srcOrd="2" destOrd="0" parTransId="{1E321F45-0806-4AEB-B26A-55068D55D3B5}" sibTransId="{50155CF6-DA74-43C6-9A33-519D1F4E6E80}"/>
+    <dgm:cxn modelId="{9FABB447-71A7-4022-8D01-26092BEDBF75}" type="presOf" srcId="{65703E51-C40C-4928-B5F8-A6D69A40F662}" destId="{B54AE129-0847-4CF8-ACD1-4FABF2413CD7}" srcOrd="0" destOrd="0" presId="urn:microsoft.com/office/officeart/2005/8/layout/hierarchy1"/>
+    <dgm:cxn modelId="{52CF3772-B467-40F0-B697-BAC428513CF4}" type="presOf" srcId="{1AA1045D-AF55-4AB9-8EE2-328B97747919}" destId="{3F002DBC-E518-4A19-85A7-FCF22F59BCBB}" srcOrd="0" destOrd="0" presId="urn:microsoft.com/office/officeart/2005/8/layout/hierarchy1"/>
+    <dgm:cxn modelId="{2A03AA79-D6C0-4E58-BB02-653626C4C088}" type="presOf" srcId="{3F9C22E0-A0B0-4E59-98D8-305C63F7F774}" destId="{5C350BA3-F35B-48FA-A284-0850BEB51E54}" srcOrd="0" destOrd="0" presId="urn:microsoft.com/office/officeart/2005/8/layout/hierarchy1"/>
+    <dgm:cxn modelId="{EE2B755A-8F0E-4094-8B1A-3108CDA1374A}" srcId="{29DCB757-0B14-4634-A171-5A5C1C2A8F1F}" destId="{48CDEFB0-40AD-4827-9CF9-6E98D2450CC5}" srcOrd="0" destOrd="0" parTransId="{AA407470-553C-468B-AAED-1F6569F04FF3}" sibTransId="{40E6010A-EFE5-4493-A703-C2F26000EFF6}"/>
+    <dgm:cxn modelId="{79B8885A-2E4D-40AA-8C89-257E8CC0173F}" type="presOf" srcId="{4296E9D0-FAA0-4D84-B312-DD640F997773}" destId="{86E82659-B985-4182-9001-8AE9EDC5569E}" srcOrd="0" destOrd="0" presId="urn:microsoft.com/office/officeart/2005/8/layout/hierarchy1"/>
     <dgm:cxn modelId="{6C32C78B-1332-49F2-95E7-83529DEDC85F}" type="presOf" srcId="{48CDEFB0-40AD-4827-9CF9-6E98D2450CC5}" destId="{8A461643-201A-4A2B-9612-E35751E13977}" srcOrd="0" destOrd="0" presId="urn:microsoft.com/office/officeart/2005/8/layout/hierarchy1"/>
-    <dgm:cxn modelId="{79CBC314-E64E-4312-9A30-A2DE82D3F63F}" type="presOf" srcId="{AA407470-553C-468B-AAED-1F6569F04FF3}" destId="{BE8DC8A4-1A89-4C64-B576-65C0EFDE3274}" srcOrd="0" destOrd="0" presId="urn:microsoft.com/office/officeart/2005/8/layout/hierarchy1"/>
+    <dgm:cxn modelId="{61CC1298-2386-41A2-8A84-2497D4B82B6D}" srcId="{FD8AD9E6-8BFD-4203-A069-2A7420D33F9D}" destId="{4296E9D0-FAA0-4D84-B312-DD640F997773}" srcOrd="0" destOrd="0" parTransId="{AF8C2BB5-6829-4148-91ED-A068C0EA9D2E}" sibTransId="{7DCDA810-4ED8-49D0-BAD0-26E80D695D5B}"/>
+    <dgm:cxn modelId="{094937A8-2E42-444E-AC29-9C533381D4EE}" type="presOf" srcId="{7FC42F11-E7BB-4D22-A419-D396EBC5319A}" destId="{738D005C-305C-4677-ADEC-71CA342097DF}" srcOrd="0" destOrd="0" presId="urn:microsoft.com/office/officeart/2005/8/layout/hierarchy1"/>
+    <dgm:cxn modelId="{497477B5-B32E-4DF3-8AB3-900502349FE5}" srcId="{3016DA74-FBB6-43B5-81B4-1665BFDAF843}" destId="{4A337895-FFA8-450F-8F1C-0AF4C6E58EBA}" srcOrd="0" destOrd="0" parTransId="{51EA7DBB-5A51-4964-9D4B-28877D815853}" sibTransId="{8FB9809F-0412-42FB-964D-F90975E8DD2D}"/>
+    <dgm:cxn modelId="{353EEAC7-379E-4A82-AB2E-916D352B1B20}" type="presOf" srcId="{63B18F5A-0C70-4EBF-BA8C-2EA88431425F}" destId="{B4C79B37-68FC-4D80-9FF9-980018AE1F99}" srcOrd="0" destOrd="0" presId="urn:microsoft.com/office/officeart/2005/8/layout/hierarchy1"/>
     <dgm:cxn modelId="{09B48FC8-4DAC-419C-9E47-41F041F4FB6A}" srcId="{13807429-84A8-4F76-BC35-C9E7010A4161}" destId="{1AA1045D-AF55-4AB9-8EE2-328B97747919}" srcOrd="0" destOrd="0" parTransId="{87F674BF-403F-45F6-8A08-5AC15522F20B}" sibTransId="{92D9D9A3-8F89-4ACD-9BD7-F6FF91D033A5}"/>
+    <dgm:cxn modelId="{BE13D9DB-C3A5-4D04-B255-A0616819B539}" type="presOf" srcId="{1E321F45-0806-4AEB-B26A-55068D55D3B5}" destId="{B06ADD77-664A-4731-8378-384FEEA775E1}" srcOrd="0" destOrd="0" presId="urn:microsoft.com/office/officeart/2005/8/layout/hierarchy1"/>
     <dgm:cxn modelId="{DC0274EC-0825-4BF2-B6A5-F8999B5E2B9E}" type="presOf" srcId="{4A337895-FFA8-450F-8F1C-0AF4C6E58EBA}" destId="{0DE91539-B4B2-4A36-A33C-8F7F11E867EC}" srcOrd="0" destOrd="0" presId="urn:microsoft.com/office/officeart/2005/8/layout/hierarchy1"/>
-    <dgm:cxn modelId="{4BCF1615-5CCD-42E2-AD83-450479090946}" type="presOf" srcId="{AF8C2BB5-6829-4148-91ED-A068C0EA9D2E}" destId="{640CB222-296F-4E83-8785-B4DCA0342B7D}" srcOrd="0" destOrd="0" presId="urn:microsoft.com/office/officeart/2005/8/layout/hierarchy1"/>
-    <dgm:cxn modelId="{F6458F33-FBC2-4930-8F9C-93109EFD8BD9}" srcId="{29DCB757-0B14-4634-A171-5A5C1C2A8F1F}" destId="{63B18F5A-0C70-4EBF-BA8C-2EA88431425F}" srcOrd="1" destOrd="0" parTransId="{7FC42F11-E7BB-4D22-A419-D396EBC5319A}" sibTransId="{3EFF5DA3-B4B3-4952-AE94-E236D529F20A}"/>
-    <dgm:cxn modelId="{094937A8-2E42-444E-AC29-9C533381D4EE}" type="presOf" srcId="{7FC42F11-E7BB-4D22-A419-D396EBC5319A}" destId="{738D005C-305C-4677-ADEC-71CA342097DF}" srcOrd="0" destOrd="0" presId="urn:microsoft.com/office/officeart/2005/8/layout/hierarchy1"/>
-    <dgm:cxn modelId="{B236CD2E-1E36-4A83-B35A-8AB3C9501D5A}" type="presOf" srcId="{13807429-84A8-4F76-BC35-C9E7010A4161}" destId="{6B43D7F6-77BA-4F02-9762-2C59475A2DA8}" srcOrd="0" destOrd="0" presId="urn:microsoft.com/office/officeart/2005/8/layout/hierarchy1"/>
-    <dgm:cxn modelId="{449D0A14-72CF-43F6-ADEB-0CDF4BEB2AEB}" srcId="{4A337895-FFA8-450F-8F1C-0AF4C6E58EBA}" destId="{29DCB757-0B14-4634-A171-5A5C1C2A8F1F}" srcOrd="0" destOrd="0" parTransId="{65703E51-C40C-4928-B5F8-A6D69A40F662}" sibTransId="{51988432-314D-4CCC-A771-6C387A1518CA}"/>
-    <dgm:cxn modelId="{79B8885A-2E4D-40AA-8C89-257E8CC0173F}" type="presOf" srcId="{4296E9D0-FAA0-4D84-B312-DD640F997773}" destId="{86E82659-B985-4182-9001-8AE9EDC5569E}" srcOrd="0" destOrd="0" presId="urn:microsoft.com/office/officeart/2005/8/layout/hierarchy1"/>
-    <dgm:cxn modelId="{E0CCFC24-1E96-4BD4-9F3C-FA835B422AEB}" type="presOf" srcId="{3016DA74-FBB6-43B5-81B4-1665BFDAF843}" destId="{18416813-2D15-49C8-9152-5180BEB69662}" srcOrd="0" destOrd="0" presId="urn:microsoft.com/office/officeart/2005/8/layout/hierarchy1"/>
-    <dgm:cxn modelId="{61CC1298-2386-41A2-8A84-2497D4B82B6D}" srcId="{FD8AD9E6-8BFD-4203-A069-2A7420D33F9D}" destId="{4296E9D0-FAA0-4D84-B312-DD640F997773}" srcOrd="0" destOrd="0" parTransId="{AF8C2BB5-6829-4148-91ED-A068C0EA9D2E}" sibTransId="{7DCDA810-4ED8-49D0-BAD0-26E80D695D5B}"/>
-    <dgm:cxn modelId="{EE2B755A-8F0E-4094-8B1A-3108CDA1374A}" srcId="{29DCB757-0B14-4634-A171-5A5C1C2A8F1F}" destId="{48CDEFB0-40AD-4827-9CF9-6E98D2450CC5}" srcOrd="0" destOrd="0" parTransId="{AA407470-553C-468B-AAED-1F6569F04FF3}" sibTransId="{40E6010A-EFE5-4493-A703-C2F26000EFF6}"/>
-    <dgm:cxn modelId="{2A03AA79-D6C0-4E58-BB02-653626C4C088}" type="presOf" srcId="{3F9C22E0-A0B0-4E59-98D8-305C63F7F774}" destId="{5C350BA3-F35B-48FA-A284-0850BEB51E54}" srcOrd="0" destOrd="0" presId="urn:microsoft.com/office/officeart/2005/8/layout/hierarchy1"/>
-    <dgm:cxn modelId="{BE13D9DB-C3A5-4D04-B255-A0616819B539}" type="presOf" srcId="{1E321F45-0806-4AEB-B26A-55068D55D3B5}" destId="{B06ADD77-664A-4731-8378-384FEEA775E1}" srcOrd="0" destOrd="0" presId="urn:microsoft.com/office/officeart/2005/8/layout/hierarchy1"/>
-    <dgm:cxn modelId="{353EEAC7-379E-4A82-AB2E-916D352B1B20}" type="presOf" srcId="{63B18F5A-0C70-4EBF-BA8C-2EA88431425F}" destId="{B4C79B37-68FC-4D80-9FF9-980018AE1F99}" srcOrd="0" destOrd="0" presId="urn:microsoft.com/office/officeart/2005/8/layout/hierarchy1"/>
-    <dgm:cxn modelId="{0AD24A2F-04B4-46B9-A2D4-FDBAEDBCD972}" type="presOf" srcId="{FD8AD9E6-8BFD-4203-A069-2A7420D33F9D}" destId="{E5435AD2-12A9-4021-A784-73DFB98207B1}" srcOrd="0" destOrd="0" presId="urn:microsoft.com/office/officeart/2005/8/layout/hierarchy1"/>
-    <dgm:cxn modelId="{9F29CC1D-17BC-4195-B406-2765D58F8BC2}" srcId="{4A337895-FFA8-450F-8F1C-0AF4C6E58EBA}" destId="{13807429-84A8-4F76-BC35-C9E7010A4161}" srcOrd="1" destOrd="0" parTransId="{3F9C22E0-A0B0-4E59-98D8-305C63F7F774}" sibTransId="{73E97C2A-726D-4D73-9235-E8045661E5DA}"/>
-    <dgm:cxn modelId="{497477B5-B32E-4DF3-8AB3-900502349FE5}" srcId="{3016DA74-FBB6-43B5-81B4-1665BFDAF843}" destId="{4A337895-FFA8-450F-8F1C-0AF4C6E58EBA}" srcOrd="0" destOrd="0" parTransId="{51EA7DBB-5A51-4964-9D4B-28877D815853}" sibTransId="{8FB9809F-0412-42FB-964D-F90975E8DD2D}"/>
-    <dgm:cxn modelId="{9FABB447-71A7-4022-8D01-26092BEDBF75}" type="presOf" srcId="{65703E51-C40C-4928-B5F8-A6D69A40F662}" destId="{B54AE129-0847-4CF8-ACD1-4FABF2413CD7}" srcOrd="0" destOrd="0" presId="urn:microsoft.com/office/officeart/2005/8/layout/hierarchy1"/>
-    <dgm:cxn modelId="{956C1704-25AE-4B4A-B392-550541E459F9}" type="presOf" srcId="{29DCB757-0B14-4634-A171-5A5C1C2A8F1F}" destId="{AB17DEBF-5F25-42D7-BA3B-F72EEDDC0F3A}" srcOrd="0" destOrd="0" presId="urn:microsoft.com/office/officeart/2005/8/layout/hierarchy1"/>
-    <dgm:cxn modelId="{52CF3772-B467-40F0-B697-BAC428513CF4}" type="presOf" srcId="{1AA1045D-AF55-4AB9-8EE2-328B97747919}" destId="{3F002DBC-E518-4A19-85A7-FCF22F59BCBB}" srcOrd="0" destOrd="0" presId="urn:microsoft.com/office/officeart/2005/8/layout/hierarchy1"/>
-    <dgm:cxn modelId="{4FC1A564-18E7-496F-BAE0-A94BD9BEDBBC}" srcId="{4A337895-FFA8-450F-8F1C-0AF4C6E58EBA}" destId="{FD8AD9E6-8BFD-4203-A069-2A7420D33F9D}" srcOrd="2" destOrd="0" parTransId="{1E321F45-0806-4AEB-B26A-55068D55D3B5}" sibTransId="{50155CF6-DA74-43C6-9A33-519D1F4E6E80}"/>
     <dgm:cxn modelId="{7BE08641-3222-4A58-BCB9-80D4BA24D592}" type="presParOf" srcId="{18416813-2D15-49C8-9152-5180BEB69662}" destId="{0AA2A701-9287-4537-99D2-4AC13ADE6947}" srcOrd="0" destOrd="0" presId="urn:microsoft.com/office/officeart/2005/8/layout/hierarchy1"/>
     <dgm:cxn modelId="{CD718F99-318E-435F-8CC2-33850BCA46CB}" type="presParOf" srcId="{0AA2A701-9287-4537-99D2-4AC13ADE6947}" destId="{BA73712D-9EC6-4483-967B-BE04775FB072}" srcOrd="0" destOrd="0" presId="urn:microsoft.com/office/officeart/2005/8/layout/hierarchy1"/>
     <dgm:cxn modelId="{F8726864-A1D3-4487-A2A3-3AC7CD47D203}" type="presParOf" srcId="{BA73712D-9EC6-4483-967B-BE04775FB072}" destId="{71348C18-ED6F-44A8-9DF0-941B14222D0F}" srcOrd="0" destOrd="0" presId="urn:microsoft.com/office/officeart/2005/8/layout/hierarchy1"/>
@@ -4511,10 +4302,9 @@
         <a:lstStyle/>
         <a:p>
           <a:r>
-            <a:rPr lang="ru-RU" sz="1200" dirty="0" smtClean="0"/>
+            <a:rPr lang="ru-RU" sz="1200" dirty="0"/>
             <a:t>Посуда</a:t>
           </a:r>
-          <a:endParaRPr lang="ru-RU" sz="1200" dirty="0"/>
         </a:p>
       </dgm:t>
     </dgm:pt>
@@ -4548,10 +4338,9 @@
         <a:lstStyle/>
         <a:p>
           <a:r>
-            <a:rPr lang="ru-RU" sz="1200" dirty="0" smtClean="0"/>
+            <a:rPr lang="ru-RU" sz="1200" dirty="0"/>
             <a:t>Кувшин</a:t>
           </a:r>
-          <a:endParaRPr lang="ru-RU" sz="1200" dirty="0"/>
         </a:p>
       </dgm:t>
     </dgm:pt>
@@ -4585,10 +4374,9 @@
         <a:lstStyle/>
         <a:p>
           <a:r>
-            <a:rPr lang="ru-RU" sz="1200" dirty="0" smtClean="0"/>
+            <a:rPr lang="ru-RU" sz="1200" dirty="0"/>
             <a:t>Тарелка</a:t>
           </a:r>
-          <a:endParaRPr lang="ru-RU" sz="1200" dirty="0"/>
         </a:p>
       </dgm:t>
     </dgm:pt>
@@ -4622,10 +4410,9 @@
         <a:lstStyle/>
         <a:p>
           <a:r>
-            <a:rPr lang="ru-RU" sz="1200" dirty="0" smtClean="0"/>
+            <a:rPr lang="ru-RU" sz="1200" dirty="0"/>
             <a:t>Кастрюля</a:t>
           </a:r>
-          <a:endParaRPr lang="ru-RU" sz="1200" dirty="0"/>
         </a:p>
       </dgm:t>
     </dgm:pt>
@@ -4659,10 +4446,9 @@
         <a:lstStyle/>
         <a:p>
           <a:r>
-            <a:rPr lang="ru-RU" sz="1200" dirty="0" smtClean="0"/>
+            <a:rPr lang="ru-RU" sz="1200" dirty="0"/>
             <a:t>Чайник</a:t>
           </a:r>
-          <a:endParaRPr lang="ru-RU" sz="1200" dirty="0"/>
         </a:p>
       </dgm:t>
     </dgm:pt>
@@ -4696,10 +4482,9 @@
         <a:lstStyle/>
         <a:p>
           <a:r>
-            <a:rPr lang="ru-RU" sz="1200" dirty="0" smtClean="0"/>
+            <a:rPr lang="ru-RU" sz="1200" dirty="0"/>
             <a:t>Электрочайник</a:t>
           </a:r>
-          <a:endParaRPr lang="ru-RU" sz="1200" dirty="0"/>
         </a:p>
       </dgm:t>
     </dgm:pt>
@@ -4736,13 +4521,6 @@
         </dgm:presLayoutVars>
       </dgm:prSet>
       <dgm:spPr/>
-      <dgm:t>
-        <a:bodyPr/>
-        <a:lstStyle/>
-        <a:p>
-          <a:endParaRPr lang="ru-RU"/>
-        </a:p>
-      </dgm:t>
     </dgm:pt>
     <dgm:pt modelId="{BE4521D9-9971-4D27-A766-E796DAFFA110}" type="pres">
       <dgm:prSet presAssocID="{20156D86-6C07-4172-90C5-6B63B507EB1B}" presName="hierRoot1" presStyleCnt="0"/>
@@ -4763,13 +4541,6 @@
         </dgm:presLayoutVars>
       </dgm:prSet>
       <dgm:spPr/>
-      <dgm:t>
-        <a:bodyPr/>
-        <a:lstStyle/>
-        <a:p>
-          <a:endParaRPr lang="ru-RU"/>
-        </a:p>
-      </dgm:t>
     </dgm:pt>
     <dgm:pt modelId="{9E4B7F13-3DDF-4A91-95E8-1732E23EB5A5}" type="pres">
       <dgm:prSet presAssocID="{20156D86-6C07-4172-90C5-6B63B507EB1B}" presName="hierChild2" presStyleCnt="0"/>
@@ -4778,13 +4549,6 @@
     <dgm:pt modelId="{8B4790DE-8A4C-4C9C-A07E-68BC36400A8F}" type="pres">
       <dgm:prSet presAssocID="{018B1995-8647-49E8-B1D3-38B583671010}" presName="Name10" presStyleLbl="parChTrans1D2" presStyleIdx="0" presStyleCnt="4"/>
       <dgm:spPr/>
-      <dgm:t>
-        <a:bodyPr/>
-        <a:lstStyle/>
-        <a:p>
-          <a:endParaRPr lang="ru-RU"/>
-        </a:p>
-      </dgm:t>
     </dgm:pt>
     <dgm:pt modelId="{8416DF6B-C44B-4BBE-AFB4-719B33B2E614}" type="pres">
       <dgm:prSet presAssocID="{C1170109-7BC1-4E7F-B004-8E2D588F7194}" presName="hierRoot2" presStyleCnt="0"/>
@@ -4805,13 +4569,6 @@
         </dgm:presLayoutVars>
       </dgm:prSet>
       <dgm:spPr/>
-      <dgm:t>
-        <a:bodyPr/>
-        <a:lstStyle/>
-        <a:p>
-          <a:endParaRPr lang="ru-RU"/>
-        </a:p>
-      </dgm:t>
     </dgm:pt>
     <dgm:pt modelId="{5C18C9C6-FF4A-4B30-BE7E-AF14D9379772}" type="pres">
       <dgm:prSet presAssocID="{C1170109-7BC1-4E7F-B004-8E2D588F7194}" presName="hierChild3" presStyleCnt="0"/>
@@ -4820,13 +4577,6 @@
     <dgm:pt modelId="{30BA7587-62BC-4D6C-B9DC-3DF9B3DE8A58}" type="pres">
       <dgm:prSet presAssocID="{5065425F-2C5C-4DF8-8656-63C65F2997EF}" presName="Name10" presStyleLbl="parChTrans1D2" presStyleIdx="1" presStyleCnt="4"/>
       <dgm:spPr/>
-      <dgm:t>
-        <a:bodyPr/>
-        <a:lstStyle/>
-        <a:p>
-          <a:endParaRPr lang="ru-RU"/>
-        </a:p>
-      </dgm:t>
     </dgm:pt>
     <dgm:pt modelId="{94BD3629-69A6-4A73-9E3F-2C18E6F43EBB}" type="pres">
       <dgm:prSet presAssocID="{D8F25ACF-321D-478B-BEA1-9BD8F7036D41}" presName="hierRoot2" presStyleCnt="0"/>
@@ -4847,13 +4597,6 @@
         </dgm:presLayoutVars>
       </dgm:prSet>
       <dgm:spPr/>
-      <dgm:t>
-        <a:bodyPr/>
-        <a:lstStyle/>
-        <a:p>
-          <a:endParaRPr lang="ru-RU"/>
-        </a:p>
-      </dgm:t>
     </dgm:pt>
     <dgm:pt modelId="{C1C6483A-580E-41F7-B816-112123DB29F7}" type="pres">
       <dgm:prSet presAssocID="{D8F25ACF-321D-478B-BEA1-9BD8F7036D41}" presName="hierChild3" presStyleCnt="0"/>
@@ -4862,13 +4605,6 @@
     <dgm:pt modelId="{3B899E62-A8A9-46EF-91EA-919B35DAE9A1}" type="pres">
       <dgm:prSet presAssocID="{CC0B5645-F2BF-47C7-A22E-13867ED7CB69}" presName="Name10" presStyleLbl="parChTrans1D2" presStyleIdx="2" presStyleCnt="4"/>
       <dgm:spPr/>
-      <dgm:t>
-        <a:bodyPr/>
-        <a:lstStyle/>
-        <a:p>
-          <a:endParaRPr lang="ru-RU"/>
-        </a:p>
-      </dgm:t>
     </dgm:pt>
     <dgm:pt modelId="{A85373DC-492D-43B8-900F-AD7FC64A1339}" type="pres">
       <dgm:prSet presAssocID="{557D3BB9-2B21-444B-B8ED-4805C1F6CDED}" presName="hierRoot2" presStyleCnt="0"/>
@@ -4889,13 +4625,6 @@
         </dgm:presLayoutVars>
       </dgm:prSet>
       <dgm:spPr/>
-      <dgm:t>
-        <a:bodyPr/>
-        <a:lstStyle/>
-        <a:p>
-          <a:endParaRPr lang="ru-RU"/>
-        </a:p>
-      </dgm:t>
     </dgm:pt>
     <dgm:pt modelId="{E90B0606-74ED-4B03-88A0-848A8E7A6D76}" type="pres">
       <dgm:prSet presAssocID="{557D3BB9-2B21-444B-B8ED-4805C1F6CDED}" presName="hierChild3" presStyleCnt="0"/>
@@ -4904,13 +4633,6 @@
     <dgm:pt modelId="{F2A3D314-C5B9-43E5-A9E1-D4C5407844EF}" type="pres">
       <dgm:prSet presAssocID="{3BE93795-B2AA-4128-8074-1157031E5609}" presName="Name10" presStyleLbl="parChTrans1D2" presStyleIdx="3" presStyleCnt="4"/>
       <dgm:spPr/>
-      <dgm:t>
-        <a:bodyPr/>
-        <a:lstStyle/>
-        <a:p>
-          <a:endParaRPr lang="ru-RU"/>
-        </a:p>
-      </dgm:t>
     </dgm:pt>
     <dgm:pt modelId="{18587E0F-21AE-4ABC-B79D-F87D777F6EEA}" type="pres">
       <dgm:prSet presAssocID="{ADDA526E-58E9-4C8F-91C0-75E300D74A99}" presName="hierRoot2" presStyleCnt="0"/>
@@ -4931,13 +4653,6 @@
         </dgm:presLayoutVars>
       </dgm:prSet>
       <dgm:spPr/>
-      <dgm:t>
-        <a:bodyPr/>
-        <a:lstStyle/>
-        <a:p>
-          <a:endParaRPr lang="ru-RU"/>
-        </a:p>
-      </dgm:t>
     </dgm:pt>
     <dgm:pt modelId="{F6E95912-A23E-4891-A245-706AA34A7DF1}" type="pres">
       <dgm:prSet presAssocID="{ADDA526E-58E9-4C8F-91C0-75E300D74A99}" presName="hierChild3" presStyleCnt="0"/>
@@ -4946,13 +4661,6 @@
     <dgm:pt modelId="{FF33E690-A6B7-4D7D-9F52-A7A995BCC70D}" type="pres">
       <dgm:prSet presAssocID="{2DD13292-9B36-4921-9DB9-8196CBC1B1DB}" presName="Name17" presStyleLbl="parChTrans1D3" presStyleIdx="0" presStyleCnt="1"/>
       <dgm:spPr/>
-      <dgm:t>
-        <a:bodyPr/>
-        <a:lstStyle/>
-        <a:p>
-          <a:endParaRPr lang="ru-RU"/>
-        </a:p>
-      </dgm:t>
     </dgm:pt>
     <dgm:pt modelId="{D03F05E7-5A67-4A09-99E2-307D4677B34B}" type="pres">
       <dgm:prSet presAssocID="{777E6487-EB49-4F75-A03B-ED667B047D0B}" presName="hierRoot3" presStyleCnt="0"/>
@@ -4973,13 +4681,6 @@
         </dgm:presLayoutVars>
       </dgm:prSet>
       <dgm:spPr/>
-      <dgm:t>
-        <a:bodyPr/>
-        <a:lstStyle/>
-        <a:p>
-          <a:endParaRPr lang="ru-RU"/>
-        </a:p>
-      </dgm:t>
     </dgm:pt>
     <dgm:pt modelId="{F9F2D23B-7605-4F7D-B331-CEE9973C288A}" type="pres">
       <dgm:prSet presAssocID="{777E6487-EB49-4F75-A03B-ED667B047D0B}" presName="hierChild4" presStyleCnt="0"/>
@@ -4987,24 +4688,24 @@
     </dgm:pt>
   </dgm:ptLst>
   <dgm:cxnLst>
+    <dgm:cxn modelId="{F96E3203-8DA7-462A-B375-6F89C0638FE9}" type="presOf" srcId="{D8F25ACF-321D-478B-BEA1-9BD8F7036D41}" destId="{CE4DE981-665B-47B8-9ABB-27192165ADC9}" srcOrd="0" destOrd="0" presId="urn:microsoft.com/office/officeart/2005/8/layout/hierarchy1"/>
+    <dgm:cxn modelId="{592B3D09-95FA-4FC5-BFD4-0A6BCF5169E5}" srcId="{ADDA526E-58E9-4C8F-91C0-75E300D74A99}" destId="{777E6487-EB49-4F75-A03B-ED667B047D0B}" srcOrd="0" destOrd="0" parTransId="{2DD13292-9B36-4921-9DB9-8196CBC1B1DB}" sibTransId="{3C9BDC63-7D5B-4485-8847-49001CBF183D}"/>
     <dgm:cxn modelId="{A8A4360A-1DC1-470F-95DC-67D6BC3E553A}" type="presOf" srcId="{2DD13292-9B36-4921-9DB9-8196CBC1B1DB}" destId="{FF33E690-A6B7-4D7D-9F52-A7A995BCC70D}" srcOrd="0" destOrd="0" presId="urn:microsoft.com/office/officeart/2005/8/layout/hierarchy1"/>
-    <dgm:cxn modelId="{1ACAC546-0C15-4957-BF40-35529FFD49DF}" type="presOf" srcId="{20156D86-6C07-4172-90C5-6B63B507EB1B}" destId="{DAAD5AB0-461E-4F22-86F1-32A4EB1AB592}" srcOrd="0" destOrd="0" presId="urn:microsoft.com/office/officeart/2005/8/layout/hierarchy1"/>
-    <dgm:cxn modelId="{6F0A1E3F-21E0-4AC0-AF69-D1B21186FF66}" type="presOf" srcId="{557D3BB9-2B21-444B-B8ED-4805C1F6CDED}" destId="{CC1687FF-3E4E-4C63-A9DA-E30F261EC3B9}" srcOrd="0" destOrd="0" presId="urn:microsoft.com/office/officeart/2005/8/layout/hierarchy1"/>
-    <dgm:cxn modelId="{FC6D21C4-0D0E-476A-895A-6D7260976E50}" srcId="{C1E7C48E-B98C-4203-84B3-20760ACD87AA}" destId="{20156D86-6C07-4172-90C5-6B63B507EB1B}" srcOrd="0" destOrd="0" parTransId="{0DC3A203-3D25-431B-A101-22A1E9C786F8}" sibTransId="{BFF1BC3A-2DD4-4CEC-B9C7-30CF39AB2765}"/>
-    <dgm:cxn modelId="{D82ACC67-A700-4220-AF4D-57E30C67753A}" type="presOf" srcId="{CC0B5645-F2BF-47C7-A22E-13867ED7CB69}" destId="{3B899E62-A8A9-46EF-91EA-919B35DAE9A1}" srcOrd="0" destOrd="0" presId="urn:microsoft.com/office/officeart/2005/8/layout/hierarchy1"/>
     <dgm:cxn modelId="{B26C9D10-9DD0-43CC-A95F-51E9DB8DF369}" srcId="{20156D86-6C07-4172-90C5-6B63B507EB1B}" destId="{ADDA526E-58E9-4C8F-91C0-75E300D74A99}" srcOrd="3" destOrd="0" parTransId="{3BE93795-B2AA-4128-8074-1157031E5609}" sibTransId="{D097059A-F4A6-48E8-A172-9ABD2B63BCC5}"/>
-    <dgm:cxn modelId="{F96E3203-8DA7-462A-B375-6F89C0638FE9}" type="presOf" srcId="{D8F25ACF-321D-478B-BEA1-9BD8F7036D41}" destId="{CE4DE981-665B-47B8-9ABB-27192165ADC9}" srcOrd="0" destOrd="0" presId="urn:microsoft.com/office/officeart/2005/8/layout/hierarchy1"/>
-    <dgm:cxn modelId="{3F382560-02EB-4ECD-9CE7-ECE045C7922E}" type="presOf" srcId="{3BE93795-B2AA-4128-8074-1157031E5609}" destId="{F2A3D314-C5B9-43E5-A9E1-D4C5407844EF}" srcOrd="0" destOrd="0" presId="urn:microsoft.com/office/officeart/2005/8/layout/hierarchy1"/>
-    <dgm:cxn modelId="{592B3D09-95FA-4FC5-BFD4-0A6BCF5169E5}" srcId="{ADDA526E-58E9-4C8F-91C0-75E300D74A99}" destId="{777E6487-EB49-4F75-A03B-ED667B047D0B}" srcOrd="0" destOrd="0" parTransId="{2DD13292-9B36-4921-9DB9-8196CBC1B1DB}" sibTransId="{3C9BDC63-7D5B-4485-8847-49001CBF183D}"/>
-    <dgm:cxn modelId="{B283B8E6-B81D-45F1-8E33-652B74ADD2AA}" srcId="{20156D86-6C07-4172-90C5-6B63B507EB1B}" destId="{557D3BB9-2B21-444B-B8ED-4805C1F6CDED}" srcOrd="2" destOrd="0" parTransId="{CC0B5645-F2BF-47C7-A22E-13867ED7CB69}" sibTransId="{9B7709C9-1C26-48C0-B892-91D677A9FAFF}"/>
-    <dgm:cxn modelId="{0FD7D794-8321-4E9D-8337-38849428E566}" srcId="{20156D86-6C07-4172-90C5-6B63B507EB1B}" destId="{D8F25ACF-321D-478B-BEA1-9BD8F7036D41}" srcOrd="1" destOrd="0" parTransId="{5065425F-2C5C-4DF8-8656-63C65F2997EF}" sibTransId="{AE2EA0FC-BF36-4189-BF2E-A507CE0F64F5}"/>
-    <dgm:cxn modelId="{8F01DFC4-9160-4097-BC31-3B808489AAF3}" type="presOf" srcId="{018B1995-8647-49E8-B1D3-38B583671010}" destId="{8B4790DE-8A4C-4C9C-A07E-68BC36400A8F}" srcOrd="0" destOrd="0" presId="urn:microsoft.com/office/officeart/2005/8/layout/hierarchy1"/>
-    <dgm:cxn modelId="{525387AD-C206-4944-9064-4ADB5E6BC27C}" type="presOf" srcId="{ADDA526E-58E9-4C8F-91C0-75E300D74A99}" destId="{51815D8F-3D1C-4106-BDDD-427AE213E8E8}" srcOrd="0" destOrd="0" presId="urn:microsoft.com/office/officeart/2005/8/layout/hierarchy1"/>
-    <dgm:cxn modelId="{50486D1E-91FA-4657-8F54-5D2979A314C3}" type="presOf" srcId="{C1170109-7BC1-4E7F-B004-8E2D588F7194}" destId="{BB70E5B4-95C4-4516-A9C0-1F85301E84A5}" srcOrd="0" destOrd="0" presId="urn:microsoft.com/office/officeart/2005/8/layout/hierarchy1"/>
     <dgm:cxn modelId="{E75BA01C-A496-4F3F-825B-9492544533B6}" type="presOf" srcId="{C1E7C48E-B98C-4203-84B3-20760ACD87AA}" destId="{91FC972A-881D-4571-9C90-646CC06FD320}" srcOrd="0" destOrd="0" presId="urn:microsoft.com/office/officeart/2005/8/layout/hierarchy1"/>
     <dgm:cxn modelId="{8165D81C-D75B-4C9E-8448-BD22968995C5}" srcId="{20156D86-6C07-4172-90C5-6B63B507EB1B}" destId="{C1170109-7BC1-4E7F-B004-8E2D588F7194}" srcOrd="0" destOrd="0" parTransId="{018B1995-8647-49E8-B1D3-38B583671010}" sibTransId="{0BBB8B89-D088-42B1-8573-D05FB5F93E5F}"/>
+    <dgm:cxn modelId="{50486D1E-91FA-4657-8F54-5D2979A314C3}" type="presOf" srcId="{C1170109-7BC1-4E7F-B004-8E2D588F7194}" destId="{BB70E5B4-95C4-4516-A9C0-1F85301E84A5}" srcOrd="0" destOrd="0" presId="urn:microsoft.com/office/officeart/2005/8/layout/hierarchy1"/>
+    <dgm:cxn modelId="{6F0A1E3F-21E0-4AC0-AF69-D1B21186FF66}" type="presOf" srcId="{557D3BB9-2B21-444B-B8ED-4805C1F6CDED}" destId="{CC1687FF-3E4E-4C63-A9DA-E30F261EC3B9}" srcOrd="0" destOrd="0" presId="urn:microsoft.com/office/officeart/2005/8/layout/hierarchy1"/>
+    <dgm:cxn modelId="{3F382560-02EB-4ECD-9CE7-ECE045C7922E}" type="presOf" srcId="{3BE93795-B2AA-4128-8074-1157031E5609}" destId="{F2A3D314-C5B9-43E5-A9E1-D4C5407844EF}" srcOrd="0" destOrd="0" presId="urn:microsoft.com/office/officeart/2005/8/layout/hierarchy1"/>
+    <dgm:cxn modelId="{1ACAC546-0C15-4957-BF40-35529FFD49DF}" type="presOf" srcId="{20156D86-6C07-4172-90C5-6B63B507EB1B}" destId="{DAAD5AB0-461E-4F22-86F1-32A4EB1AB592}" srcOrd="0" destOrd="0" presId="urn:microsoft.com/office/officeart/2005/8/layout/hierarchy1"/>
+    <dgm:cxn modelId="{D82ACC67-A700-4220-AF4D-57E30C67753A}" type="presOf" srcId="{CC0B5645-F2BF-47C7-A22E-13867ED7CB69}" destId="{3B899E62-A8A9-46EF-91EA-919B35DAE9A1}" srcOrd="0" destOrd="0" presId="urn:microsoft.com/office/officeart/2005/8/layout/hierarchy1"/>
     <dgm:cxn modelId="{EC6E577D-2241-47E8-86D0-74A83738B727}" type="presOf" srcId="{777E6487-EB49-4F75-A03B-ED667B047D0B}" destId="{A541EDF6-6F2A-486D-AC5F-0D3F845F0DAB}" srcOrd="0" destOrd="0" presId="urn:microsoft.com/office/officeart/2005/8/layout/hierarchy1"/>
+    <dgm:cxn modelId="{0FD7D794-8321-4E9D-8337-38849428E566}" srcId="{20156D86-6C07-4172-90C5-6B63B507EB1B}" destId="{D8F25ACF-321D-478B-BEA1-9BD8F7036D41}" srcOrd="1" destOrd="0" parTransId="{5065425F-2C5C-4DF8-8656-63C65F2997EF}" sibTransId="{AE2EA0FC-BF36-4189-BF2E-A507CE0F64F5}"/>
     <dgm:cxn modelId="{2DBFE5AA-C4F4-40D8-8E2C-E89E2312CFAC}" type="presOf" srcId="{5065425F-2C5C-4DF8-8656-63C65F2997EF}" destId="{30BA7587-62BC-4D6C-B9DC-3DF9B3DE8A58}" srcOrd="0" destOrd="0" presId="urn:microsoft.com/office/officeart/2005/8/layout/hierarchy1"/>
+    <dgm:cxn modelId="{525387AD-C206-4944-9064-4ADB5E6BC27C}" type="presOf" srcId="{ADDA526E-58E9-4C8F-91C0-75E300D74A99}" destId="{51815D8F-3D1C-4106-BDDD-427AE213E8E8}" srcOrd="0" destOrd="0" presId="urn:microsoft.com/office/officeart/2005/8/layout/hierarchy1"/>
+    <dgm:cxn modelId="{FC6D21C4-0D0E-476A-895A-6D7260976E50}" srcId="{C1E7C48E-B98C-4203-84B3-20760ACD87AA}" destId="{20156D86-6C07-4172-90C5-6B63B507EB1B}" srcOrd="0" destOrd="0" parTransId="{0DC3A203-3D25-431B-A101-22A1E9C786F8}" sibTransId="{BFF1BC3A-2DD4-4CEC-B9C7-30CF39AB2765}"/>
+    <dgm:cxn modelId="{8F01DFC4-9160-4097-BC31-3B808489AAF3}" type="presOf" srcId="{018B1995-8647-49E8-B1D3-38B583671010}" destId="{8B4790DE-8A4C-4C9C-A07E-68BC36400A8F}" srcOrd="0" destOrd="0" presId="urn:microsoft.com/office/officeart/2005/8/layout/hierarchy1"/>
+    <dgm:cxn modelId="{B283B8E6-B81D-45F1-8E33-652B74ADD2AA}" srcId="{20156D86-6C07-4172-90C5-6B63B507EB1B}" destId="{557D3BB9-2B21-444B-B8ED-4805C1F6CDED}" srcOrd="2" destOrd="0" parTransId="{CC0B5645-F2BF-47C7-A22E-13867ED7CB69}" sibTransId="{9B7709C9-1C26-48C0-B892-91D677A9FAFF}"/>
     <dgm:cxn modelId="{EA7CEFDF-A32D-44B4-B51D-53E3B27BA516}" type="presParOf" srcId="{91FC972A-881D-4571-9C90-646CC06FD320}" destId="{BE4521D9-9971-4D27-A766-E796DAFFA110}" srcOrd="0" destOrd="0" presId="urn:microsoft.com/office/officeart/2005/8/layout/hierarchy1"/>
     <dgm:cxn modelId="{97B8F6DF-9715-4D65-B2A0-19D83902C8D9}" type="presParOf" srcId="{BE4521D9-9971-4D27-A766-E796DAFFA110}" destId="{58E0EBE3-219C-4CBF-8B6F-9C338C084084}" srcOrd="0" destOrd="0" presId="urn:microsoft.com/office/officeart/2005/8/layout/hierarchy1"/>
     <dgm:cxn modelId="{39D5A081-A9E5-4D4D-B1B5-80DA8620D7E3}" type="presParOf" srcId="{58E0EBE3-219C-4CBF-8B6F-9C338C084084}" destId="{69FC574F-D9EB-4473-96A0-C29ADC58B96F}" srcOrd="0" destOrd="0" presId="urn:microsoft.com/office/officeart/2005/8/layout/hierarchy1"/>
@@ -5073,10 +4774,9 @@
         <a:lstStyle/>
         <a:p>
           <a:r>
-            <a:rPr lang="ru-RU" dirty="0" smtClean="0"/>
+            <a:rPr lang="ru-RU" dirty="0"/>
             <a:t>Точка</a:t>
           </a:r>
-          <a:endParaRPr lang="ru-RU" dirty="0"/>
         </a:p>
       </dgm:t>
     </dgm:pt>
@@ -5110,10 +4810,9 @@
         <a:lstStyle/>
         <a:p>
           <a:r>
-            <a:rPr lang="ru-RU" dirty="0" smtClean="0"/>
+            <a:rPr lang="ru-RU" dirty="0"/>
             <a:t>Отрезок</a:t>
           </a:r>
-          <a:endParaRPr lang="ru-RU" dirty="0"/>
         </a:p>
       </dgm:t>
     </dgm:pt>
@@ -5147,10 +4846,9 @@
         <a:lstStyle/>
         <a:p>
           <a:r>
-            <a:rPr lang="ru-RU" dirty="0" smtClean="0"/>
+            <a:rPr lang="ru-RU" dirty="0"/>
             <a:t>Окружность</a:t>
           </a:r>
-          <a:endParaRPr lang="ru-RU" dirty="0"/>
         </a:p>
       </dgm:t>
     </dgm:pt>
@@ -5184,10 +4882,9 @@
         <a:lstStyle/>
         <a:p>
           <a:r>
-            <a:rPr lang="ru-RU" dirty="0" smtClean="0"/>
+            <a:rPr lang="ru-RU" dirty="0"/>
             <a:t>Цилиндр</a:t>
           </a:r>
-          <a:endParaRPr lang="ru-RU" dirty="0"/>
         </a:p>
       </dgm:t>
     </dgm:pt>
@@ -5221,10 +4918,9 @@
         <a:lstStyle/>
         <a:p>
           <a:r>
-            <a:rPr lang="ru-RU" dirty="0" smtClean="0"/>
+            <a:rPr lang="ru-RU" dirty="0"/>
             <a:t>Треугольник</a:t>
           </a:r>
-          <a:endParaRPr lang="ru-RU" dirty="0"/>
         </a:p>
       </dgm:t>
     </dgm:pt>
@@ -5258,10 +4954,9 @@
         <a:lstStyle/>
         <a:p>
           <a:r>
-            <a:rPr lang="ru-RU" dirty="0" smtClean="0"/>
+            <a:rPr lang="ru-RU" dirty="0"/>
             <a:t>Сфера</a:t>
           </a:r>
-          <a:endParaRPr lang="ru-RU" dirty="0"/>
         </a:p>
       </dgm:t>
     </dgm:pt>
@@ -5298,13 +4993,6 @@
         </dgm:presLayoutVars>
       </dgm:prSet>
       <dgm:spPr/>
-      <dgm:t>
-        <a:bodyPr/>
-        <a:lstStyle/>
-        <a:p>
-          <a:endParaRPr lang="ru-RU"/>
-        </a:p>
-      </dgm:t>
     </dgm:pt>
     <dgm:pt modelId="{0AA2A701-9287-4537-99D2-4AC13ADE6947}" type="pres">
       <dgm:prSet presAssocID="{4A337895-FFA8-450F-8F1C-0AF4C6E58EBA}" presName="hierRoot1" presStyleCnt="0"/>
@@ -5325,13 +5013,6 @@
         </dgm:presLayoutVars>
       </dgm:prSet>
       <dgm:spPr/>
-      <dgm:t>
-        <a:bodyPr/>
-        <a:lstStyle/>
-        <a:p>
-          <a:endParaRPr lang="ru-RU"/>
-        </a:p>
-      </dgm:t>
     </dgm:pt>
     <dgm:pt modelId="{747683E8-9703-4F9E-9110-117B33E59F6C}" type="pres">
       <dgm:prSet presAssocID="{4A337895-FFA8-450F-8F1C-0AF4C6E58EBA}" presName="hierChild2" presStyleCnt="0"/>
@@ -5340,13 +5021,6 @@
     <dgm:pt modelId="{A5CB61BF-FE74-43BA-93AE-EBDE4301D2B2}" type="pres">
       <dgm:prSet presAssocID="{55108F9A-A3AC-4E39-81B3-0B9148C4AE98}" presName="Name10" presStyleLbl="parChTrans1D2" presStyleIdx="0" presStyleCnt="2"/>
       <dgm:spPr/>
-      <dgm:t>
-        <a:bodyPr/>
-        <a:lstStyle/>
-        <a:p>
-          <a:endParaRPr lang="ru-RU"/>
-        </a:p>
-      </dgm:t>
     </dgm:pt>
     <dgm:pt modelId="{53D93C51-6361-4186-B194-4508EBACD1E5}" type="pres">
       <dgm:prSet presAssocID="{DF64665E-6F19-43FE-84A4-9C545B0EBC8F}" presName="hierRoot2" presStyleCnt="0"/>
@@ -5367,13 +5041,6 @@
         </dgm:presLayoutVars>
       </dgm:prSet>
       <dgm:spPr/>
-      <dgm:t>
-        <a:bodyPr/>
-        <a:lstStyle/>
-        <a:p>
-          <a:endParaRPr lang="ru-RU"/>
-        </a:p>
-      </dgm:t>
     </dgm:pt>
     <dgm:pt modelId="{9968B7A5-22AC-42A9-A0B4-685611BD9A34}" type="pres">
       <dgm:prSet presAssocID="{DF64665E-6F19-43FE-84A4-9C545B0EBC8F}" presName="hierChild3" presStyleCnt="0"/>
@@ -5382,13 +5049,6 @@
     <dgm:pt modelId="{6D63E3AC-F5A3-44F3-B6D0-2BEADD72B568}" type="pres">
       <dgm:prSet presAssocID="{D89600B9-28BF-4715-9C20-6C3A4D1A128C}" presName="Name17" presStyleLbl="parChTrans1D3" presStyleIdx="0" presStyleCnt="3"/>
       <dgm:spPr/>
-      <dgm:t>
-        <a:bodyPr/>
-        <a:lstStyle/>
-        <a:p>
-          <a:endParaRPr lang="ru-RU"/>
-        </a:p>
-      </dgm:t>
     </dgm:pt>
     <dgm:pt modelId="{8F4628C8-7C2E-4F0B-9A28-4689D219635F}" type="pres">
       <dgm:prSet presAssocID="{251FE176-F7C4-4717-9730-CF0E575F5BE9}" presName="hierRoot3" presStyleCnt="0"/>
@@ -5409,13 +5069,6 @@
         </dgm:presLayoutVars>
       </dgm:prSet>
       <dgm:spPr/>
-      <dgm:t>
-        <a:bodyPr/>
-        <a:lstStyle/>
-        <a:p>
-          <a:endParaRPr lang="ru-RU"/>
-        </a:p>
-      </dgm:t>
     </dgm:pt>
     <dgm:pt modelId="{AC15BFCD-9C28-4FC4-BA98-7F8694D544C5}" type="pres">
       <dgm:prSet presAssocID="{251FE176-F7C4-4717-9730-CF0E575F5BE9}" presName="hierChild4" presStyleCnt="0"/>
@@ -5424,13 +5077,6 @@
     <dgm:pt modelId="{F1FCA1CE-2623-4125-BC81-AAD7D57C055A}" type="pres">
       <dgm:prSet presAssocID="{0E392FDA-0769-4437-A8E4-4B289E2948BC}" presName="Name10" presStyleLbl="parChTrans1D2" presStyleIdx="1" presStyleCnt="2"/>
       <dgm:spPr/>
-      <dgm:t>
-        <a:bodyPr/>
-        <a:lstStyle/>
-        <a:p>
-          <a:endParaRPr lang="ru-RU"/>
-        </a:p>
-      </dgm:t>
     </dgm:pt>
     <dgm:pt modelId="{4B43158E-576B-462E-901F-5CA9749FFB2C}" type="pres">
       <dgm:prSet presAssocID="{473C6EFB-5DC4-4F4B-A1B9-5B47BDEABA80}" presName="hierRoot2" presStyleCnt="0"/>
@@ -5451,13 +5097,6 @@
         </dgm:presLayoutVars>
       </dgm:prSet>
       <dgm:spPr/>
-      <dgm:t>
-        <a:bodyPr/>
-        <a:lstStyle/>
-        <a:p>
-          <a:endParaRPr lang="ru-RU"/>
-        </a:p>
-      </dgm:t>
     </dgm:pt>
     <dgm:pt modelId="{F598F337-A080-4864-8B7F-072769501E05}" type="pres">
       <dgm:prSet presAssocID="{473C6EFB-5DC4-4F4B-A1B9-5B47BDEABA80}" presName="hierChild3" presStyleCnt="0"/>
@@ -5466,13 +5105,6 @@
     <dgm:pt modelId="{7C438CF2-C490-46E8-B65E-888EB3622420}" type="pres">
       <dgm:prSet presAssocID="{CB7F2D32-2AA5-4D5D-9413-CAA400DD2727}" presName="Name17" presStyleLbl="parChTrans1D3" presStyleIdx="1" presStyleCnt="3"/>
       <dgm:spPr/>
-      <dgm:t>
-        <a:bodyPr/>
-        <a:lstStyle/>
-        <a:p>
-          <a:endParaRPr lang="ru-RU"/>
-        </a:p>
-      </dgm:t>
     </dgm:pt>
     <dgm:pt modelId="{EB381033-6A61-40BE-9D2B-F963EB499614}" type="pres">
       <dgm:prSet presAssocID="{D978A039-ACB7-42FF-A52A-FB1BFC350178}" presName="hierRoot3" presStyleCnt="0"/>
@@ -5493,13 +5125,6 @@
         </dgm:presLayoutVars>
       </dgm:prSet>
       <dgm:spPr/>
-      <dgm:t>
-        <a:bodyPr/>
-        <a:lstStyle/>
-        <a:p>
-          <a:endParaRPr lang="ru-RU"/>
-        </a:p>
-      </dgm:t>
     </dgm:pt>
     <dgm:pt modelId="{020C0293-3B99-4854-A86C-18B938868626}" type="pres">
       <dgm:prSet presAssocID="{D978A039-ACB7-42FF-A52A-FB1BFC350178}" presName="hierChild4" presStyleCnt="0"/>
@@ -5508,13 +5133,6 @@
     <dgm:pt modelId="{940D4E9E-C1E4-4D71-A21C-6FA044EBF9B3}" type="pres">
       <dgm:prSet presAssocID="{60A73EC0-0FCB-4BDC-9132-D500E466D37C}" presName="Name17" presStyleLbl="parChTrans1D3" presStyleIdx="2" presStyleCnt="3"/>
       <dgm:spPr/>
-      <dgm:t>
-        <a:bodyPr/>
-        <a:lstStyle/>
-        <a:p>
-          <a:endParaRPr lang="ru-RU"/>
-        </a:p>
-      </dgm:t>
     </dgm:pt>
     <dgm:pt modelId="{2ED116C2-FC77-48B7-B483-0021C5DE8114}" type="pres">
       <dgm:prSet presAssocID="{EB6BF7B0-073B-4104-AF85-6CCA1797498B}" presName="hierRoot3" presStyleCnt="0"/>
@@ -5535,13 +5153,6 @@
         </dgm:presLayoutVars>
       </dgm:prSet>
       <dgm:spPr/>
-      <dgm:t>
-        <a:bodyPr/>
-        <a:lstStyle/>
-        <a:p>
-          <a:endParaRPr lang="ru-RU"/>
-        </a:p>
-      </dgm:t>
     </dgm:pt>
     <dgm:pt modelId="{17B29D4A-00B7-44A8-BCD3-17B5210899B7}" type="pres">
       <dgm:prSet presAssocID="{EB6BF7B0-073B-4104-AF85-6CCA1797498B}" presName="hierChild4" presStyleCnt="0"/>
@@ -5549,24 +5160,24 @@
     </dgm:pt>
   </dgm:ptLst>
   <dgm:cxnLst>
+    <dgm:cxn modelId="{26265713-CBF6-4A8A-8599-76FBFF751D18}" srcId="{4A337895-FFA8-450F-8F1C-0AF4C6E58EBA}" destId="{DF64665E-6F19-43FE-84A4-9C545B0EBC8F}" srcOrd="0" destOrd="0" parTransId="{55108F9A-A3AC-4E39-81B3-0B9148C4AE98}" sibTransId="{5E0667D8-34EF-4D84-84FC-C3FF5BBDE2D4}"/>
+    <dgm:cxn modelId="{CE865629-9EB8-4C4C-9C18-4E4F1E6B5629}" srcId="{473C6EFB-5DC4-4F4B-A1B9-5B47BDEABA80}" destId="{D978A039-ACB7-42FF-A52A-FB1BFC350178}" srcOrd="0" destOrd="0" parTransId="{CB7F2D32-2AA5-4D5D-9413-CAA400DD2727}" sibTransId="{D0986E64-8FEC-4725-A028-ACEC7DCEDB09}"/>
+    <dgm:cxn modelId="{7184CD34-2609-4F49-B3FD-0F6609D00711}" type="presOf" srcId="{251FE176-F7C4-4717-9730-CF0E575F5BE9}" destId="{99C20058-B9BD-464B-B976-1F8FFB8250D5}" srcOrd="0" destOrd="0" presId="urn:microsoft.com/office/officeart/2005/8/layout/hierarchy1"/>
+    <dgm:cxn modelId="{B5390E5C-B23D-4327-9767-1DE2ABBDDDDB}" type="presOf" srcId="{3016DA74-FBB6-43B5-81B4-1665BFDAF843}" destId="{18416813-2D15-49C8-9152-5180BEB69662}" srcOrd="0" destOrd="0" presId="urn:microsoft.com/office/officeart/2005/8/layout/hierarchy1"/>
     <dgm:cxn modelId="{87031043-8344-4535-9921-6825F23BA8D7}" type="presOf" srcId="{55108F9A-A3AC-4E39-81B3-0B9148C4AE98}" destId="{A5CB61BF-FE74-43BA-93AE-EBDE4301D2B2}" srcOrd="0" destOrd="0" presId="urn:microsoft.com/office/officeart/2005/8/layout/hierarchy1"/>
-    <dgm:cxn modelId="{B5390E5C-B23D-4327-9767-1DE2ABBDDDDB}" type="presOf" srcId="{3016DA74-FBB6-43B5-81B4-1665BFDAF843}" destId="{18416813-2D15-49C8-9152-5180BEB69662}" srcOrd="0" destOrd="0" presId="urn:microsoft.com/office/officeart/2005/8/layout/hierarchy1"/>
-    <dgm:cxn modelId="{7D6FC9FC-76BE-4422-8036-8810AF44A7CE}" type="presOf" srcId="{DF64665E-6F19-43FE-84A4-9C545B0EBC8F}" destId="{5B21941F-8885-4FEA-AFAB-6B2ED53C0EBE}" srcOrd="0" destOrd="0" presId="urn:microsoft.com/office/officeart/2005/8/layout/hierarchy1"/>
+    <dgm:cxn modelId="{EB8A6763-B9F7-479F-B34C-F9A1A89289EE}" srcId="{473C6EFB-5DC4-4F4B-A1B9-5B47BDEABA80}" destId="{EB6BF7B0-073B-4104-AF85-6CCA1797498B}" srcOrd="1" destOrd="0" parTransId="{60A73EC0-0FCB-4BDC-9132-D500E466D37C}" sibTransId="{DE42CCF9-76A8-44A7-9EB9-94445B3E416D}"/>
+    <dgm:cxn modelId="{C1E7F763-963F-475A-8C39-3F06ECA7866E}" type="presOf" srcId="{CB7F2D32-2AA5-4D5D-9413-CAA400DD2727}" destId="{7C438CF2-C490-46E8-B65E-888EB3622420}" srcOrd="0" destOrd="0" presId="urn:microsoft.com/office/officeart/2005/8/layout/hierarchy1"/>
+    <dgm:cxn modelId="{E29F444A-37AF-4CE2-87B4-A99A8036CF91}" srcId="{DF64665E-6F19-43FE-84A4-9C545B0EBC8F}" destId="{251FE176-F7C4-4717-9730-CF0E575F5BE9}" srcOrd="0" destOrd="0" parTransId="{D89600B9-28BF-4715-9C20-6C3A4D1A128C}" sibTransId="{521B6403-6AD4-4BF8-A4DB-2FF54BA4226E}"/>
+    <dgm:cxn modelId="{451B0482-AA60-41B4-8D94-6D2D3FC2A9B1}" srcId="{4A337895-FFA8-450F-8F1C-0AF4C6E58EBA}" destId="{473C6EFB-5DC4-4F4B-A1B9-5B47BDEABA80}" srcOrd="1" destOrd="0" parTransId="{0E392FDA-0769-4437-A8E4-4B289E2948BC}" sibTransId="{FD386ADE-4C71-46D7-9D40-C52B3B63C048}"/>
+    <dgm:cxn modelId="{29043883-0FB2-4E81-8FE9-594697BA574A}" type="presOf" srcId="{60A73EC0-0FCB-4BDC-9132-D500E466D37C}" destId="{940D4E9E-C1E4-4D71-A21C-6FA044EBF9B3}" srcOrd="0" destOrd="0" presId="urn:microsoft.com/office/officeart/2005/8/layout/hierarchy1"/>
+    <dgm:cxn modelId="{6C17CC9A-6DF5-43F4-80FA-56C01D45D683}" type="presOf" srcId="{4A337895-FFA8-450F-8F1C-0AF4C6E58EBA}" destId="{0DE91539-B4B2-4A36-A33C-8F7F11E867EC}" srcOrd="0" destOrd="0" presId="urn:microsoft.com/office/officeart/2005/8/layout/hierarchy1"/>
+    <dgm:cxn modelId="{AD99E69A-D501-4DB8-B757-45F53D6E5C53}" type="presOf" srcId="{473C6EFB-5DC4-4F4B-A1B9-5B47BDEABA80}" destId="{04C997DC-A1D0-4293-8649-EB6CEBA42CB0}" srcOrd="0" destOrd="0" presId="urn:microsoft.com/office/officeart/2005/8/layout/hierarchy1"/>
+    <dgm:cxn modelId="{ED62FFA0-8D27-4D28-9259-8CC38BACE6F0}" type="presOf" srcId="{0E392FDA-0769-4437-A8E4-4B289E2948BC}" destId="{F1FCA1CE-2623-4125-BC81-AAD7D57C055A}" srcOrd="0" destOrd="0" presId="urn:microsoft.com/office/officeart/2005/8/layout/hierarchy1"/>
     <dgm:cxn modelId="{97B54DB2-5BB6-4CC6-AC75-D9A2CD34B767}" type="presOf" srcId="{D89600B9-28BF-4715-9C20-6C3A4D1A128C}" destId="{6D63E3AC-F5A3-44F3-B6D0-2BEADD72B568}" srcOrd="0" destOrd="0" presId="urn:microsoft.com/office/officeart/2005/8/layout/hierarchy1"/>
     <dgm:cxn modelId="{497477B5-B32E-4DF3-8AB3-900502349FE5}" srcId="{3016DA74-FBB6-43B5-81B4-1665BFDAF843}" destId="{4A337895-FFA8-450F-8F1C-0AF4C6E58EBA}" srcOrd="0" destOrd="0" parTransId="{51EA7DBB-5A51-4964-9D4B-28877D815853}" sibTransId="{8FB9809F-0412-42FB-964D-F90975E8DD2D}"/>
-    <dgm:cxn modelId="{AD99E69A-D501-4DB8-B757-45F53D6E5C53}" type="presOf" srcId="{473C6EFB-5DC4-4F4B-A1B9-5B47BDEABA80}" destId="{04C997DC-A1D0-4293-8649-EB6CEBA42CB0}" srcOrd="0" destOrd="0" presId="urn:microsoft.com/office/officeart/2005/8/layout/hierarchy1"/>
-    <dgm:cxn modelId="{C1E7F763-963F-475A-8C39-3F06ECA7866E}" type="presOf" srcId="{CB7F2D32-2AA5-4D5D-9413-CAA400DD2727}" destId="{7C438CF2-C490-46E8-B65E-888EB3622420}" srcOrd="0" destOrd="0" presId="urn:microsoft.com/office/officeart/2005/8/layout/hierarchy1"/>
-    <dgm:cxn modelId="{29043883-0FB2-4E81-8FE9-594697BA574A}" type="presOf" srcId="{60A73EC0-0FCB-4BDC-9132-D500E466D37C}" destId="{940D4E9E-C1E4-4D71-A21C-6FA044EBF9B3}" srcOrd="0" destOrd="0" presId="urn:microsoft.com/office/officeart/2005/8/layout/hierarchy1"/>
-    <dgm:cxn modelId="{ED62FFA0-8D27-4D28-9259-8CC38BACE6F0}" type="presOf" srcId="{0E392FDA-0769-4437-A8E4-4B289E2948BC}" destId="{F1FCA1CE-2623-4125-BC81-AAD7D57C055A}" srcOrd="0" destOrd="0" presId="urn:microsoft.com/office/officeart/2005/8/layout/hierarchy1"/>
-    <dgm:cxn modelId="{E29F444A-37AF-4CE2-87B4-A99A8036CF91}" srcId="{DF64665E-6F19-43FE-84A4-9C545B0EBC8F}" destId="{251FE176-F7C4-4717-9730-CF0E575F5BE9}" srcOrd="0" destOrd="0" parTransId="{D89600B9-28BF-4715-9C20-6C3A4D1A128C}" sibTransId="{521B6403-6AD4-4BF8-A4DB-2FF54BA4226E}"/>
-    <dgm:cxn modelId="{EB8A6763-B9F7-479F-B34C-F9A1A89289EE}" srcId="{473C6EFB-5DC4-4F4B-A1B9-5B47BDEABA80}" destId="{EB6BF7B0-073B-4104-AF85-6CCA1797498B}" srcOrd="1" destOrd="0" parTransId="{60A73EC0-0FCB-4BDC-9132-D500E466D37C}" sibTransId="{DE42CCF9-76A8-44A7-9EB9-94445B3E416D}"/>
     <dgm:cxn modelId="{9298A7C4-AF36-48A8-8132-262B2EDC4258}" type="presOf" srcId="{D978A039-ACB7-42FF-A52A-FB1BFC350178}" destId="{D89AED75-1444-4B5F-995A-81A0D9C782D4}" srcOrd="0" destOrd="0" presId="urn:microsoft.com/office/officeart/2005/8/layout/hierarchy1"/>
     <dgm:cxn modelId="{46CE7EF1-526A-4BEC-AD3E-6E406C735F0F}" type="presOf" srcId="{EB6BF7B0-073B-4104-AF85-6CCA1797498B}" destId="{3869F561-D567-4D00-B97D-217EFFAE36ED}" srcOrd="0" destOrd="0" presId="urn:microsoft.com/office/officeart/2005/8/layout/hierarchy1"/>
-    <dgm:cxn modelId="{CE865629-9EB8-4C4C-9C18-4E4F1E6B5629}" srcId="{473C6EFB-5DC4-4F4B-A1B9-5B47BDEABA80}" destId="{D978A039-ACB7-42FF-A52A-FB1BFC350178}" srcOrd="0" destOrd="0" parTransId="{CB7F2D32-2AA5-4D5D-9413-CAA400DD2727}" sibTransId="{D0986E64-8FEC-4725-A028-ACEC7DCEDB09}"/>
-    <dgm:cxn modelId="{26265713-CBF6-4A8A-8599-76FBFF751D18}" srcId="{4A337895-FFA8-450F-8F1C-0AF4C6E58EBA}" destId="{DF64665E-6F19-43FE-84A4-9C545B0EBC8F}" srcOrd="0" destOrd="0" parTransId="{55108F9A-A3AC-4E39-81B3-0B9148C4AE98}" sibTransId="{5E0667D8-34EF-4D84-84FC-C3FF5BBDE2D4}"/>
-    <dgm:cxn modelId="{451B0482-AA60-41B4-8D94-6D2D3FC2A9B1}" srcId="{4A337895-FFA8-450F-8F1C-0AF4C6E58EBA}" destId="{473C6EFB-5DC4-4F4B-A1B9-5B47BDEABA80}" srcOrd="1" destOrd="0" parTransId="{0E392FDA-0769-4437-A8E4-4B289E2948BC}" sibTransId="{FD386ADE-4C71-46D7-9D40-C52B3B63C048}"/>
-    <dgm:cxn modelId="{7184CD34-2609-4F49-B3FD-0F6609D00711}" type="presOf" srcId="{251FE176-F7C4-4717-9730-CF0E575F5BE9}" destId="{99C20058-B9BD-464B-B976-1F8FFB8250D5}" srcOrd="0" destOrd="0" presId="urn:microsoft.com/office/officeart/2005/8/layout/hierarchy1"/>
-    <dgm:cxn modelId="{6C17CC9A-6DF5-43F4-80FA-56C01D45D683}" type="presOf" srcId="{4A337895-FFA8-450F-8F1C-0AF4C6E58EBA}" destId="{0DE91539-B4B2-4A36-A33C-8F7F11E867EC}" srcOrd="0" destOrd="0" presId="urn:microsoft.com/office/officeart/2005/8/layout/hierarchy1"/>
+    <dgm:cxn modelId="{7D6FC9FC-76BE-4422-8036-8810AF44A7CE}" type="presOf" srcId="{DF64665E-6F19-43FE-84A4-9C545B0EBC8F}" destId="{5B21941F-8885-4FEA-AFAB-6B2ED53C0EBE}" srcOrd="0" destOrd="0" presId="urn:microsoft.com/office/officeart/2005/8/layout/hierarchy1"/>
     <dgm:cxn modelId="{A04F9E31-AD09-473D-9852-705A1DF0AE20}" type="presParOf" srcId="{18416813-2D15-49C8-9152-5180BEB69662}" destId="{0AA2A701-9287-4537-99D2-4AC13ADE6947}" srcOrd="0" destOrd="0" presId="urn:microsoft.com/office/officeart/2005/8/layout/hierarchy1"/>
     <dgm:cxn modelId="{EC128ADD-B141-4503-8411-AD83157CAFD1}" type="presParOf" srcId="{0AA2A701-9287-4537-99D2-4AC13ADE6947}" destId="{BA73712D-9EC6-4483-967B-BE04775FB072}" srcOrd="0" destOrd="0" presId="urn:microsoft.com/office/officeart/2005/8/layout/hierarchy1"/>
     <dgm:cxn modelId="{270E12FF-D677-4CD3-AE5D-23D8D7B8A98D}" type="presParOf" srcId="{BA73712D-9EC6-4483-967B-BE04775FB072}" destId="{71348C18-ED6F-44A8-9DF0-941B14222D0F}" srcOrd="0" destOrd="0" presId="urn:microsoft.com/office/officeart/2005/8/layout/hierarchy1"/>
@@ -6093,7 +5704,7 @@
         </a:bodyPr>
         <a:lstStyle/>
         <a:p>
-          <a:pPr lvl="0" algn="ctr" defTabSz="444500">
+          <a:pPr marL="0" lvl="0" indent="0" algn="ctr" defTabSz="444500">
             <a:lnSpc>
               <a:spcPct val="90000"/>
             </a:lnSpc>
@@ -6103,12 +5714,12 @@
             <a:spcAft>
               <a:spcPct val="35000"/>
             </a:spcAft>
+            <a:buNone/>
           </a:pPr>
           <a:r>
-            <a:rPr lang="ru-RU" sz="1000" kern="1200" dirty="0" smtClean="0"/>
+            <a:rPr lang="ru-RU" sz="1000" kern="1200" dirty="0"/>
             <a:t>Фигура</a:t>
           </a:r>
-          <a:endParaRPr lang="ru-RU" sz="1000" kern="1200" dirty="0"/>
         </a:p>
       </dsp:txBody>
       <dsp:txXfrm>
@@ -6222,7 +5833,7 @@
         </a:bodyPr>
         <a:lstStyle/>
         <a:p>
-          <a:pPr lvl="0" algn="ctr" defTabSz="444500">
+          <a:pPr marL="0" lvl="0" indent="0" algn="ctr" defTabSz="444500">
             <a:lnSpc>
               <a:spcPct val="90000"/>
             </a:lnSpc>
@@ -6232,12 +5843,12 @@
             <a:spcAft>
               <a:spcPct val="35000"/>
             </a:spcAft>
+            <a:buNone/>
           </a:pPr>
           <a:r>
-            <a:rPr lang="ru-RU" sz="1000" kern="1200" dirty="0" smtClean="0"/>
+            <a:rPr lang="ru-RU" sz="1000" kern="1200" dirty="0"/>
             <a:t>Замкнутая фигура</a:t>
           </a:r>
-          <a:endParaRPr lang="ru-RU" sz="1000" kern="1200" dirty="0"/>
         </a:p>
       </dsp:txBody>
       <dsp:txXfrm>
@@ -6351,7 +5962,7 @@
         </a:bodyPr>
         <a:lstStyle/>
         <a:p>
-          <a:pPr lvl="0" algn="ctr" defTabSz="444500">
+          <a:pPr marL="0" lvl="0" indent="0" algn="ctr" defTabSz="444500">
             <a:lnSpc>
               <a:spcPct val="90000"/>
             </a:lnSpc>
@@ -6361,12 +5972,12 @@
             <a:spcAft>
               <a:spcPct val="35000"/>
             </a:spcAft>
+            <a:buNone/>
           </a:pPr>
           <a:r>
-            <a:rPr lang="ru-RU" sz="1000" kern="1200" dirty="0" smtClean="0"/>
+            <a:rPr lang="ru-RU" sz="1000" kern="1200" dirty="0"/>
             <a:t>Окружность</a:t>
           </a:r>
-          <a:endParaRPr lang="ru-RU" sz="1000" kern="1200" dirty="0"/>
         </a:p>
       </dsp:txBody>
       <dsp:txXfrm>
@@ -6480,7 +6091,7 @@
         </a:bodyPr>
         <a:lstStyle/>
         <a:p>
-          <a:pPr lvl="0" algn="ctr" defTabSz="444500">
+          <a:pPr marL="0" lvl="0" indent="0" algn="ctr" defTabSz="444500">
             <a:lnSpc>
               <a:spcPct val="90000"/>
             </a:lnSpc>
@@ -6490,12 +6101,12 @@
             <a:spcAft>
               <a:spcPct val="35000"/>
             </a:spcAft>
+            <a:buNone/>
           </a:pPr>
           <a:r>
-            <a:rPr lang="ru-RU" sz="1000" kern="1200" dirty="0" smtClean="0"/>
+            <a:rPr lang="ru-RU" sz="1000" kern="1200" dirty="0"/>
             <a:t>Треугольник</a:t>
           </a:r>
-          <a:endParaRPr lang="ru-RU" sz="1000" kern="1200" dirty="0"/>
         </a:p>
       </dsp:txBody>
       <dsp:txXfrm>
@@ -6609,7 +6220,7 @@
         </a:bodyPr>
         <a:lstStyle/>
         <a:p>
-          <a:pPr lvl="0" algn="ctr" defTabSz="444500">
+          <a:pPr marL="0" lvl="0" indent="0" algn="ctr" defTabSz="444500">
             <a:lnSpc>
               <a:spcPct val="90000"/>
             </a:lnSpc>
@@ -6619,12 +6230,12 @@
             <a:spcAft>
               <a:spcPct val="35000"/>
             </a:spcAft>
+            <a:buNone/>
           </a:pPr>
           <a:r>
-            <a:rPr lang="ru-RU" sz="1000" kern="1200" dirty="0" smtClean="0"/>
+            <a:rPr lang="ru-RU" sz="1000" kern="1200" dirty="0"/>
             <a:t>Кривая</a:t>
           </a:r>
-          <a:endParaRPr lang="ru-RU" sz="1000" kern="1200" dirty="0"/>
         </a:p>
       </dsp:txBody>
       <dsp:txXfrm>
@@ -6738,7 +6349,7 @@
         </a:bodyPr>
         <a:lstStyle/>
         <a:p>
-          <a:pPr lvl="0" algn="ctr" defTabSz="444500">
+          <a:pPr marL="0" lvl="0" indent="0" algn="ctr" defTabSz="444500">
             <a:lnSpc>
               <a:spcPct val="90000"/>
             </a:lnSpc>
@@ -6748,12 +6359,12 @@
             <a:spcAft>
               <a:spcPct val="35000"/>
             </a:spcAft>
+            <a:buNone/>
           </a:pPr>
           <a:r>
-            <a:rPr lang="ru-RU" sz="1000" kern="1200" dirty="0" smtClean="0"/>
+            <a:rPr lang="ru-RU" sz="1000" kern="1200" dirty="0"/>
             <a:t>Прямая</a:t>
           </a:r>
-          <a:endParaRPr lang="ru-RU" sz="1000" kern="1200" dirty="0"/>
         </a:p>
       </dsp:txBody>
       <dsp:txXfrm>
@@ -6867,7 +6478,7 @@
         </a:bodyPr>
         <a:lstStyle/>
         <a:p>
-          <a:pPr lvl="0" algn="ctr" defTabSz="444500">
+          <a:pPr marL="0" lvl="0" indent="0" algn="ctr" defTabSz="444500">
             <a:lnSpc>
               <a:spcPct val="90000"/>
             </a:lnSpc>
@@ -6877,12 +6488,12 @@
             <a:spcAft>
               <a:spcPct val="35000"/>
             </a:spcAft>
+            <a:buNone/>
           </a:pPr>
           <a:r>
-            <a:rPr lang="ru-RU" sz="1000" kern="1200" dirty="0" smtClean="0"/>
+            <a:rPr lang="ru-RU" sz="1000" kern="1200" dirty="0"/>
             <a:t>Парабола</a:t>
           </a:r>
-          <a:endParaRPr lang="ru-RU" sz="1000" kern="1200" dirty="0"/>
         </a:p>
       </dsp:txBody>
       <dsp:txXfrm>
@@ -7423,7 +7034,7 @@
         </a:bodyPr>
         <a:lstStyle/>
         <a:p>
-          <a:pPr lvl="0" algn="ctr" defTabSz="577850">
+          <a:pPr marL="0" lvl="0" indent="0" algn="ctr" defTabSz="577850">
             <a:lnSpc>
               <a:spcPct val="90000"/>
             </a:lnSpc>
@@ -7433,12 +7044,12 @@
             <a:spcAft>
               <a:spcPct val="35000"/>
             </a:spcAft>
+            <a:buNone/>
           </a:pPr>
           <a:r>
-            <a:rPr lang="ru-RU" sz="1300" kern="1200" dirty="0" smtClean="0"/>
+            <a:rPr lang="ru-RU" sz="1300" kern="1200" dirty="0"/>
             <a:t>Человек</a:t>
           </a:r>
-          <a:endParaRPr lang="ru-RU" sz="1300" kern="1200" dirty="0"/>
         </a:p>
       </dsp:txBody>
       <dsp:txXfrm>
@@ -7552,7 +7163,7 @@
         </a:bodyPr>
         <a:lstStyle/>
         <a:p>
-          <a:pPr lvl="0" algn="ctr" defTabSz="577850">
+          <a:pPr marL="0" lvl="0" indent="0" algn="ctr" defTabSz="577850">
             <a:lnSpc>
               <a:spcPct val="90000"/>
             </a:lnSpc>
@@ -7562,12 +7173,12 @@
             <a:spcAft>
               <a:spcPct val="35000"/>
             </a:spcAft>
+            <a:buNone/>
           </a:pPr>
           <a:r>
-            <a:rPr lang="ru-RU" sz="1300" kern="1200" dirty="0" smtClean="0"/>
+            <a:rPr lang="ru-RU" sz="1300" kern="1200" dirty="0"/>
             <a:t>Туловище</a:t>
           </a:r>
-          <a:endParaRPr lang="ru-RU" sz="1300" kern="1200" dirty="0"/>
         </a:p>
       </dsp:txBody>
       <dsp:txXfrm>
@@ -7681,7 +7292,7 @@
         </a:bodyPr>
         <a:lstStyle/>
         <a:p>
-          <a:pPr lvl="0" algn="ctr" defTabSz="577850">
+          <a:pPr marL="0" lvl="0" indent="0" algn="ctr" defTabSz="577850">
             <a:lnSpc>
               <a:spcPct val="90000"/>
             </a:lnSpc>
@@ -7691,12 +7302,12 @@
             <a:spcAft>
               <a:spcPct val="35000"/>
             </a:spcAft>
+            <a:buNone/>
           </a:pPr>
           <a:r>
-            <a:rPr lang="ru-RU" sz="1300" kern="1200" dirty="0" smtClean="0"/>
+            <a:rPr lang="ru-RU" sz="1300" kern="1200" dirty="0"/>
             <a:t>Сердце</a:t>
           </a:r>
-          <a:endParaRPr lang="ru-RU" sz="1300" kern="1200" dirty="0"/>
         </a:p>
       </dsp:txBody>
       <dsp:txXfrm>
@@ -7810,7 +7421,7 @@
         </a:bodyPr>
         <a:lstStyle/>
         <a:p>
-          <a:pPr lvl="0" algn="ctr" defTabSz="577850">
+          <a:pPr marL="0" lvl="0" indent="0" algn="ctr" defTabSz="577850">
             <a:lnSpc>
               <a:spcPct val="90000"/>
             </a:lnSpc>
@@ -7820,12 +7431,12 @@
             <a:spcAft>
               <a:spcPct val="35000"/>
             </a:spcAft>
+            <a:buNone/>
           </a:pPr>
           <a:r>
-            <a:rPr lang="ru-RU" sz="1300" kern="1200" dirty="0" smtClean="0"/>
+            <a:rPr lang="ru-RU" sz="1300" kern="1200" dirty="0"/>
             <a:t>Желудок</a:t>
           </a:r>
-          <a:endParaRPr lang="ru-RU" sz="1300" kern="1200" dirty="0"/>
         </a:p>
       </dsp:txBody>
       <dsp:txXfrm>
@@ -7939,7 +7550,7 @@
         </a:bodyPr>
         <a:lstStyle/>
         <a:p>
-          <a:pPr lvl="0" algn="ctr" defTabSz="577850">
+          <a:pPr marL="0" lvl="0" indent="0" algn="ctr" defTabSz="577850">
             <a:lnSpc>
               <a:spcPct val="90000"/>
             </a:lnSpc>
@@ -7949,12 +7560,12 @@
             <a:spcAft>
               <a:spcPct val="35000"/>
             </a:spcAft>
+            <a:buNone/>
           </a:pPr>
           <a:r>
-            <a:rPr lang="ru-RU" sz="1300" kern="1200" dirty="0" smtClean="0"/>
+            <a:rPr lang="ru-RU" sz="1300" kern="1200" dirty="0"/>
             <a:t>Руки</a:t>
           </a:r>
-          <a:endParaRPr lang="ru-RU" sz="1300" kern="1200" dirty="0"/>
         </a:p>
       </dsp:txBody>
       <dsp:txXfrm>
@@ -8068,7 +7679,7 @@
         </a:bodyPr>
         <a:lstStyle/>
         <a:p>
-          <a:pPr lvl="0" algn="ctr" defTabSz="577850">
+          <a:pPr marL="0" lvl="0" indent="0" algn="ctr" defTabSz="577850">
             <a:lnSpc>
               <a:spcPct val="90000"/>
             </a:lnSpc>
@@ -8078,12 +7689,12 @@
             <a:spcAft>
               <a:spcPct val="35000"/>
             </a:spcAft>
+            <a:buNone/>
           </a:pPr>
           <a:r>
-            <a:rPr lang="ru-RU" sz="1300" kern="1200" dirty="0" smtClean="0"/>
+            <a:rPr lang="ru-RU" sz="1300" kern="1200" dirty="0"/>
             <a:t>Ладонь</a:t>
           </a:r>
-          <a:endParaRPr lang="ru-RU" sz="1300" kern="1200" dirty="0"/>
         </a:p>
       </dsp:txBody>
       <dsp:txXfrm>
@@ -8197,7 +7808,7 @@
         </a:bodyPr>
         <a:lstStyle/>
         <a:p>
-          <a:pPr lvl="0" algn="ctr" defTabSz="577850">
+          <a:pPr marL="0" lvl="0" indent="0" algn="ctr" defTabSz="577850">
             <a:lnSpc>
               <a:spcPct val="90000"/>
             </a:lnSpc>
@@ -8207,12 +7818,12 @@
             <a:spcAft>
               <a:spcPct val="35000"/>
             </a:spcAft>
+            <a:buNone/>
           </a:pPr>
           <a:r>
-            <a:rPr lang="ru-RU" sz="1300" kern="1200" dirty="0" smtClean="0"/>
+            <a:rPr lang="ru-RU" sz="1300" kern="1200" dirty="0"/>
             <a:t>Ноги</a:t>
           </a:r>
-          <a:endParaRPr lang="ru-RU" sz="1300" kern="1200" dirty="0"/>
         </a:p>
       </dsp:txBody>
       <dsp:txXfrm>
@@ -8326,7 +7937,7 @@
         </a:bodyPr>
         <a:lstStyle/>
         <a:p>
-          <a:pPr lvl="0" algn="ctr" defTabSz="577850">
+          <a:pPr marL="0" lvl="0" indent="0" algn="ctr" defTabSz="577850">
             <a:lnSpc>
               <a:spcPct val="90000"/>
             </a:lnSpc>
@@ -8336,12 +7947,12 @@
             <a:spcAft>
               <a:spcPct val="35000"/>
             </a:spcAft>
+            <a:buNone/>
           </a:pPr>
           <a:r>
-            <a:rPr lang="ru-RU" sz="1300" kern="1200" dirty="0" smtClean="0"/>
+            <a:rPr lang="ru-RU" sz="1300" kern="1200" dirty="0"/>
             <a:t>Стопа</a:t>
           </a:r>
-          <a:endParaRPr lang="ru-RU" sz="1300" kern="1200" dirty="0"/>
         </a:p>
       </dsp:txBody>
       <dsp:txXfrm>
@@ -8766,7 +8377,7 @@
         </a:bodyPr>
         <a:lstStyle/>
         <a:p>
-          <a:pPr lvl="0" algn="ctr" defTabSz="533400">
+          <a:pPr marL="0" lvl="0" indent="0" algn="ctr" defTabSz="533400">
             <a:lnSpc>
               <a:spcPct val="90000"/>
             </a:lnSpc>
@@ -8776,12 +8387,12 @@
             <a:spcAft>
               <a:spcPct val="35000"/>
             </a:spcAft>
+            <a:buNone/>
           </a:pPr>
           <a:r>
-            <a:rPr lang="ru-RU" sz="1200" kern="1200" dirty="0" smtClean="0"/>
+            <a:rPr lang="ru-RU" sz="1200" kern="1200" dirty="0"/>
             <a:t>Посуда</a:t>
           </a:r>
-          <a:endParaRPr lang="ru-RU" sz="1200" kern="1200" dirty="0"/>
         </a:p>
       </dsp:txBody>
       <dsp:txXfrm>
@@ -8895,7 +8506,7 @@
         </a:bodyPr>
         <a:lstStyle/>
         <a:p>
-          <a:pPr lvl="0" algn="ctr" defTabSz="533400">
+          <a:pPr marL="0" lvl="0" indent="0" algn="ctr" defTabSz="533400">
             <a:lnSpc>
               <a:spcPct val="90000"/>
             </a:lnSpc>
@@ -8905,12 +8516,12 @@
             <a:spcAft>
               <a:spcPct val="35000"/>
             </a:spcAft>
+            <a:buNone/>
           </a:pPr>
           <a:r>
-            <a:rPr lang="ru-RU" sz="1200" kern="1200" dirty="0" smtClean="0"/>
+            <a:rPr lang="ru-RU" sz="1200" kern="1200" dirty="0"/>
             <a:t>Кувшин</a:t>
           </a:r>
-          <a:endParaRPr lang="ru-RU" sz="1200" kern="1200" dirty="0"/>
         </a:p>
       </dsp:txBody>
       <dsp:txXfrm>
@@ -9024,7 +8635,7 @@
         </a:bodyPr>
         <a:lstStyle/>
         <a:p>
-          <a:pPr lvl="0" algn="ctr" defTabSz="533400">
+          <a:pPr marL="0" lvl="0" indent="0" algn="ctr" defTabSz="533400">
             <a:lnSpc>
               <a:spcPct val="90000"/>
             </a:lnSpc>
@@ -9034,12 +8645,12 @@
             <a:spcAft>
               <a:spcPct val="35000"/>
             </a:spcAft>
+            <a:buNone/>
           </a:pPr>
           <a:r>
-            <a:rPr lang="ru-RU" sz="1200" kern="1200" dirty="0" smtClean="0"/>
+            <a:rPr lang="ru-RU" sz="1200" kern="1200" dirty="0"/>
             <a:t>Тарелка</a:t>
           </a:r>
-          <a:endParaRPr lang="ru-RU" sz="1200" kern="1200" dirty="0"/>
         </a:p>
       </dsp:txBody>
       <dsp:txXfrm>
@@ -9153,7 +8764,7 @@
         </a:bodyPr>
         <a:lstStyle/>
         <a:p>
-          <a:pPr lvl="0" algn="ctr" defTabSz="533400">
+          <a:pPr marL="0" lvl="0" indent="0" algn="ctr" defTabSz="533400">
             <a:lnSpc>
               <a:spcPct val="90000"/>
             </a:lnSpc>
@@ -9163,12 +8774,12 @@
             <a:spcAft>
               <a:spcPct val="35000"/>
             </a:spcAft>
+            <a:buNone/>
           </a:pPr>
           <a:r>
-            <a:rPr lang="ru-RU" sz="1200" kern="1200" dirty="0" smtClean="0"/>
+            <a:rPr lang="ru-RU" sz="1200" kern="1200" dirty="0"/>
             <a:t>Кастрюля</a:t>
           </a:r>
-          <a:endParaRPr lang="ru-RU" sz="1200" kern="1200" dirty="0"/>
         </a:p>
       </dsp:txBody>
       <dsp:txXfrm>
@@ -9282,7 +8893,7 @@
         </a:bodyPr>
         <a:lstStyle/>
         <a:p>
-          <a:pPr lvl="0" algn="ctr" defTabSz="533400">
+          <a:pPr marL="0" lvl="0" indent="0" algn="ctr" defTabSz="533400">
             <a:lnSpc>
               <a:spcPct val="90000"/>
             </a:lnSpc>
@@ -9292,12 +8903,12 @@
             <a:spcAft>
               <a:spcPct val="35000"/>
             </a:spcAft>
+            <a:buNone/>
           </a:pPr>
           <a:r>
-            <a:rPr lang="ru-RU" sz="1200" kern="1200" dirty="0" smtClean="0"/>
+            <a:rPr lang="ru-RU" sz="1200" kern="1200" dirty="0"/>
             <a:t>Чайник</a:t>
           </a:r>
-          <a:endParaRPr lang="ru-RU" sz="1200" kern="1200" dirty="0"/>
         </a:p>
       </dsp:txBody>
       <dsp:txXfrm>
@@ -9411,7 +9022,7 @@
         </a:bodyPr>
         <a:lstStyle/>
         <a:p>
-          <a:pPr lvl="0" algn="ctr" defTabSz="533400">
+          <a:pPr marL="0" lvl="0" indent="0" algn="ctr" defTabSz="533400">
             <a:lnSpc>
               <a:spcPct val="90000"/>
             </a:lnSpc>
@@ -9421,12 +9032,12 @@
             <a:spcAft>
               <a:spcPct val="35000"/>
             </a:spcAft>
+            <a:buNone/>
           </a:pPr>
           <a:r>
-            <a:rPr lang="ru-RU" sz="1200" kern="1200" dirty="0" smtClean="0"/>
+            <a:rPr lang="ru-RU" sz="1200" kern="1200" dirty="0"/>
             <a:t>Электрочайник</a:t>
           </a:r>
-          <a:endParaRPr lang="ru-RU" sz="1200" kern="1200" dirty="0"/>
         </a:p>
       </dsp:txBody>
       <dsp:txXfrm>
@@ -9851,7 +9462,7 @@
         </a:bodyPr>
         <a:lstStyle/>
         <a:p>
-          <a:pPr lvl="0" algn="ctr" defTabSz="488950">
+          <a:pPr marL="0" lvl="0" indent="0" algn="ctr" defTabSz="488950">
             <a:lnSpc>
               <a:spcPct val="90000"/>
             </a:lnSpc>
@@ -9861,12 +9472,12 @@
             <a:spcAft>
               <a:spcPct val="35000"/>
             </a:spcAft>
+            <a:buNone/>
           </a:pPr>
           <a:r>
-            <a:rPr lang="ru-RU" sz="1100" kern="1200" dirty="0" smtClean="0"/>
+            <a:rPr lang="ru-RU" sz="1100" kern="1200" dirty="0"/>
             <a:t>Точка</a:t>
           </a:r>
-          <a:endParaRPr lang="ru-RU" sz="1100" kern="1200" dirty="0"/>
         </a:p>
       </dsp:txBody>
       <dsp:txXfrm>
@@ -9980,7 +9591,7 @@
         </a:bodyPr>
         <a:lstStyle/>
         <a:p>
-          <a:pPr lvl="0" algn="ctr" defTabSz="488950">
+          <a:pPr marL="0" lvl="0" indent="0" algn="ctr" defTabSz="488950">
             <a:lnSpc>
               <a:spcPct val="90000"/>
             </a:lnSpc>
@@ -9990,12 +9601,12 @@
             <a:spcAft>
               <a:spcPct val="35000"/>
             </a:spcAft>
+            <a:buNone/>
           </a:pPr>
           <a:r>
-            <a:rPr lang="ru-RU" sz="1100" kern="1200" dirty="0" smtClean="0"/>
+            <a:rPr lang="ru-RU" sz="1100" kern="1200" dirty="0"/>
             <a:t>Отрезок</a:t>
           </a:r>
-          <a:endParaRPr lang="ru-RU" sz="1100" kern="1200" dirty="0"/>
         </a:p>
       </dsp:txBody>
       <dsp:txXfrm>
@@ -10109,7 +9720,7 @@
         </a:bodyPr>
         <a:lstStyle/>
         <a:p>
-          <a:pPr lvl="0" algn="ctr" defTabSz="488950">
+          <a:pPr marL="0" lvl="0" indent="0" algn="ctr" defTabSz="488950">
             <a:lnSpc>
               <a:spcPct val="90000"/>
             </a:lnSpc>
@@ -10119,12 +9730,12 @@
             <a:spcAft>
               <a:spcPct val="35000"/>
             </a:spcAft>
+            <a:buNone/>
           </a:pPr>
           <a:r>
-            <a:rPr lang="ru-RU" sz="1100" kern="1200" dirty="0" smtClean="0"/>
+            <a:rPr lang="ru-RU" sz="1100" kern="1200" dirty="0"/>
             <a:t>Треугольник</a:t>
           </a:r>
-          <a:endParaRPr lang="ru-RU" sz="1100" kern="1200" dirty="0"/>
         </a:p>
       </dsp:txBody>
       <dsp:txXfrm>
@@ -10238,7 +9849,7 @@
         </a:bodyPr>
         <a:lstStyle/>
         <a:p>
-          <a:pPr lvl="0" algn="ctr" defTabSz="488950">
+          <a:pPr marL="0" lvl="0" indent="0" algn="ctr" defTabSz="488950">
             <a:lnSpc>
               <a:spcPct val="90000"/>
             </a:lnSpc>
@@ -10248,12 +9859,12 @@
             <a:spcAft>
               <a:spcPct val="35000"/>
             </a:spcAft>
+            <a:buNone/>
           </a:pPr>
           <a:r>
-            <a:rPr lang="ru-RU" sz="1100" kern="1200" dirty="0" smtClean="0"/>
+            <a:rPr lang="ru-RU" sz="1100" kern="1200" dirty="0"/>
             <a:t>Окружность</a:t>
           </a:r>
-          <a:endParaRPr lang="ru-RU" sz="1100" kern="1200" dirty="0"/>
         </a:p>
       </dsp:txBody>
       <dsp:txXfrm>
@@ -10367,7 +9978,7 @@
         </a:bodyPr>
         <a:lstStyle/>
         <a:p>
-          <a:pPr lvl="0" algn="ctr" defTabSz="488950">
+          <a:pPr marL="0" lvl="0" indent="0" algn="ctr" defTabSz="488950">
             <a:lnSpc>
               <a:spcPct val="90000"/>
             </a:lnSpc>
@@ -10377,12 +9988,12 @@
             <a:spcAft>
               <a:spcPct val="35000"/>
             </a:spcAft>
+            <a:buNone/>
           </a:pPr>
           <a:r>
-            <a:rPr lang="ru-RU" sz="1100" kern="1200" dirty="0" smtClean="0"/>
+            <a:rPr lang="ru-RU" sz="1100" kern="1200" dirty="0"/>
             <a:t>Цилиндр</a:t>
           </a:r>
-          <a:endParaRPr lang="ru-RU" sz="1100" kern="1200" dirty="0"/>
         </a:p>
       </dsp:txBody>
       <dsp:txXfrm>
@@ -10496,7 +10107,7 @@
         </a:bodyPr>
         <a:lstStyle/>
         <a:p>
-          <a:pPr lvl="0" algn="ctr" defTabSz="488950">
+          <a:pPr marL="0" lvl="0" indent="0" algn="ctr" defTabSz="488950">
             <a:lnSpc>
               <a:spcPct val="90000"/>
             </a:lnSpc>
@@ -10506,12 +10117,12 @@
             <a:spcAft>
               <a:spcPct val="35000"/>
             </a:spcAft>
+            <a:buNone/>
           </a:pPr>
           <a:r>
-            <a:rPr lang="ru-RU" sz="1100" kern="1200" dirty="0" smtClean="0"/>
+            <a:rPr lang="ru-RU" sz="1100" kern="1200" dirty="0"/>
             <a:t>Сфера</a:t>
           </a:r>
-          <a:endParaRPr lang="ru-RU" sz="1100" kern="1200" dirty="0"/>
         </a:p>
       </dsp:txBody>
       <dsp:txXfrm>
@@ -16949,10 +16560,9 @@
           <a:lstStyle/>
           <a:p>
             <a:r>
-              <a:rPr lang="ru-RU" smtClean="0"/>
+              <a:rPr lang="ru-RU"/>
               <a:t>Образец заголовка</a:t>
             </a:r>
-            <a:endParaRPr lang="ru-RU"/>
           </a:p>
         </p:txBody>
       </p:sp>
@@ -17068,10 +16678,9 @@
           </a:lstStyle>
           <a:p>
             <a:r>
-              <a:rPr lang="ru-RU" smtClean="0"/>
+              <a:rPr lang="ru-RU"/>
               <a:t>Образец подзаголовка</a:t>
             </a:r>
-            <a:endParaRPr lang="ru-RU"/>
           </a:p>
         </p:txBody>
       </p:sp>
@@ -17092,7 +16701,7 @@
           <a:p>
             <a:fld id="{AB14CDA6-5F59-45C7-82D0-B6F6886E967E}" type="datetimeFigureOut">
               <a:rPr lang="ru-RU" smtClean="0"/>
-              <a:t>16.03.2016</a:t>
+              <a:t>05.05.2022</a:t>
             </a:fld>
             <a:endParaRPr lang="ru-RU"/>
           </a:p>
@@ -17186,10 +16795,9 @@
           <a:lstStyle/>
           <a:p>
             <a:r>
-              <a:rPr lang="ru-RU" smtClean="0"/>
+              <a:rPr lang="ru-RU"/>
               <a:t>Образец заголовка</a:t>
             </a:r>
-            <a:endParaRPr lang="ru-RU"/>
           </a:p>
         </p:txBody>
       </p:sp>
@@ -17210,38 +16818,37 @@
           <a:p>
             <a:pPr lvl="0"/>
             <a:r>
-              <a:rPr lang="ru-RU" smtClean="0"/>
+              <a:rPr lang="ru-RU"/>
               <a:t>Образец текста</a:t>
             </a:r>
           </a:p>
           <a:p>
             <a:pPr lvl="1"/>
             <a:r>
-              <a:rPr lang="ru-RU" smtClean="0"/>
+              <a:rPr lang="ru-RU"/>
               <a:t>Второй уровень</a:t>
             </a:r>
           </a:p>
           <a:p>
             <a:pPr lvl="2"/>
             <a:r>
-              <a:rPr lang="ru-RU" smtClean="0"/>
+              <a:rPr lang="ru-RU"/>
               <a:t>Третий уровень</a:t>
             </a:r>
           </a:p>
           <a:p>
             <a:pPr lvl="3"/>
             <a:r>
-              <a:rPr lang="ru-RU" smtClean="0"/>
+              <a:rPr lang="ru-RU"/>
               <a:t>Четвертый уровень</a:t>
             </a:r>
           </a:p>
           <a:p>
             <a:pPr lvl="4"/>
             <a:r>
-              <a:rPr lang="ru-RU" smtClean="0"/>
+              <a:rPr lang="ru-RU"/>
               <a:t>Пятый уровень</a:t>
             </a:r>
-            <a:endParaRPr lang="ru-RU"/>
           </a:p>
         </p:txBody>
       </p:sp>
@@ -17262,7 +16869,7 @@
           <a:p>
             <a:fld id="{AB14CDA6-5F59-45C7-82D0-B6F6886E967E}" type="datetimeFigureOut">
               <a:rPr lang="ru-RU" smtClean="0"/>
-              <a:t>16.03.2016</a:t>
+              <a:t>05.05.2022</a:t>
             </a:fld>
             <a:endParaRPr lang="ru-RU"/>
           </a:p>
@@ -17361,10 +16968,9 @@
           <a:lstStyle/>
           <a:p>
             <a:r>
-              <a:rPr lang="ru-RU" smtClean="0"/>
+              <a:rPr lang="ru-RU"/>
               <a:t>Образец заголовка</a:t>
             </a:r>
-            <a:endParaRPr lang="ru-RU"/>
           </a:p>
         </p:txBody>
       </p:sp>
@@ -17390,38 +16996,37 @@
           <a:p>
             <a:pPr lvl="0"/>
             <a:r>
-              <a:rPr lang="ru-RU" smtClean="0"/>
+              <a:rPr lang="ru-RU"/>
               <a:t>Образец текста</a:t>
             </a:r>
           </a:p>
           <a:p>
             <a:pPr lvl="1"/>
             <a:r>
-              <a:rPr lang="ru-RU" smtClean="0"/>
+              <a:rPr lang="ru-RU"/>
               <a:t>Второй уровень</a:t>
             </a:r>
           </a:p>
           <a:p>
             <a:pPr lvl="2"/>
             <a:r>
-              <a:rPr lang="ru-RU" smtClean="0"/>
+              <a:rPr lang="ru-RU"/>
               <a:t>Третий уровень</a:t>
             </a:r>
           </a:p>
           <a:p>
             <a:pPr lvl="3"/>
             <a:r>
-              <a:rPr lang="ru-RU" smtClean="0"/>
+              <a:rPr lang="ru-RU"/>
               <a:t>Четвертый уровень</a:t>
             </a:r>
           </a:p>
           <a:p>
             <a:pPr lvl="4"/>
             <a:r>
-              <a:rPr lang="ru-RU" smtClean="0"/>
+              <a:rPr lang="ru-RU"/>
               <a:t>Пятый уровень</a:t>
             </a:r>
-            <a:endParaRPr lang="ru-RU"/>
           </a:p>
         </p:txBody>
       </p:sp>
@@ -17442,7 +17047,7 @@
           <a:p>
             <a:fld id="{AB14CDA6-5F59-45C7-82D0-B6F6886E967E}" type="datetimeFigureOut">
               <a:rPr lang="ru-RU" smtClean="0"/>
-              <a:t>16.03.2016</a:t>
+              <a:t>05.05.2022</a:t>
             </a:fld>
             <a:endParaRPr lang="ru-RU"/>
           </a:p>
@@ -17536,10 +17141,9 @@
           <a:lstStyle/>
           <a:p>
             <a:r>
-              <a:rPr lang="ru-RU" smtClean="0"/>
+              <a:rPr lang="ru-RU"/>
               <a:t>Образец заголовка</a:t>
             </a:r>
-            <a:endParaRPr lang="ru-RU"/>
           </a:p>
         </p:txBody>
       </p:sp>
@@ -17560,38 +17164,37 @@
           <a:p>
             <a:pPr lvl="0"/>
             <a:r>
-              <a:rPr lang="ru-RU" smtClean="0"/>
+              <a:rPr lang="ru-RU"/>
               <a:t>Образец текста</a:t>
             </a:r>
           </a:p>
           <a:p>
             <a:pPr lvl="1"/>
             <a:r>
-              <a:rPr lang="ru-RU" smtClean="0"/>
+              <a:rPr lang="ru-RU"/>
               <a:t>Второй уровень</a:t>
             </a:r>
           </a:p>
           <a:p>
             <a:pPr lvl="2"/>
             <a:r>
-              <a:rPr lang="ru-RU" smtClean="0"/>
+              <a:rPr lang="ru-RU"/>
               <a:t>Третий уровень</a:t>
             </a:r>
           </a:p>
           <a:p>
             <a:pPr lvl="3"/>
             <a:r>
-              <a:rPr lang="ru-RU" smtClean="0"/>
+              <a:rPr lang="ru-RU"/>
               <a:t>Четвертый уровень</a:t>
             </a:r>
           </a:p>
           <a:p>
             <a:pPr lvl="4"/>
             <a:r>
-              <a:rPr lang="ru-RU" smtClean="0"/>
+              <a:rPr lang="ru-RU"/>
               <a:t>Пятый уровень</a:t>
             </a:r>
-            <a:endParaRPr lang="ru-RU"/>
           </a:p>
         </p:txBody>
       </p:sp>
@@ -17612,7 +17215,7 @@
           <a:p>
             <a:fld id="{AB14CDA6-5F59-45C7-82D0-B6F6886E967E}" type="datetimeFigureOut">
               <a:rPr lang="ru-RU" smtClean="0"/>
-              <a:t>16.03.2016</a:t>
+              <a:t>05.05.2022</a:t>
             </a:fld>
             <a:endParaRPr lang="ru-RU"/>
           </a:p>
@@ -17670,13 +17273,6 @@
   <p:clrMapOvr>
     <a:masterClrMapping/>
   </p:clrMapOvr>
-  <p:timing>
-    <p:tnLst>
-      <p:par>
-        <p:cTn id="1" dur="indefinite" restart="never" nodeType="tmRoot"/>
-      </p:par>
-    </p:tnLst>
-  </p:timing>
 </p:sldLayout>
 </file>
 
@@ -17722,10 +17318,9 @@
           </a:lstStyle>
           <a:p>
             <a:r>
-              <a:rPr lang="ru-RU" smtClean="0"/>
+              <a:rPr lang="ru-RU"/>
               <a:t>Образец заголовка</a:t>
             </a:r>
-            <a:endParaRPr lang="ru-RU"/>
           </a:p>
         </p:txBody>
       </p:sp>
@@ -17842,7 +17437,7 @@
           <a:p>
             <a:pPr lvl="0"/>
             <a:r>
-              <a:rPr lang="ru-RU" smtClean="0"/>
+              <a:rPr lang="ru-RU"/>
               <a:t>Образец текста</a:t>
             </a:r>
           </a:p>
@@ -17865,7 +17460,7 @@
           <a:p>
             <a:fld id="{AB14CDA6-5F59-45C7-82D0-B6F6886E967E}" type="datetimeFigureOut">
               <a:rPr lang="ru-RU" smtClean="0"/>
-              <a:t>16.03.2016</a:t>
+              <a:t>05.05.2022</a:t>
             </a:fld>
             <a:endParaRPr lang="ru-RU"/>
           </a:p>
@@ -17959,10 +17554,9 @@
           <a:lstStyle/>
           <a:p>
             <a:r>
-              <a:rPr lang="ru-RU" smtClean="0"/>
+              <a:rPr lang="ru-RU"/>
               <a:t>Образец заголовка</a:t>
             </a:r>
-            <a:endParaRPr lang="ru-RU"/>
           </a:p>
         </p:txBody>
       </p:sp>
@@ -18016,38 +17610,37 @@
           <a:p>
             <a:pPr lvl="0"/>
             <a:r>
-              <a:rPr lang="ru-RU" smtClean="0"/>
+              <a:rPr lang="ru-RU"/>
               <a:t>Образец текста</a:t>
             </a:r>
           </a:p>
           <a:p>
             <a:pPr lvl="1"/>
             <a:r>
-              <a:rPr lang="ru-RU" smtClean="0"/>
+              <a:rPr lang="ru-RU"/>
               <a:t>Второй уровень</a:t>
             </a:r>
           </a:p>
           <a:p>
             <a:pPr lvl="2"/>
             <a:r>
-              <a:rPr lang="ru-RU" smtClean="0"/>
+              <a:rPr lang="ru-RU"/>
               <a:t>Третий уровень</a:t>
             </a:r>
           </a:p>
           <a:p>
             <a:pPr lvl="3"/>
             <a:r>
-              <a:rPr lang="ru-RU" smtClean="0"/>
+              <a:rPr lang="ru-RU"/>
               <a:t>Четвертый уровень</a:t>
             </a:r>
           </a:p>
           <a:p>
             <a:pPr lvl="4"/>
             <a:r>
-              <a:rPr lang="ru-RU" smtClean="0"/>
+              <a:rPr lang="ru-RU"/>
               <a:t>Пятый уровень</a:t>
             </a:r>
-            <a:endParaRPr lang="ru-RU"/>
           </a:p>
         </p:txBody>
       </p:sp>
@@ -18101,38 +17694,37 @@
           <a:p>
             <a:pPr lvl="0"/>
             <a:r>
-              <a:rPr lang="ru-RU" smtClean="0"/>
+              <a:rPr lang="ru-RU"/>
               <a:t>Образец текста</a:t>
             </a:r>
           </a:p>
           <a:p>
             <a:pPr lvl="1"/>
             <a:r>
-              <a:rPr lang="ru-RU" smtClean="0"/>
+              <a:rPr lang="ru-RU"/>
               <a:t>Второй уровень</a:t>
             </a:r>
           </a:p>
           <a:p>
             <a:pPr lvl="2"/>
             <a:r>
-              <a:rPr lang="ru-RU" smtClean="0"/>
+              <a:rPr lang="ru-RU"/>
               <a:t>Третий уровень</a:t>
             </a:r>
           </a:p>
           <a:p>
             <a:pPr lvl="3"/>
             <a:r>
-              <a:rPr lang="ru-RU" smtClean="0"/>
+              <a:rPr lang="ru-RU"/>
               <a:t>Четвертый уровень</a:t>
             </a:r>
           </a:p>
           <a:p>
             <a:pPr lvl="4"/>
             <a:r>
-              <a:rPr lang="ru-RU" smtClean="0"/>
+              <a:rPr lang="ru-RU"/>
               <a:t>Пятый уровень</a:t>
             </a:r>
-            <a:endParaRPr lang="ru-RU"/>
           </a:p>
         </p:txBody>
       </p:sp>
@@ -18153,7 +17745,7 @@
           <a:p>
             <a:fld id="{AB14CDA6-5F59-45C7-82D0-B6F6886E967E}" type="datetimeFigureOut">
               <a:rPr lang="ru-RU" smtClean="0"/>
-              <a:t>16.03.2016</a:t>
+              <a:t>05.05.2022</a:t>
             </a:fld>
             <a:endParaRPr lang="ru-RU"/>
           </a:p>
@@ -18251,10 +17843,9 @@
           </a:lstStyle>
           <a:p>
             <a:r>
-              <a:rPr lang="ru-RU" smtClean="0"/>
+              <a:rPr lang="ru-RU"/>
               <a:t>Образец заголовка</a:t>
             </a:r>
-            <a:endParaRPr lang="ru-RU"/>
           </a:p>
         </p:txBody>
       </p:sp>
@@ -18317,7 +17908,7 @@
           <a:p>
             <a:pPr lvl="0"/>
             <a:r>
-              <a:rPr lang="ru-RU" smtClean="0"/>
+              <a:rPr lang="ru-RU"/>
               <a:t>Образец текста</a:t>
             </a:r>
           </a:p>
@@ -18373,38 +17964,37 @@
           <a:p>
             <a:pPr lvl="0"/>
             <a:r>
-              <a:rPr lang="ru-RU" smtClean="0"/>
+              <a:rPr lang="ru-RU"/>
               <a:t>Образец текста</a:t>
             </a:r>
           </a:p>
           <a:p>
             <a:pPr lvl="1"/>
             <a:r>
-              <a:rPr lang="ru-RU" smtClean="0"/>
+              <a:rPr lang="ru-RU"/>
               <a:t>Второй уровень</a:t>
             </a:r>
           </a:p>
           <a:p>
             <a:pPr lvl="2"/>
             <a:r>
-              <a:rPr lang="ru-RU" smtClean="0"/>
+              <a:rPr lang="ru-RU"/>
               <a:t>Третий уровень</a:t>
             </a:r>
           </a:p>
           <a:p>
             <a:pPr lvl="3"/>
             <a:r>
-              <a:rPr lang="ru-RU" smtClean="0"/>
+              <a:rPr lang="ru-RU"/>
               <a:t>Четвертый уровень</a:t>
             </a:r>
           </a:p>
           <a:p>
             <a:pPr lvl="4"/>
             <a:r>
-              <a:rPr lang="ru-RU" smtClean="0"/>
+              <a:rPr lang="ru-RU"/>
               <a:t>Пятый уровень</a:t>
             </a:r>
-            <a:endParaRPr lang="ru-RU"/>
           </a:p>
         </p:txBody>
       </p:sp>
@@ -18467,7 +18057,7 @@
           <a:p>
             <a:pPr lvl="0"/>
             <a:r>
-              <a:rPr lang="ru-RU" smtClean="0"/>
+              <a:rPr lang="ru-RU"/>
               <a:t>Образец текста</a:t>
             </a:r>
           </a:p>
@@ -18523,38 +18113,37 @@
           <a:p>
             <a:pPr lvl="0"/>
             <a:r>
-              <a:rPr lang="ru-RU" smtClean="0"/>
+              <a:rPr lang="ru-RU"/>
               <a:t>Образец текста</a:t>
             </a:r>
           </a:p>
           <a:p>
             <a:pPr lvl="1"/>
             <a:r>
-              <a:rPr lang="ru-RU" smtClean="0"/>
+              <a:rPr lang="ru-RU"/>
               <a:t>Второй уровень</a:t>
             </a:r>
           </a:p>
           <a:p>
             <a:pPr lvl="2"/>
             <a:r>
-              <a:rPr lang="ru-RU" smtClean="0"/>
+              <a:rPr lang="ru-RU"/>
               <a:t>Третий уровень</a:t>
             </a:r>
           </a:p>
           <a:p>
             <a:pPr lvl="3"/>
             <a:r>
-              <a:rPr lang="ru-RU" smtClean="0"/>
+              <a:rPr lang="ru-RU"/>
               <a:t>Четвертый уровень</a:t>
             </a:r>
           </a:p>
           <a:p>
             <a:pPr lvl="4"/>
             <a:r>
-              <a:rPr lang="ru-RU" smtClean="0"/>
+              <a:rPr lang="ru-RU"/>
               <a:t>Пятый уровень</a:t>
             </a:r>
-            <a:endParaRPr lang="ru-RU"/>
           </a:p>
         </p:txBody>
       </p:sp>
@@ -18575,7 +18164,7 @@
           <a:p>
             <a:fld id="{AB14CDA6-5F59-45C7-82D0-B6F6886E967E}" type="datetimeFigureOut">
               <a:rPr lang="ru-RU" smtClean="0"/>
-              <a:t>16.03.2016</a:t>
+              <a:t>05.05.2022</a:t>
             </a:fld>
             <a:endParaRPr lang="ru-RU"/>
           </a:p>
@@ -18633,13 +18222,6 @@
   <p:clrMapOvr>
     <a:masterClrMapping/>
   </p:clrMapOvr>
-  <p:timing>
-    <p:tnLst>
-      <p:par>
-        <p:cTn id="1" dur="indefinite" restart="never" nodeType="tmRoot"/>
-      </p:par>
-    </p:tnLst>
-  </p:timing>
 </p:sldLayout>
 </file>
 
@@ -18676,10 +18258,9 @@
           <a:lstStyle/>
           <a:p>
             <a:r>
-              <a:rPr lang="ru-RU" smtClean="0"/>
+              <a:rPr lang="ru-RU"/>
               <a:t>Образец заголовка</a:t>
             </a:r>
-            <a:endParaRPr lang="ru-RU"/>
           </a:p>
         </p:txBody>
       </p:sp>
@@ -18700,7 +18281,7 @@
           <a:p>
             <a:fld id="{AB14CDA6-5F59-45C7-82D0-B6F6886E967E}" type="datetimeFigureOut">
               <a:rPr lang="ru-RU" smtClean="0"/>
-              <a:t>16.03.2016</a:t>
+              <a:t>05.05.2022</a:t>
             </a:fld>
             <a:endParaRPr lang="ru-RU"/>
           </a:p>
@@ -18795,7 +18376,7 @@
           <a:p>
             <a:fld id="{AB14CDA6-5F59-45C7-82D0-B6F6886E967E}" type="datetimeFigureOut">
               <a:rPr lang="ru-RU" smtClean="0"/>
-              <a:t>16.03.2016</a:t>
+              <a:t>05.05.2022</a:t>
             </a:fld>
             <a:endParaRPr lang="ru-RU"/>
           </a:p>
@@ -18898,10 +18479,9 @@
           </a:lstStyle>
           <a:p>
             <a:r>
-              <a:rPr lang="ru-RU" smtClean="0"/>
+              <a:rPr lang="ru-RU"/>
               <a:t>Образец заголовка</a:t>
             </a:r>
-            <a:endParaRPr lang="ru-RU"/>
           </a:p>
         </p:txBody>
       </p:sp>
@@ -18955,38 +18535,37 @@
           <a:p>
             <a:pPr lvl="0"/>
             <a:r>
-              <a:rPr lang="ru-RU" smtClean="0"/>
+              <a:rPr lang="ru-RU"/>
               <a:t>Образец текста</a:t>
             </a:r>
           </a:p>
           <a:p>
             <a:pPr lvl="1"/>
             <a:r>
-              <a:rPr lang="ru-RU" smtClean="0"/>
+              <a:rPr lang="ru-RU"/>
               <a:t>Второй уровень</a:t>
             </a:r>
           </a:p>
           <a:p>
             <a:pPr lvl="2"/>
             <a:r>
-              <a:rPr lang="ru-RU" smtClean="0"/>
+              <a:rPr lang="ru-RU"/>
               <a:t>Третий уровень</a:t>
             </a:r>
           </a:p>
           <a:p>
             <a:pPr lvl="3"/>
             <a:r>
-              <a:rPr lang="ru-RU" smtClean="0"/>
+              <a:rPr lang="ru-RU"/>
               <a:t>Четвертый уровень</a:t>
             </a:r>
           </a:p>
           <a:p>
             <a:pPr lvl="4"/>
             <a:r>
-              <a:rPr lang="ru-RU" smtClean="0"/>
+              <a:rPr lang="ru-RU"/>
               <a:t>Пятый уровень</a:t>
             </a:r>
-            <a:endParaRPr lang="ru-RU"/>
           </a:p>
         </p:txBody>
       </p:sp>
@@ -19049,7 +18628,7 @@
           <a:p>
             <a:pPr lvl="0"/>
             <a:r>
-              <a:rPr lang="ru-RU" smtClean="0"/>
+              <a:rPr lang="ru-RU"/>
               <a:t>Образец текста</a:t>
             </a:r>
           </a:p>
@@ -19072,7 +18651,7 @@
           <a:p>
             <a:fld id="{AB14CDA6-5F59-45C7-82D0-B6F6886E967E}" type="datetimeFigureOut">
               <a:rPr lang="ru-RU" smtClean="0"/>
-              <a:t>16.03.2016</a:t>
+              <a:t>05.05.2022</a:t>
             </a:fld>
             <a:endParaRPr lang="ru-RU"/>
           </a:p>
@@ -19175,10 +18754,9 @@
           </a:lstStyle>
           <a:p>
             <a:r>
-              <a:rPr lang="ru-RU" smtClean="0"/>
+              <a:rPr lang="ru-RU"/>
               <a:t>Образец заголовка</a:t>
             </a:r>
-            <a:endParaRPr lang="ru-RU"/>
           </a:p>
         </p:txBody>
       </p:sp>
@@ -19302,7 +18880,7 @@
           <a:p>
             <a:pPr lvl="0"/>
             <a:r>
-              <a:rPr lang="ru-RU" smtClean="0"/>
+              <a:rPr lang="ru-RU"/>
               <a:t>Образец текста</a:t>
             </a:r>
           </a:p>
@@ -19325,7 +18903,7 @@
           <a:p>
             <a:fld id="{AB14CDA6-5F59-45C7-82D0-B6F6886E967E}" type="datetimeFigureOut">
               <a:rPr lang="ru-RU" smtClean="0"/>
-              <a:t>16.03.2016</a:t>
+              <a:t>05.05.2022</a:t>
             </a:fld>
             <a:endParaRPr lang="ru-RU"/>
           </a:p>
@@ -19434,10 +19012,9 @@
           <a:lstStyle/>
           <a:p>
             <a:r>
-              <a:rPr lang="ru-RU" smtClean="0"/>
+              <a:rPr lang="ru-RU"/>
               <a:t>Образец заголовка</a:t>
             </a:r>
-            <a:endParaRPr lang="ru-RU"/>
           </a:p>
         </p:txBody>
       </p:sp>
@@ -19468,38 +19045,37 @@
           <a:p>
             <a:pPr lvl="0"/>
             <a:r>
-              <a:rPr lang="ru-RU" smtClean="0"/>
+              <a:rPr lang="ru-RU"/>
               <a:t>Образец текста</a:t>
             </a:r>
           </a:p>
           <a:p>
             <a:pPr lvl="1"/>
             <a:r>
-              <a:rPr lang="ru-RU" smtClean="0"/>
+              <a:rPr lang="ru-RU"/>
               <a:t>Второй уровень</a:t>
             </a:r>
           </a:p>
           <a:p>
             <a:pPr lvl="2"/>
             <a:r>
-              <a:rPr lang="ru-RU" smtClean="0"/>
+              <a:rPr lang="ru-RU"/>
               <a:t>Третий уровень</a:t>
             </a:r>
           </a:p>
           <a:p>
             <a:pPr lvl="3"/>
             <a:r>
-              <a:rPr lang="ru-RU" smtClean="0"/>
+              <a:rPr lang="ru-RU"/>
               <a:t>Четвертый уровень</a:t>
             </a:r>
           </a:p>
           <a:p>
             <a:pPr lvl="4"/>
             <a:r>
-              <a:rPr lang="ru-RU" smtClean="0"/>
+              <a:rPr lang="ru-RU"/>
               <a:t>Пятый уровень</a:t>
             </a:r>
-            <a:endParaRPr lang="ru-RU"/>
           </a:p>
         </p:txBody>
       </p:sp>
@@ -19538,7 +19114,7 @@
           <a:p>
             <a:fld id="{AB14CDA6-5F59-45C7-82D0-B6F6886E967E}" type="datetimeFigureOut">
               <a:rPr lang="ru-RU" smtClean="0"/>
-              <a:t>16.03.2016</a:t>
+              <a:t>05.05.2022</a:t>
             </a:fld>
             <a:endParaRPr lang="ru-RU"/>
           </a:p>
@@ -19643,13 +19219,6 @@
     <p:sldLayoutId id="2147483658" r:id="rId10"/>
     <p:sldLayoutId id="2147483659" r:id="rId11"/>
   </p:sldLayoutIdLst>
-  <p:timing>
-    <p:tnLst>
-      <p:par>
-        <p:cTn id="1" dur="indefinite" restart="never" nodeType="tmRoot"/>
-      </p:par>
-    </p:tnLst>
-  </p:timing>
   <p:txStyles>
     <p:titleStyle>
       <a:lvl1pPr algn="ctr" defTabSz="914400" rtl="0" eaLnBrk="1" latinLnBrk="0" hangingPunct="1">
@@ -19938,18 +19507,17 @@
           <a:lstStyle/>
           <a:p>
             <a:r>
-              <a:rPr lang="ru-RU" dirty="0" smtClean="0"/>
+              <a:rPr lang="ru-RU" dirty="0"/>
               <a:t>1. Укажите примеры </a:t>
             </a:r>
             <a:r>
-              <a:rPr lang="ru-RU" b="1" dirty="0" smtClean="0"/>
+              <a:rPr lang="ru-RU" b="1" dirty="0"/>
               <a:t>корректного</a:t>
             </a:r>
             <a:r>
-              <a:rPr lang="ru-RU" dirty="0" smtClean="0"/>
+              <a:rPr lang="ru-RU" dirty="0"/>
               <a:t> использования наследования</a:t>
             </a:r>
-            <a:endParaRPr lang="ru-RU" dirty="0"/>
           </a:p>
         </p:txBody>
       </p:sp>
@@ -20022,7 +19590,7 @@
           <a:lstStyle/>
           <a:p>
             <a:r>
-              <a:rPr lang="en-US" dirty="0" smtClean="0"/>
+              <a:rPr lang="en-US" dirty="0"/>
               <a:t>B</a:t>
             </a:r>
             <a:endParaRPr lang="ru-RU" dirty="0"/>
@@ -20445,13 +20013,6 @@
   <p:clrMapOvr>
     <a:masterClrMapping/>
   </p:clrMapOvr>
-  <p:timing>
-    <p:tnLst>
-      <p:par>
-        <p:cTn id="1" dur="indefinite" restart="never" nodeType="tmRoot"/>
-      </p:par>
-    </p:tnLst>
-  </p:timing>
 </p:sld>
 </file>
 
@@ -20490,10 +20051,9 @@
           <a:lstStyle/>
           <a:p>
             <a:r>
-              <a:rPr lang="ru-RU" sz="3000" dirty="0" smtClean="0"/>
+              <a:rPr lang="ru-RU" sz="3000" dirty="0"/>
               <a:t>2. При каком типе наследования класс-потомок наследует интерфейс класса-родителя?</a:t>
             </a:r>
-            <a:endParaRPr lang="ru-RU" sz="3000" dirty="0"/>
           </a:p>
         </p:txBody>
       </p:sp>
@@ -20513,30 +20073,29 @@
           <a:lstStyle/>
           <a:p>
             <a:r>
-              <a:rPr lang="ru-RU" dirty="0" smtClean="0"/>
+              <a:rPr lang="ru-RU" dirty="0"/>
               <a:t>А. Публичное наследование</a:t>
             </a:r>
           </a:p>
           <a:p>
             <a:r>
-              <a:rPr lang="en-US" dirty="0" smtClean="0"/>
+              <a:rPr lang="en-US" dirty="0"/>
               <a:t>B. </a:t>
             </a:r>
             <a:r>
-              <a:rPr lang="ru-RU" dirty="0" smtClean="0"/>
+              <a:rPr lang="ru-RU" dirty="0"/>
               <a:t>Защищенное наследование</a:t>
             </a:r>
           </a:p>
           <a:p>
             <a:r>
-              <a:rPr lang="en-US" dirty="0" smtClean="0"/>
+              <a:rPr lang="en-US" dirty="0"/>
               <a:t>C. </a:t>
             </a:r>
             <a:r>
-              <a:rPr lang="ru-RU" dirty="0" smtClean="0"/>
+              <a:rPr lang="ru-RU" dirty="0"/>
               <a:t>Приватное наследование</a:t>
             </a:r>
-            <a:endParaRPr lang="ru-RU" dirty="0"/>
           </a:p>
         </p:txBody>
       </p:sp>
@@ -20550,13 +20109,6 @@
   <p:clrMapOvr>
     <a:masterClrMapping/>
   </p:clrMapOvr>
-  <p:timing>
-    <p:tnLst>
-      <p:par>
-        <p:cTn id="1" dur="indefinite" restart="never" nodeType="tmRoot"/>
-      </p:par>
-    </p:tnLst>
-  </p:timing>
 </p:sld>
 </file>
 
@@ -20595,18 +20147,17 @@
           <a:lstStyle/>
           <a:p>
             <a:r>
-              <a:rPr lang="ru-RU" dirty="0" smtClean="0"/>
+              <a:rPr lang="ru-RU" dirty="0"/>
               <a:t>3. Что выведет в </a:t>
             </a:r>
             <a:r>
-              <a:rPr lang="en-US" dirty="0" smtClean="0"/>
+              <a:rPr lang="en-US" dirty="0"/>
               <a:t>Output </a:t>
             </a:r>
             <a:r>
-              <a:rPr lang="ru-RU" dirty="0" smtClean="0"/>
+              <a:rPr lang="ru-RU" dirty="0"/>
               <a:t>следующая программа?</a:t>
             </a:r>
-            <a:endParaRPr lang="ru-RU" dirty="0"/>
           </a:p>
         </p:txBody>
       </p:sp>
@@ -20633,7 +20184,7 @@
           <a:lstStyle/>
           <a:p>
             <a:r>
-              <a:rPr lang="en-US" dirty="0" smtClean="0"/>
+              <a:rPr lang="en-US" dirty="0"/>
               <a:t>A.</a:t>
             </a:r>
             <a:r>
@@ -20641,63 +20192,63 @@
               <a:t> </a:t>
             </a:r>
             <a:r>
-              <a:rPr lang="en-US" dirty="0" err="1" smtClean="0"/>
+              <a:rPr lang="en-US" dirty="0" err="1"/>
               <a:t>AppleBananaCatDog</a:t>
             </a:r>
-            <a:endParaRPr lang="en-US" dirty="0" smtClean="0"/>
+            <a:endParaRPr lang="en-US" dirty="0"/>
           </a:p>
           <a:p>
-            <a:endParaRPr lang="en-US" dirty="0" smtClean="0"/>
+            <a:endParaRPr lang="en-US" dirty="0"/>
           </a:p>
           <a:p>
             <a:r>
-              <a:rPr lang="en-US" dirty="0" smtClean="0"/>
+              <a:rPr lang="en-US" dirty="0"/>
               <a:t>B. </a:t>
             </a:r>
             <a:r>
-              <a:rPr lang="en-US" dirty="0" err="1" smtClean="0"/>
+              <a:rPr lang="en-US" dirty="0" err="1"/>
               <a:t>AppleCatDogBanana</a:t>
             </a:r>
-            <a:endParaRPr lang="en-US" dirty="0" smtClean="0"/>
+            <a:endParaRPr lang="en-US" dirty="0"/>
           </a:p>
           <a:p>
-            <a:endParaRPr lang="en-US" dirty="0" smtClean="0"/>
+            <a:endParaRPr lang="en-US" dirty="0"/>
           </a:p>
           <a:p>
             <a:r>
-              <a:rPr lang="en-US" dirty="0" smtClean="0"/>
+              <a:rPr lang="en-US" dirty="0"/>
               <a:t>C. </a:t>
             </a:r>
             <a:r>
-              <a:rPr lang="en-US" dirty="0" err="1" smtClean="0"/>
+              <a:rPr lang="en-US" dirty="0" err="1"/>
               <a:t>AppleCatBananaDog</a:t>
             </a:r>
-            <a:endParaRPr lang="en-US" dirty="0" smtClean="0"/>
+            <a:endParaRPr lang="en-US" dirty="0"/>
           </a:p>
           <a:p>
-            <a:endParaRPr lang="en-US" dirty="0" smtClean="0"/>
+            <a:endParaRPr lang="en-US" dirty="0"/>
           </a:p>
           <a:p>
             <a:r>
-              <a:rPr lang="en-US" dirty="0" smtClean="0"/>
+              <a:rPr lang="en-US" dirty="0"/>
               <a:t>D. </a:t>
             </a:r>
             <a:r>
-              <a:rPr lang="en-US" dirty="0" err="1" smtClean="0"/>
+              <a:rPr lang="en-US" dirty="0" err="1"/>
               <a:t>CatAppleBananaDog</a:t>
             </a:r>
-            <a:endParaRPr lang="en-US" dirty="0" smtClean="0"/>
+            <a:endParaRPr lang="en-US" dirty="0"/>
           </a:p>
           <a:p>
-            <a:endParaRPr lang="en-US" dirty="0" smtClean="0"/>
+            <a:endParaRPr lang="en-US" dirty="0"/>
           </a:p>
           <a:p>
             <a:r>
-              <a:rPr lang="en-US" dirty="0" smtClean="0"/>
+              <a:rPr lang="en-US" dirty="0"/>
               <a:t>E. </a:t>
             </a:r>
             <a:r>
-              <a:rPr lang="en-US" dirty="0" err="1" smtClean="0"/>
+              <a:rPr lang="en-US" dirty="0" err="1"/>
               <a:t>CatAppleDogBanana</a:t>
             </a:r>
             <a:endParaRPr lang="ru-RU" dirty="0"/>
@@ -20728,7 +20279,7 @@
           <a:p>
             <a:pPr defTabSz="182563"/>
             <a:r>
-              <a:rPr lang="en-US" b="1" dirty="0" smtClean="0">
+              <a:rPr lang="en-US" b="1" dirty="0">
                 <a:solidFill>
                   <a:srgbClr val="339900"/>
                 </a:solidFill>
@@ -20737,7 +20288,7 @@
               <a:t>#include &lt;</a:t>
             </a:r>
             <a:r>
-              <a:rPr lang="en-US" b="1" dirty="0" err="1" smtClean="0">
+              <a:rPr lang="en-US" b="1" dirty="0" err="1">
                 <a:solidFill>
                   <a:srgbClr val="339900"/>
                 </a:solidFill>
@@ -20746,7 +20297,7 @@
               <a:t>iostream</a:t>
             </a:r>
             <a:r>
-              <a:rPr lang="en-US" b="1" dirty="0" smtClean="0">
+              <a:rPr lang="en-US" b="1" dirty="0">
                 <a:solidFill>
                   <a:srgbClr val="339900"/>
                 </a:solidFill>
@@ -20759,7 +20310,7 @@
           <a:p>
             <a:pPr defTabSz="182563"/>
             <a:r>
-              <a:rPr lang="en-US" b="1" dirty="0" smtClean="0">
+              <a:rPr lang="en-US" b="1" dirty="0">
                 <a:solidFill>
                   <a:srgbClr val="0000FF"/>
                 </a:solidFill>
@@ -20768,14 +20319,14 @@
               <a:t>class</a:t>
             </a:r>
             <a:r>
-              <a:rPr lang="en-US" b="1" dirty="0" smtClean="0"/>
+              <a:rPr lang="en-US" b="1" dirty="0"/>
               <a:t> Foo</a:t>
             </a:r>
           </a:p>
           <a:p>
             <a:pPr defTabSz="182563"/>
             <a:r>
-              <a:rPr lang="en-US" b="1" dirty="0" smtClean="0">
+              <a:rPr lang="en-US" b="1" dirty="0">
                 <a:solidFill>
                   <a:srgbClr val="008000"/>
                 </a:solidFill>
@@ -20788,7 +20339,7 @@
           <a:p>
             <a:pPr defTabSz="182563"/>
             <a:r>
-              <a:rPr lang="en-US" b="1" dirty="0" smtClean="0">
+              <a:rPr lang="en-US" b="1" dirty="0">
                 <a:solidFill>
                   <a:srgbClr val="0000FF"/>
                 </a:solidFill>
@@ -20797,7 +20348,7 @@
               <a:t>public</a:t>
             </a:r>
             <a:r>
-              <a:rPr lang="en-US" b="1" dirty="0" smtClean="0">
+              <a:rPr lang="en-US" b="1" dirty="0">
                 <a:solidFill>
                   <a:srgbClr val="008080"/>
                 </a:solidFill>
@@ -20805,16 +20356,16 @@
               </a:rPr>
               <a:t>:</a:t>
             </a:r>
-            <a:endParaRPr lang="en-US" b="1" dirty="0" smtClean="0"/>
+            <a:endParaRPr lang="en-US" b="1" dirty="0"/>
           </a:p>
           <a:p>
             <a:pPr defTabSz="182563"/>
             <a:r>
-              <a:rPr lang="en-US" b="1" dirty="0" smtClean="0"/>
+              <a:rPr lang="en-US" b="1" dirty="0"/>
               <a:t>	Foo</a:t>
             </a:r>
             <a:r>
-              <a:rPr lang="en-US" b="1" dirty="0" smtClean="0">
+              <a:rPr lang="en-US" b="1" dirty="0">
                 <a:solidFill>
                   <a:srgbClr val="008000"/>
                 </a:solidFill>
@@ -20823,11 +20374,11 @@
               <a:t>(){</a:t>
             </a:r>
             <a:r>
-              <a:rPr lang="en-US" b="1" dirty="0" err="1" smtClean="0"/>
+              <a:rPr lang="en-US" b="1" dirty="0" err="1"/>
               <a:t>std</a:t>
             </a:r>
             <a:r>
-              <a:rPr lang="en-US" b="1" dirty="0" smtClean="0">
+              <a:rPr lang="en-US" b="1" dirty="0">
                 <a:solidFill>
                   <a:srgbClr val="008080"/>
                 </a:solidFill>
@@ -20836,7 +20387,7 @@
               <a:t>::</a:t>
             </a:r>
             <a:r>
-              <a:rPr lang="en-US" b="1" dirty="0" err="1" smtClean="0">
+              <a:rPr lang="en-US" b="1" dirty="0" err="1">
                 <a:solidFill>
                   <a:srgbClr val="0000DD"/>
                 </a:solidFill>
@@ -20845,11 +20396,11 @@
               <a:t>cout</a:t>
             </a:r>
             <a:r>
-              <a:rPr lang="en-US" b="1" dirty="0" smtClean="0"/>
+              <a:rPr lang="en-US" b="1" dirty="0"/>
               <a:t> </a:t>
             </a:r>
             <a:r>
-              <a:rPr lang="en-US" b="1" dirty="0" smtClean="0">
+              <a:rPr lang="en-US" b="1" dirty="0">
                 <a:solidFill>
                   <a:srgbClr val="000080"/>
                 </a:solidFill>
@@ -20858,11 +20409,11 @@
               <a:t>&lt;&lt;</a:t>
             </a:r>
             <a:r>
-              <a:rPr lang="en-US" b="1" dirty="0" smtClean="0"/>
+              <a:rPr lang="en-US" b="1" dirty="0"/>
               <a:t> </a:t>
             </a:r>
             <a:r>
-              <a:rPr lang="en-US" b="1" dirty="0" smtClean="0">
+              <a:rPr lang="en-US" b="1" dirty="0">
                 <a:solidFill>
                   <a:srgbClr val="FF0000"/>
                 </a:solidFill>
@@ -20871,7 +20422,7 @@
               <a:t>"Apple"</a:t>
             </a:r>
             <a:r>
-              <a:rPr lang="en-US" b="1" dirty="0" smtClean="0">
+              <a:rPr lang="en-US" b="1" dirty="0">
                 <a:solidFill>
                   <a:srgbClr val="008080"/>
                 </a:solidFill>
@@ -20880,7 +20431,7 @@
               <a:t>;</a:t>
             </a:r>
             <a:r>
-              <a:rPr lang="en-US" b="1" dirty="0" smtClean="0">
+              <a:rPr lang="en-US" b="1" dirty="0">
                 <a:solidFill>
                   <a:srgbClr val="008000"/>
                 </a:solidFill>
@@ -20889,7 +20440,7 @@
               <a:t>}</a:t>
             </a:r>
             <a:r>
-              <a:rPr lang="en-US" b="1" dirty="0" smtClean="0"/>
+              <a:rPr lang="en-US" b="1" dirty="0"/>
               <a:t> </a:t>
             </a:r>
           </a:p>
@@ -20908,11 +20459,11 @@
               <a:t>virtual</a:t>
             </a:r>
             <a:r>
-              <a:rPr lang="en-US" b="1" dirty="0" smtClean="0"/>
+              <a:rPr lang="en-US" b="1" dirty="0"/>
               <a:t>  ~Foo</a:t>
             </a:r>
             <a:r>
-              <a:rPr lang="en-US" b="1" dirty="0" smtClean="0">
+              <a:rPr lang="en-US" b="1" dirty="0">
                 <a:solidFill>
                   <a:srgbClr val="008000"/>
                 </a:solidFill>
@@ -20921,11 +20472,11 @@
               <a:t>(){</a:t>
             </a:r>
             <a:r>
-              <a:rPr lang="en-US" b="1" dirty="0" err="1" smtClean="0"/>
+              <a:rPr lang="en-US" b="1" dirty="0" err="1"/>
               <a:t>std</a:t>
             </a:r>
             <a:r>
-              <a:rPr lang="en-US" b="1" dirty="0" smtClean="0">
+              <a:rPr lang="en-US" b="1" dirty="0">
                 <a:solidFill>
                   <a:srgbClr val="008080"/>
                 </a:solidFill>
@@ -20934,7 +20485,7 @@
               <a:t>::</a:t>
             </a:r>
             <a:r>
-              <a:rPr lang="en-US" b="1" dirty="0" err="1" smtClean="0">
+              <a:rPr lang="en-US" b="1" dirty="0" err="1">
                 <a:solidFill>
                   <a:srgbClr val="0000DD"/>
                 </a:solidFill>
@@ -20943,11 +20494,11 @@
               <a:t>cout</a:t>
             </a:r>
             <a:r>
-              <a:rPr lang="en-US" b="1" dirty="0" smtClean="0"/>
+              <a:rPr lang="en-US" b="1" dirty="0"/>
               <a:t> </a:t>
             </a:r>
             <a:r>
-              <a:rPr lang="en-US" b="1" dirty="0" smtClean="0">
+              <a:rPr lang="en-US" b="1" dirty="0">
                 <a:solidFill>
                   <a:srgbClr val="000080"/>
                 </a:solidFill>
@@ -20956,11 +20507,11 @@
               <a:t>&lt;&lt;</a:t>
             </a:r>
             <a:r>
-              <a:rPr lang="en-US" b="1" dirty="0" smtClean="0"/>
+              <a:rPr lang="en-US" b="1" dirty="0"/>
               <a:t> </a:t>
             </a:r>
             <a:r>
-              <a:rPr lang="en-US" b="1" dirty="0" smtClean="0">
+              <a:rPr lang="en-US" b="1" dirty="0">
                 <a:solidFill>
                   <a:srgbClr val="FF0000"/>
                 </a:solidFill>
@@ -20969,7 +20520,7 @@
               <a:t>"Banana"</a:t>
             </a:r>
             <a:r>
-              <a:rPr lang="en-US" b="1" dirty="0" smtClean="0">
+              <a:rPr lang="en-US" b="1" dirty="0">
                 <a:solidFill>
                   <a:srgbClr val="008080"/>
                 </a:solidFill>
@@ -20978,7 +20529,7 @@
               <a:t>;</a:t>
             </a:r>
             <a:r>
-              <a:rPr lang="en-US" b="1" dirty="0" smtClean="0">
+              <a:rPr lang="en-US" b="1" dirty="0">
                 <a:solidFill>
                   <a:srgbClr val="008000"/>
                 </a:solidFill>
@@ -20987,14 +20538,14 @@
               <a:t>}</a:t>
             </a:r>
             <a:r>
-              <a:rPr lang="en-US" b="1" dirty="0" smtClean="0"/>
+              <a:rPr lang="en-US" b="1" dirty="0"/>
               <a:t> </a:t>
             </a:r>
           </a:p>
           <a:p>
             <a:pPr defTabSz="182563"/>
             <a:r>
-              <a:rPr lang="en-US" b="1" dirty="0" smtClean="0">
+              <a:rPr lang="en-US" b="1" dirty="0">
                 <a:solidFill>
                   <a:srgbClr val="008000"/>
                 </a:solidFill>
@@ -21003,7 +20554,7 @@
               <a:t>}</a:t>
             </a:r>
             <a:r>
-              <a:rPr lang="en-US" b="1" dirty="0" smtClean="0">
+              <a:rPr lang="en-US" b="1" dirty="0">
                 <a:solidFill>
                   <a:srgbClr val="008080"/>
                 </a:solidFill>
@@ -21011,12 +20562,12 @@
               </a:rPr>
               <a:t>;</a:t>
             </a:r>
-            <a:endParaRPr lang="en-US" b="1" dirty="0" smtClean="0"/>
+            <a:endParaRPr lang="en-US" b="1" dirty="0"/>
           </a:p>
           <a:p>
             <a:pPr defTabSz="182563"/>
             <a:r>
-              <a:rPr lang="en-US" b="1" dirty="0" smtClean="0">
+              <a:rPr lang="en-US" b="1" dirty="0">
                 <a:solidFill>
                   <a:srgbClr val="0000FF"/>
                 </a:solidFill>
@@ -21025,11 +20576,11 @@
               <a:t>class</a:t>
             </a:r>
             <a:r>
-              <a:rPr lang="en-US" b="1" dirty="0" smtClean="0"/>
+              <a:rPr lang="en-US" b="1" dirty="0"/>
               <a:t> Bar </a:t>
             </a:r>
             <a:r>
-              <a:rPr lang="en-US" b="1" dirty="0" smtClean="0">
+              <a:rPr lang="en-US" b="1" dirty="0">
                 <a:solidFill>
                   <a:srgbClr val="008080"/>
                 </a:solidFill>
@@ -21038,11 +20589,11 @@
               <a:t>:</a:t>
             </a:r>
             <a:r>
-              <a:rPr lang="en-US" b="1" dirty="0" smtClean="0"/>
+              <a:rPr lang="en-US" b="1" dirty="0"/>
               <a:t> </a:t>
             </a:r>
             <a:r>
-              <a:rPr lang="en-US" b="1" dirty="0" smtClean="0">
+              <a:rPr lang="en-US" b="1" dirty="0">
                 <a:solidFill>
                   <a:srgbClr val="0000FF"/>
                 </a:solidFill>
@@ -21051,14 +20602,14 @@
               <a:t>public</a:t>
             </a:r>
             <a:r>
-              <a:rPr lang="en-US" b="1" dirty="0" smtClean="0"/>
+              <a:rPr lang="en-US" b="1" dirty="0"/>
               <a:t> Foo</a:t>
             </a:r>
           </a:p>
           <a:p>
             <a:pPr defTabSz="182563"/>
             <a:r>
-              <a:rPr lang="en-US" b="1" dirty="0" smtClean="0">
+              <a:rPr lang="en-US" b="1" dirty="0">
                 <a:solidFill>
                   <a:srgbClr val="008000"/>
                 </a:solidFill>
@@ -21071,7 +20622,7 @@
           <a:p>
             <a:pPr defTabSz="182563"/>
             <a:r>
-              <a:rPr lang="en-US" b="1" dirty="0" smtClean="0">
+              <a:rPr lang="en-US" b="1" dirty="0">
                 <a:solidFill>
                   <a:srgbClr val="0000FF"/>
                 </a:solidFill>
@@ -21080,7 +20631,7 @@
               <a:t>public</a:t>
             </a:r>
             <a:r>
-              <a:rPr lang="en-US" b="1" dirty="0" smtClean="0">
+              <a:rPr lang="en-US" b="1" dirty="0">
                 <a:solidFill>
                   <a:srgbClr val="008080"/>
                 </a:solidFill>
@@ -21092,11 +20643,11 @@
           <a:p>
             <a:pPr defTabSz="182563"/>
             <a:r>
-              <a:rPr lang="en-US" b="1" dirty="0" smtClean="0"/>
+              <a:rPr lang="en-US" b="1" dirty="0"/>
               <a:t>	Bar</a:t>
             </a:r>
             <a:r>
-              <a:rPr lang="en-US" b="1" dirty="0" smtClean="0">
+              <a:rPr lang="en-US" b="1" dirty="0">
                 <a:solidFill>
                   <a:srgbClr val="008000"/>
                 </a:solidFill>
@@ -21105,11 +20656,11 @@
               <a:t>(){</a:t>
             </a:r>
             <a:r>
-              <a:rPr lang="en-US" b="1" dirty="0" err="1" smtClean="0"/>
+              <a:rPr lang="en-US" b="1" dirty="0" err="1"/>
               <a:t>std</a:t>
             </a:r>
             <a:r>
-              <a:rPr lang="en-US" b="1" dirty="0" smtClean="0">
+              <a:rPr lang="en-US" b="1" dirty="0">
                 <a:solidFill>
                   <a:srgbClr val="008080"/>
                 </a:solidFill>
@@ -21118,7 +20669,7 @@
               <a:t>::</a:t>
             </a:r>
             <a:r>
-              <a:rPr lang="en-US" b="1" dirty="0" err="1" smtClean="0">
+              <a:rPr lang="en-US" b="1" dirty="0" err="1">
                 <a:solidFill>
                   <a:srgbClr val="0000DD"/>
                 </a:solidFill>
@@ -21127,11 +20678,11 @@
               <a:t>cout</a:t>
             </a:r>
             <a:r>
-              <a:rPr lang="en-US" b="1" dirty="0" smtClean="0"/>
+              <a:rPr lang="en-US" b="1" dirty="0"/>
               <a:t> </a:t>
             </a:r>
             <a:r>
-              <a:rPr lang="en-US" b="1" dirty="0" smtClean="0">
+              <a:rPr lang="en-US" b="1" dirty="0">
                 <a:solidFill>
                   <a:srgbClr val="000080"/>
                 </a:solidFill>
@@ -21140,11 +20691,11 @@
               <a:t>&lt;&lt;</a:t>
             </a:r>
             <a:r>
-              <a:rPr lang="en-US" b="1" dirty="0" smtClean="0"/>
+              <a:rPr lang="en-US" b="1" dirty="0"/>
               <a:t> </a:t>
             </a:r>
             <a:r>
-              <a:rPr lang="en-US" b="1" dirty="0" smtClean="0">
+              <a:rPr lang="en-US" b="1" dirty="0">
                 <a:solidFill>
                   <a:srgbClr val="FF0000"/>
                 </a:solidFill>
@@ -21153,7 +20704,7 @@
               <a:t>"Cat"</a:t>
             </a:r>
             <a:r>
-              <a:rPr lang="en-US" b="1" dirty="0" smtClean="0">
+              <a:rPr lang="en-US" b="1" dirty="0">
                 <a:solidFill>
                   <a:srgbClr val="008080"/>
                 </a:solidFill>
@@ -21162,7 +20713,7 @@
               <a:t>;</a:t>
             </a:r>
             <a:r>
-              <a:rPr lang="en-US" b="1" dirty="0" smtClean="0">
+              <a:rPr lang="en-US" b="1" dirty="0">
                 <a:solidFill>
                   <a:srgbClr val="008000"/>
                 </a:solidFill>
@@ -21170,20 +20721,16 @@
               </a:rPr>
               <a:t>}</a:t>
             </a:r>
-            <a:endParaRPr lang="en-US" b="1" dirty="0" smtClean="0"/>
+            <a:endParaRPr lang="en-US" b="1" dirty="0"/>
           </a:p>
           <a:p>
             <a:pPr defTabSz="182563"/>
             <a:r>
               <a:rPr lang="en-US" b="1" dirty="0"/>
-              <a:t>	</a:t>
-            </a:r>
-            <a:r>
-              <a:rPr lang="en-US" b="1" dirty="0" smtClean="0"/>
-              <a:t>~Bar</a:t>
-            </a:r>
-            <a:r>
-              <a:rPr lang="en-US" b="1" dirty="0" smtClean="0">
+              <a:t>	~Bar</a:t>
+            </a:r>
+            <a:r>
+              <a:rPr lang="en-US" b="1" dirty="0">
                 <a:solidFill>
                   <a:srgbClr val="008000"/>
                 </a:solidFill>
@@ -21192,11 +20739,11 @@
               <a:t>(){</a:t>
             </a:r>
             <a:r>
-              <a:rPr lang="en-US" b="1" dirty="0" err="1" smtClean="0"/>
+              <a:rPr lang="en-US" b="1" dirty="0" err="1"/>
               <a:t>std</a:t>
             </a:r>
             <a:r>
-              <a:rPr lang="en-US" b="1" dirty="0" smtClean="0">
+              <a:rPr lang="en-US" b="1" dirty="0">
                 <a:solidFill>
                   <a:srgbClr val="008080"/>
                 </a:solidFill>
@@ -21205,7 +20752,7 @@
               <a:t>::</a:t>
             </a:r>
             <a:r>
-              <a:rPr lang="en-US" b="1" dirty="0" err="1" smtClean="0">
+              <a:rPr lang="en-US" b="1" dirty="0" err="1">
                 <a:solidFill>
                   <a:srgbClr val="0000DD"/>
                 </a:solidFill>
@@ -21214,11 +20761,11 @@
               <a:t>cout</a:t>
             </a:r>
             <a:r>
-              <a:rPr lang="en-US" b="1" dirty="0" smtClean="0"/>
+              <a:rPr lang="en-US" b="1" dirty="0"/>
               <a:t> </a:t>
             </a:r>
             <a:r>
-              <a:rPr lang="en-US" b="1" dirty="0" smtClean="0">
+              <a:rPr lang="en-US" b="1" dirty="0">
                 <a:solidFill>
                   <a:srgbClr val="000080"/>
                 </a:solidFill>
@@ -21227,11 +20774,11 @@
               <a:t>&lt;&lt;</a:t>
             </a:r>
             <a:r>
-              <a:rPr lang="en-US" b="1" dirty="0" smtClean="0"/>
+              <a:rPr lang="en-US" b="1" dirty="0"/>
               <a:t> </a:t>
             </a:r>
             <a:r>
-              <a:rPr lang="en-US" b="1" dirty="0" smtClean="0">
+              <a:rPr lang="en-US" b="1" dirty="0">
                 <a:solidFill>
                   <a:srgbClr val="FF0000"/>
                 </a:solidFill>
@@ -21240,7 +20787,7 @@
               <a:t>"Dog"</a:t>
             </a:r>
             <a:r>
-              <a:rPr lang="en-US" b="1" dirty="0" smtClean="0">
+              <a:rPr lang="en-US" b="1" dirty="0">
                 <a:solidFill>
                   <a:srgbClr val="008080"/>
                 </a:solidFill>
@@ -21249,7 +20796,7 @@
               <a:t>;</a:t>
             </a:r>
             <a:r>
-              <a:rPr lang="en-US" b="1" dirty="0" smtClean="0">
+              <a:rPr lang="en-US" b="1" dirty="0">
                 <a:solidFill>
                   <a:srgbClr val="008000"/>
                 </a:solidFill>
@@ -21262,7 +20809,7 @@
           <a:p>
             <a:pPr defTabSz="182563"/>
             <a:r>
-              <a:rPr lang="en-US" b="1" dirty="0" smtClean="0">
+              <a:rPr lang="en-US" b="1" dirty="0">
                 <a:solidFill>
                   <a:srgbClr val="008000"/>
                 </a:solidFill>
@@ -21271,7 +20818,7 @@
               <a:t>}</a:t>
             </a:r>
             <a:r>
-              <a:rPr lang="en-US" b="1" dirty="0" smtClean="0">
+              <a:rPr lang="en-US" b="1" dirty="0">
                 <a:solidFill>
                   <a:srgbClr val="008080"/>
                 </a:solidFill>
@@ -21279,12 +20826,12 @@
               </a:rPr>
               <a:t>;</a:t>
             </a:r>
-            <a:endParaRPr lang="en-US" b="1" dirty="0" smtClean="0"/>
+            <a:endParaRPr lang="en-US" b="1" dirty="0"/>
           </a:p>
           <a:p>
             <a:pPr defTabSz="182563"/>
             <a:r>
-              <a:rPr lang="en-US" b="1" dirty="0" err="1" smtClean="0">
+              <a:rPr lang="en-US" b="1" dirty="0" err="1">
                 <a:solidFill>
                   <a:srgbClr val="0000FF"/>
                 </a:solidFill>
@@ -21293,11 +20840,11 @@
               <a:t>int</a:t>
             </a:r>
             <a:r>
-              <a:rPr lang="en-US" b="1" dirty="0" smtClean="0"/>
+              <a:rPr lang="en-US" b="1" dirty="0"/>
               <a:t> main</a:t>
             </a:r>
             <a:r>
-              <a:rPr lang="en-US" b="1" dirty="0" smtClean="0">
+              <a:rPr lang="en-US" b="1" dirty="0">
                 <a:solidFill>
                   <a:srgbClr val="008000"/>
                 </a:solidFill>
@@ -21310,7 +20857,7 @@
           <a:p>
             <a:pPr defTabSz="182563"/>
             <a:r>
-              <a:rPr lang="en-US" b="1" dirty="0" smtClean="0">
+              <a:rPr lang="en-US" b="1" dirty="0">
                 <a:solidFill>
                   <a:srgbClr val="008000"/>
                 </a:solidFill>
@@ -21319,7 +20866,7 @@
               <a:t>{</a:t>
             </a:r>
             <a:r>
-              <a:rPr lang="en-US" b="1" dirty="0" smtClean="0"/>
+              <a:rPr lang="en-US" b="1" dirty="0"/>
               <a:t> </a:t>
             </a:r>
           </a:p>
@@ -21327,14 +20874,10 @@
             <a:pPr defTabSz="182563"/>
             <a:r>
               <a:rPr lang="en-US" b="1" dirty="0"/>
-              <a:t>	</a:t>
-            </a:r>
-            <a:r>
-              <a:rPr lang="en-US" b="1" dirty="0" smtClean="0"/>
-              <a:t>Bar b</a:t>
-            </a:r>
-            <a:r>
-              <a:rPr lang="en-US" b="1" dirty="0" smtClean="0">
+              <a:t>	Bar b</a:t>
+            </a:r>
+            <a:r>
+              <a:rPr lang="en-US" b="1" dirty="0">
                 <a:solidFill>
                   <a:srgbClr val="008080"/>
                 </a:solidFill>
@@ -21343,7 +20886,7 @@
               <a:t>;</a:t>
             </a:r>
             <a:r>
-              <a:rPr lang="en-US" b="1" dirty="0" smtClean="0"/>
+              <a:rPr lang="en-US" b="1" dirty="0"/>
               <a:t> </a:t>
             </a:r>
           </a:p>
@@ -21356,23 +20899,14 @@
                 </a:solidFill>
                 <a:effectLst/>
               </a:rPr>
-              <a:t>	</a:t>
-            </a:r>
-            <a:r>
-              <a:rPr lang="en-US" b="1" dirty="0" smtClean="0">
-                <a:solidFill>
-                  <a:srgbClr val="0000FF"/>
-                </a:solidFill>
-                <a:effectLst/>
-              </a:rPr>
-              <a:t>return</a:t>
-            </a:r>
-            <a:r>
-              <a:rPr lang="en-US" b="1" dirty="0" smtClean="0"/>
+              <a:t>	return</a:t>
+            </a:r>
+            <a:r>
+              <a:rPr lang="en-US" b="1" dirty="0"/>
               <a:t> </a:t>
             </a:r>
             <a:r>
-              <a:rPr lang="en-US" b="1" dirty="0" smtClean="0">
+              <a:rPr lang="en-US" b="1" dirty="0">
                 <a:solidFill>
                   <a:srgbClr val="0000DD"/>
                 </a:solidFill>
@@ -21381,7 +20915,7 @@
               <a:t>0</a:t>
             </a:r>
             <a:r>
-              <a:rPr lang="en-US" b="1" dirty="0" smtClean="0">
+              <a:rPr lang="en-US" b="1" dirty="0">
                 <a:solidFill>
                   <a:srgbClr val="008080"/>
                 </a:solidFill>
@@ -21394,7 +20928,7 @@
           <a:p>
             <a:pPr defTabSz="182563"/>
             <a:r>
-              <a:rPr lang="en-US" b="1" dirty="0" smtClean="0">
+              <a:rPr lang="en-US" b="1" dirty="0">
                 <a:solidFill>
                   <a:srgbClr val="008000"/>
                 </a:solidFill>
@@ -21403,6 +20937,53 @@
               <a:t>}</a:t>
             </a:r>
             <a:endParaRPr lang="ru-RU" b="1" dirty="0"/>
+          </a:p>
+        </p:txBody>
+      </p:sp>
+      <p:sp>
+        <p:nvSpPr>
+          <p:cNvPr id="3" name="Прямоугольник 2">
+            <a:extLst>
+              <a:ext uri="{FF2B5EF4-FFF2-40B4-BE49-F238E27FC236}">
+                <a16:creationId xmlns:a16="http://schemas.microsoft.com/office/drawing/2014/main" id="{8390E0B1-C103-A12A-BECF-E8FDA61205E0}"/>
+              </a:ext>
+            </a:extLst>
+          </p:cNvPr>
+          <p:cNvSpPr/>
+          <p:nvPr/>
+        </p:nvSpPr>
+        <p:spPr>
+          <a:xfrm>
+            <a:off x="4067944" y="2636912"/>
+            <a:ext cx="4824536" cy="648072"/>
+          </a:xfrm>
+          <a:prstGeom prst="rect">
+            <a:avLst/>
+          </a:prstGeom>
+          <a:noFill/>
+        </p:spPr>
+        <p:style>
+          <a:lnRef idx="2">
+            <a:schemeClr val="accent1">
+              <a:shade val="50000"/>
+            </a:schemeClr>
+          </a:lnRef>
+          <a:fillRef idx="1">
+            <a:schemeClr val="accent1"/>
+          </a:fillRef>
+          <a:effectRef idx="0">
+            <a:schemeClr val="accent1"/>
+          </a:effectRef>
+          <a:fontRef idx="minor">
+            <a:schemeClr val="lt1"/>
+          </a:fontRef>
+        </p:style>
+        <p:txBody>
+          <a:bodyPr rtlCol="0" anchor="ctr"/>
+          <a:lstStyle/>
+          <a:p>
+            <a:pPr algn="ctr"/>
+            <a:endParaRPr lang="ru-RU"/>
           </a:p>
         </p:txBody>
       </p:sp>
@@ -21419,9 +21000,88 @@
   <p:timing>
     <p:tnLst>
       <p:par>
-        <p:cTn id="1" dur="indefinite" restart="never" nodeType="tmRoot"/>
+        <p:cTn id="1" dur="indefinite" restart="never" nodeType="tmRoot">
+          <p:childTnLst>
+            <p:seq concurrent="1" nextAc="seek">
+              <p:cTn id="2" dur="indefinite" nodeType="mainSeq">
+                <p:childTnLst>
+                  <p:par>
+                    <p:cTn id="3" fill="hold">
+                      <p:stCondLst>
+                        <p:cond delay="indefinite"/>
+                      </p:stCondLst>
+                      <p:childTnLst>
+                        <p:par>
+                          <p:cTn id="4" fill="hold">
+                            <p:stCondLst>
+                              <p:cond delay="0"/>
+                            </p:stCondLst>
+                            <p:childTnLst>
+                              <p:par>
+                                <p:cTn id="5" presetID="10" presetClass="entr" presetSubtype="0" fill="hold" grpId="0" nodeType="clickEffect">
+                                  <p:stCondLst>
+                                    <p:cond delay="0"/>
+                                  </p:stCondLst>
+                                  <p:childTnLst>
+                                    <p:set>
+                                      <p:cBhvr>
+                                        <p:cTn id="6" dur="1" fill="hold">
+                                          <p:stCondLst>
+                                            <p:cond delay="0"/>
+                                          </p:stCondLst>
+                                        </p:cTn>
+                                        <p:tgtEl>
+                                          <p:spTgt spid="3"/>
+                                        </p:tgtEl>
+                                        <p:attrNameLst>
+                                          <p:attrName>style.visibility</p:attrName>
+                                        </p:attrNameLst>
+                                      </p:cBhvr>
+                                      <p:to>
+                                        <p:strVal val="visible"/>
+                                      </p:to>
+                                    </p:set>
+                                    <p:animEffect transition="in" filter="fade">
+                                      <p:cBhvr>
+                                        <p:cTn id="7" dur="500"/>
+                                        <p:tgtEl>
+                                          <p:spTgt spid="3"/>
+                                        </p:tgtEl>
+                                      </p:cBhvr>
+                                    </p:animEffect>
+                                  </p:childTnLst>
+                                </p:cTn>
+                              </p:par>
+                            </p:childTnLst>
+                          </p:cTn>
+                        </p:par>
+                      </p:childTnLst>
+                    </p:cTn>
+                  </p:par>
+                </p:childTnLst>
+              </p:cTn>
+              <p:prevCondLst>
+                <p:cond evt="onPrev" delay="0">
+                  <p:tgtEl>
+                    <p:sldTgt/>
+                  </p:tgtEl>
+                </p:cond>
+              </p:prevCondLst>
+              <p:nextCondLst>
+                <p:cond evt="onNext" delay="0">
+                  <p:tgtEl>
+                    <p:sldTgt/>
+                  </p:tgtEl>
+                </p:cond>
+              </p:nextCondLst>
+            </p:seq>
+          </p:childTnLst>
+        </p:cTn>
       </p:par>
     </p:tnLst>
+    <p:bldLst>
+      <p:bldP spid="3" grpId="0" animBg="1"/>
+    </p:bldLst>
   </p:timing>
 </p:sld>
 </file>
@@ -21465,18 +21125,17 @@
               <a:t>4</a:t>
             </a:r>
             <a:r>
-              <a:rPr lang="ru-RU" dirty="0" smtClean="0"/>
+              <a:rPr lang="ru-RU" dirty="0"/>
               <a:t>. Что выведет в </a:t>
             </a:r>
             <a:r>
-              <a:rPr lang="en-US" dirty="0" smtClean="0"/>
+              <a:rPr lang="en-US" dirty="0"/>
               <a:t>Output </a:t>
             </a:r>
             <a:r>
-              <a:rPr lang="ru-RU" dirty="0" smtClean="0"/>
+              <a:rPr lang="ru-RU" dirty="0"/>
               <a:t>следующая программа?</a:t>
             </a:r>
-            <a:endParaRPr lang="ru-RU" dirty="0"/>
           </a:p>
         </p:txBody>
       </p:sp>
@@ -21503,7 +21162,7 @@
           <a:lstStyle/>
           <a:p>
             <a:r>
-              <a:rPr lang="en-US" dirty="0" smtClean="0"/>
+              <a:rPr lang="en-US" dirty="0"/>
               <a:t>A.</a:t>
             </a:r>
             <a:r>
@@ -21511,31 +21170,31 @@
               <a:t> </a:t>
             </a:r>
             <a:r>
-              <a:rPr lang="en-US" dirty="0" smtClean="0"/>
+              <a:rPr lang="en-US" dirty="0"/>
               <a:t>1534232</a:t>
             </a:r>
           </a:p>
           <a:p>
             <a:r>
-              <a:rPr lang="en-US" dirty="0" smtClean="0"/>
+              <a:rPr lang="en-US" dirty="0"/>
               <a:t>B. 4534535</a:t>
             </a:r>
           </a:p>
           <a:p>
             <a:r>
-              <a:rPr lang="en-US" dirty="0" smtClean="0"/>
+              <a:rPr lang="en-US" dirty="0"/>
               <a:t>C. 4534532</a:t>
             </a:r>
           </a:p>
           <a:p>
             <a:r>
-              <a:rPr lang="en-US" dirty="0" smtClean="0"/>
+              <a:rPr lang="en-US" dirty="0"/>
               <a:t>D. 1534532</a:t>
             </a:r>
           </a:p>
           <a:p>
             <a:r>
-              <a:rPr lang="en-US" dirty="0" smtClean="0"/>
+              <a:rPr lang="en-US" dirty="0"/>
               <a:t>E. 1231232</a:t>
             </a:r>
             <a:endParaRPr lang="ru-RU" dirty="0"/>
@@ -21566,7 +21225,7 @@
           <a:p>
             <a:pPr defTabSz="182563"/>
             <a:r>
-              <a:rPr lang="en-US" b="1" dirty="0" smtClean="0">
+              <a:rPr lang="en-US" b="1" dirty="0">
                 <a:solidFill>
                   <a:srgbClr val="339900"/>
                 </a:solidFill>
@@ -21575,7 +21234,7 @@
               <a:t>#include &lt;</a:t>
             </a:r>
             <a:r>
-              <a:rPr lang="en-US" b="1" dirty="0" err="1" smtClean="0">
+              <a:rPr lang="en-US" b="1" dirty="0" err="1">
                 <a:solidFill>
                   <a:srgbClr val="339900"/>
                 </a:solidFill>
@@ -21584,7 +21243,7 @@
               <a:t>iostream</a:t>
             </a:r>
             <a:r>
-              <a:rPr lang="en-US" b="1" dirty="0" smtClean="0">
+              <a:rPr lang="en-US" b="1" dirty="0">
                 <a:solidFill>
                   <a:srgbClr val="339900"/>
                 </a:solidFill>
@@ -21597,7 +21256,7 @@
           <a:p>
             <a:pPr defTabSz="182563"/>
             <a:r>
-              <a:rPr lang="en-US" b="1" dirty="0" smtClean="0">
+              <a:rPr lang="en-US" b="1" dirty="0">
                 <a:solidFill>
                   <a:srgbClr val="0000FF"/>
                 </a:solidFill>
@@ -21606,11 +21265,11 @@
               <a:t>using</a:t>
             </a:r>
             <a:r>
-              <a:rPr lang="en-US" b="1" dirty="0" smtClean="0"/>
+              <a:rPr lang="en-US" b="1" dirty="0"/>
               <a:t> </a:t>
             </a:r>
             <a:r>
-              <a:rPr lang="en-US" b="1" dirty="0" smtClean="0">
+              <a:rPr lang="en-US" b="1" dirty="0">
                 <a:solidFill>
                   <a:srgbClr val="0000FF"/>
                 </a:solidFill>
@@ -21619,15 +21278,15 @@
               <a:t>namespace</a:t>
             </a:r>
             <a:r>
-              <a:rPr lang="en-US" b="1" dirty="0" smtClean="0"/>
+              <a:rPr lang="en-US" b="1" dirty="0"/>
               <a:t> </a:t>
             </a:r>
             <a:r>
-              <a:rPr lang="en-US" b="1" dirty="0" err="1" smtClean="0"/>
+              <a:rPr lang="en-US" b="1" dirty="0" err="1"/>
               <a:t>std</a:t>
             </a:r>
             <a:r>
-              <a:rPr lang="en-US" b="1" dirty="0" smtClean="0">
+              <a:rPr lang="en-US" b="1" dirty="0">
                 <a:solidFill>
                   <a:srgbClr val="008080"/>
                 </a:solidFill>
@@ -21640,7 +21299,7 @@
           <a:p>
             <a:pPr defTabSz="182563"/>
             <a:r>
-              <a:rPr lang="en-US" b="1" dirty="0" smtClean="0">
+              <a:rPr lang="en-US" b="1" dirty="0">
                 <a:solidFill>
                   <a:srgbClr val="0000FF"/>
                 </a:solidFill>
@@ -21649,11 +21308,11 @@
               <a:t>class</a:t>
             </a:r>
             <a:r>
-              <a:rPr lang="en-US" b="1" dirty="0" smtClean="0"/>
+              <a:rPr lang="en-US" b="1" dirty="0"/>
               <a:t> Foo	</a:t>
             </a:r>
             <a:r>
-              <a:rPr lang="en-US" b="1" dirty="0" smtClean="0">
+              <a:rPr lang="en-US" b="1" dirty="0">
                 <a:solidFill>
                   <a:srgbClr val="008000"/>
                 </a:solidFill>
@@ -21665,7 +21324,7 @@
           <a:p>
             <a:pPr defTabSz="182563"/>
             <a:r>
-              <a:rPr lang="en-US" b="1" dirty="0" smtClean="0">
+              <a:rPr lang="en-US" b="1" dirty="0">
                 <a:solidFill>
                   <a:srgbClr val="0000FF"/>
                 </a:solidFill>
@@ -21674,7 +21333,7 @@
               <a:t>public</a:t>
             </a:r>
             <a:r>
-              <a:rPr lang="en-US" b="1" dirty="0" smtClean="0">
+              <a:rPr lang="en-US" b="1" dirty="0">
                 <a:solidFill>
                   <a:srgbClr val="008080"/>
                 </a:solidFill>
@@ -21694,11 +21353,11 @@
               <a:t>	</a:t>
             </a:r>
             <a:r>
-              <a:rPr lang="en-US" b="1" dirty="0" smtClean="0"/>
+              <a:rPr lang="en-US" b="1" dirty="0"/>
               <a:t>Foo</a:t>
             </a:r>
             <a:r>
-              <a:rPr lang="en-US" b="1" dirty="0" smtClean="0">
+              <a:rPr lang="en-US" b="1" dirty="0">
                 <a:solidFill>
                   <a:srgbClr val="008000"/>
                 </a:solidFill>
@@ -21707,11 +21366,11 @@
               <a:t>(){</a:t>
             </a:r>
             <a:r>
-              <a:rPr lang="en-US" b="1" dirty="0" smtClean="0"/>
+              <a:rPr lang="en-US" b="1" dirty="0"/>
               <a:t>Moo</a:t>
             </a:r>
             <a:r>
-              <a:rPr lang="en-US" b="1" dirty="0" smtClean="0">
+              <a:rPr lang="en-US" b="1" dirty="0">
                 <a:solidFill>
                   <a:srgbClr val="008000"/>
                 </a:solidFill>
@@ -21720,7 +21379,7 @@
               <a:t>()</a:t>
             </a:r>
             <a:r>
-              <a:rPr lang="en-US" b="1" dirty="0" smtClean="0">
+              <a:rPr lang="en-US" b="1" dirty="0">
                 <a:solidFill>
                   <a:srgbClr val="008080"/>
                 </a:solidFill>
@@ -21729,7 +21388,7 @@
               <a:t>;</a:t>
             </a:r>
             <a:r>
-              <a:rPr lang="en-US" b="1" dirty="0" smtClean="0">
+              <a:rPr lang="en-US" b="1" dirty="0">
                 <a:solidFill>
                   <a:srgbClr val="008000"/>
                 </a:solidFill>
@@ -21741,7 +21400,7 @@
           <a:p>
             <a:pPr defTabSz="182563"/>
             <a:r>
-              <a:rPr lang="en-US" b="1" dirty="0" smtClean="0">
+              <a:rPr lang="en-US" b="1" dirty="0">
                 <a:solidFill>
                   <a:srgbClr val="0000FF"/>
                 </a:solidFill>
@@ -21750,11 +21409,11 @@
               <a:t>	virtual</a:t>
             </a:r>
             <a:r>
-              <a:rPr lang="en-US" b="1" dirty="0" smtClean="0"/>
+              <a:rPr lang="en-US" b="1" dirty="0"/>
               <a:t> ~Foo</a:t>
             </a:r>
             <a:r>
-              <a:rPr lang="en-US" b="1" dirty="0" smtClean="0">
+              <a:rPr lang="en-US" b="1" dirty="0">
                 <a:solidFill>
                   <a:srgbClr val="008000"/>
                 </a:solidFill>
@@ -21763,11 +21422,11 @@
               <a:t>(){</a:t>
             </a:r>
             <a:r>
-              <a:rPr lang="en-US" b="1" dirty="0" smtClean="0"/>
+              <a:rPr lang="en-US" b="1" dirty="0"/>
               <a:t>Boo</a:t>
             </a:r>
             <a:r>
-              <a:rPr lang="en-US" b="1" dirty="0" smtClean="0">
+              <a:rPr lang="en-US" b="1" dirty="0">
                 <a:solidFill>
                   <a:srgbClr val="008000"/>
                 </a:solidFill>
@@ -21776,7 +21435,7 @@
               <a:t>()</a:t>
             </a:r>
             <a:r>
-              <a:rPr lang="en-US" b="1" dirty="0" smtClean="0">
+              <a:rPr lang="en-US" b="1" dirty="0">
                 <a:solidFill>
                   <a:srgbClr val="008080"/>
                 </a:solidFill>
@@ -21785,7 +21444,7 @@
               <a:t>;</a:t>
             </a:r>
             <a:r>
-              <a:rPr lang="en-US" b="1" dirty="0" smtClean="0">
+              <a:rPr lang="en-US" b="1" dirty="0">
                 <a:solidFill>
                   <a:srgbClr val="008000"/>
                 </a:solidFill>
@@ -21793,7 +21452,7 @@
               </a:rPr>
               <a:t>}</a:t>
             </a:r>
-            <a:endParaRPr lang="en-US" b="1" dirty="0" smtClean="0"/>
+            <a:endParaRPr lang="en-US" b="1" dirty="0"/>
           </a:p>
           <a:p>
             <a:pPr defTabSz="182563"/>
@@ -21804,10 +21463,71 @@
                 </a:solidFill>
                 <a:effectLst/>
               </a:rPr>
-              <a:t>	</a:t>
-            </a:r>
-            <a:r>
-              <a:rPr lang="en-US" b="1" dirty="0" smtClean="0">
+              <a:t>	void</a:t>
+            </a:r>
+            <a:r>
+              <a:rPr lang="en-US" b="1" dirty="0"/>
+              <a:t> Boo</a:t>
+            </a:r>
+            <a:r>
+              <a:rPr lang="en-US" b="1" dirty="0">
+                <a:solidFill>
+                  <a:srgbClr val="008000"/>
+                </a:solidFill>
+                <a:effectLst/>
+              </a:rPr>
+              <a:t>(){</a:t>
+            </a:r>
+            <a:r>
+              <a:rPr lang="en-US" b="1" dirty="0"/>
+              <a:t>Goo</a:t>
+            </a:r>
+            <a:r>
+              <a:rPr lang="en-US" b="1" dirty="0">
+                <a:solidFill>
+                  <a:srgbClr val="008000"/>
+                </a:solidFill>
+                <a:effectLst/>
+              </a:rPr>
+              <a:t>()</a:t>
+            </a:r>
+            <a:r>
+              <a:rPr lang="en-US" b="1" dirty="0">
+                <a:solidFill>
+                  <a:srgbClr val="008080"/>
+                </a:solidFill>
+                <a:effectLst/>
+              </a:rPr>
+              <a:t>;</a:t>
+            </a:r>
+            <a:r>
+              <a:rPr lang="en-US" b="1" dirty="0">
+                <a:solidFill>
+                  <a:srgbClr val="008000"/>
+                </a:solidFill>
+                <a:effectLst/>
+              </a:rPr>
+              <a:t>}</a:t>
+            </a:r>
+            <a:endParaRPr lang="en-US" b="1" dirty="0"/>
+          </a:p>
+          <a:p>
+            <a:pPr defTabSz="182563"/>
+            <a:r>
+              <a:rPr lang="en-US" b="1" dirty="0">
+                <a:solidFill>
+                  <a:srgbClr val="0000FF"/>
+                </a:solidFill>
+                <a:effectLst/>
+              </a:rPr>
+              <a:t>	virtual</a:t>
+            </a:r>
+            <a:r>
+              <a:rPr lang="en-US" b="1" dirty="0"/>
+              <a:t> </a:t>
+            </a:r>
+            <a:r>
+              <a:rPr lang="en-US" b="1" dirty="0">
                 <a:solidFill>
                   <a:srgbClr val="0000FF"/>
                 </a:solidFill>
@@ -21816,11 +21536,11 @@
               <a:t>void</a:t>
             </a:r>
             <a:r>
-              <a:rPr lang="en-US" b="1" dirty="0" smtClean="0"/>
-              <a:t> Boo</a:t>
-            </a:r>
-            <a:r>
-              <a:rPr lang="en-US" b="1" dirty="0" smtClean="0">
+              <a:rPr lang="en-US" b="1" dirty="0"/>
+              <a:t> Moo</a:t>
+            </a:r>
+            <a:r>
+              <a:rPr lang="en-US" b="1" dirty="0">
                 <a:solidFill>
                   <a:srgbClr val="008000"/>
                 </a:solidFill>
@@ -21829,11 +21549,302 @@
               <a:t>(){</a:t>
             </a:r>
             <a:r>
-              <a:rPr lang="en-US" b="1" dirty="0" smtClean="0"/>
-              <a:t>Goo</a:t>
-            </a:r>
-            <a:r>
-              <a:rPr lang="en-US" b="1" dirty="0" smtClean="0">
+              <a:rPr lang="en-US" b="1" dirty="0" err="1">
+                <a:solidFill>
+                  <a:srgbClr val="0000DD"/>
+                </a:solidFill>
+                <a:effectLst/>
+              </a:rPr>
+              <a:t>cout</a:t>
+            </a:r>
+            <a:r>
+              <a:rPr lang="en-US" b="1" dirty="0"/>
+              <a:t> </a:t>
+            </a:r>
+            <a:r>
+              <a:rPr lang="en-US" b="1" dirty="0">
+                <a:solidFill>
+                  <a:srgbClr val="000080"/>
+                </a:solidFill>
+                <a:effectLst/>
+              </a:rPr>
+              <a:t>&lt;&lt;</a:t>
+            </a:r>
+            <a:r>
+              <a:rPr lang="en-US" b="1" dirty="0"/>
+              <a:t> </a:t>
+            </a:r>
+            <a:r>
+              <a:rPr lang="en-US" b="1" dirty="0">
+                <a:solidFill>
+                  <a:srgbClr val="FF0000"/>
+                </a:solidFill>
+                <a:effectLst/>
+              </a:rPr>
+              <a:t>"1"</a:t>
+            </a:r>
+            <a:r>
+              <a:rPr lang="en-US" b="1" dirty="0">
+                <a:solidFill>
+                  <a:srgbClr val="008080"/>
+                </a:solidFill>
+                <a:effectLst/>
+              </a:rPr>
+              <a:t>;</a:t>
+            </a:r>
+            <a:r>
+              <a:rPr lang="en-US" b="1" dirty="0">
+                <a:solidFill>
+                  <a:srgbClr val="008000"/>
+                </a:solidFill>
+                <a:effectLst/>
+              </a:rPr>
+              <a:t>}</a:t>
+            </a:r>
+            <a:endParaRPr lang="en-US" b="1" dirty="0"/>
+          </a:p>
+          <a:p>
+            <a:pPr defTabSz="182563"/>
+            <a:r>
+              <a:rPr lang="en-US" b="1" dirty="0">
+                <a:solidFill>
+                  <a:srgbClr val="0000FF"/>
+                </a:solidFill>
+                <a:effectLst/>
+              </a:rPr>
+              <a:t>	virtual</a:t>
+            </a:r>
+            <a:r>
+              <a:rPr lang="en-US" b="1" dirty="0"/>
+              <a:t> </a:t>
+            </a:r>
+            <a:r>
+              <a:rPr lang="en-US" b="1" dirty="0">
+                <a:solidFill>
+                  <a:srgbClr val="0000FF"/>
+                </a:solidFill>
+                <a:effectLst/>
+              </a:rPr>
+              <a:t>void</a:t>
+            </a:r>
+            <a:r>
+              <a:rPr lang="en-US" b="1" dirty="0"/>
+              <a:t> Goo</a:t>
+            </a:r>
+            <a:r>
+              <a:rPr lang="en-US" b="1" dirty="0">
+                <a:solidFill>
+                  <a:srgbClr val="008000"/>
+                </a:solidFill>
+                <a:effectLst/>
+              </a:rPr>
+              <a:t>(){</a:t>
+            </a:r>
+            <a:r>
+              <a:rPr lang="en-US" b="1" dirty="0" err="1">
+                <a:solidFill>
+                  <a:srgbClr val="0000DD"/>
+                </a:solidFill>
+                <a:effectLst/>
+              </a:rPr>
+              <a:t>cout</a:t>
+            </a:r>
+            <a:r>
+              <a:rPr lang="en-US" b="1" dirty="0"/>
+              <a:t> </a:t>
+            </a:r>
+            <a:r>
+              <a:rPr lang="en-US" b="1" dirty="0">
+                <a:solidFill>
+                  <a:srgbClr val="000080"/>
+                </a:solidFill>
+                <a:effectLst/>
+              </a:rPr>
+              <a:t>&lt;&lt;</a:t>
+            </a:r>
+            <a:r>
+              <a:rPr lang="en-US" b="1" dirty="0"/>
+              <a:t> </a:t>
+            </a:r>
+            <a:r>
+              <a:rPr lang="en-US" b="1" dirty="0">
+                <a:solidFill>
+                  <a:srgbClr val="FF0000"/>
+                </a:solidFill>
+                <a:effectLst/>
+              </a:rPr>
+              <a:t>"2"</a:t>
+            </a:r>
+            <a:r>
+              <a:rPr lang="en-US" b="1" dirty="0">
+                <a:solidFill>
+                  <a:srgbClr val="008080"/>
+                </a:solidFill>
+                <a:effectLst/>
+              </a:rPr>
+              <a:t>;</a:t>
+            </a:r>
+            <a:r>
+              <a:rPr lang="en-US" b="1" dirty="0">
+                <a:solidFill>
+                  <a:srgbClr val="008000"/>
+                </a:solidFill>
+                <a:effectLst/>
+              </a:rPr>
+              <a:t>}</a:t>
+            </a:r>
+            <a:endParaRPr lang="en-US" b="1" dirty="0"/>
+          </a:p>
+          <a:p>
+            <a:pPr defTabSz="182563"/>
+            <a:r>
+              <a:rPr lang="en-US" b="1" dirty="0">
+                <a:solidFill>
+                  <a:srgbClr val="008000"/>
+                </a:solidFill>
+                <a:effectLst/>
+              </a:rPr>
+              <a:t>}</a:t>
+            </a:r>
+            <a:r>
+              <a:rPr lang="en-US" b="1" dirty="0">
+                <a:solidFill>
+                  <a:srgbClr val="008080"/>
+                </a:solidFill>
+                <a:effectLst/>
+              </a:rPr>
+              <a:t>;</a:t>
+            </a:r>
+            <a:endParaRPr lang="en-US" b="1" dirty="0"/>
+          </a:p>
+          <a:p>
+            <a:pPr defTabSz="182563"/>
+            <a:r>
+              <a:rPr lang="en-US" b="1" dirty="0">
+                <a:solidFill>
+                  <a:srgbClr val="0000FF"/>
+                </a:solidFill>
+                <a:effectLst/>
+              </a:rPr>
+              <a:t>class</a:t>
+            </a:r>
+            <a:r>
+              <a:rPr lang="en-US" b="1" dirty="0"/>
+              <a:t> Bar </a:t>
+            </a:r>
+            <a:r>
+              <a:rPr lang="en-US" b="1" dirty="0">
+                <a:solidFill>
+                  <a:srgbClr val="008080"/>
+                </a:solidFill>
+                <a:effectLst/>
+              </a:rPr>
+              <a:t>:</a:t>
+            </a:r>
+            <a:r>
+              <a:rPr lang="en-US" b="1" dirty="0"/>
+              <a:t> </a:t>
+            </a:r>
+            <a:r>
+              <a:rPr lang="en-US" b="1" dirty="0">
+                <a:solidFill>
+                  <a:srgbClr val="0000FF"/>
+                </a:solidFill>
+                <a:effectLst/>
+              </a:rPr>
+              <a:t>public</a:t>
+            </a:r>
+            <a:r>
+              <a:rPr lang="en-US" b="1" dirty="0"/>
+              <a:t> Foo</a:t>
+            </a:r>
+          </a:p>
+          <a:p>
+            <a:pPr defTabSz="182563"/>
+            <a:r>
+              <a:rPr lang="en-US" b="1" dirty="0">
+                <a:solidFill>
+                  <a:srgbClr val="008000"/>
+                </a:solidFill>
+                <a:effectLst/>
+              </a:rPr>
+              <a:t>{</a:t>
+            </a:r>
+            <a:r>
+              <a:rPr lang="en-US" b="1" dirty="0"/>
+              <a:t> </a:t>
+            </a:r>
+          </a:p>
+          <a:p>
+            <a:pPr defTabSz="182563"/>
+            <a:r>
+              <a:rPr lang="en-US" b="1" dirty="0">
+                <a:solidFill>
+                  <a:srgbClr val="0000FF"/>
+                </a:solidFill>
+                <a:effectLst/>
+              </a:rPr>
+              <a:t>public</a:t>
+            </a:r>
+            <a:r>
+              <a:rPr lang="en-US" b="1" dirty="0">
+                <a:solidFill>
+                  <a:srgbClr val="008080"/>
+                </a:solidFill>
+                <a:effectLst/>
+              </a:rPr>
+              <a:t>:</a:t>
+            </a:r>
+          </a:p>
+          <a:p>
+            <a:pPr defTabSz="182563"/>
+            <a:r>
+              <a:rPr lang="en-US" b="1" dirty="0">
+                <a:solidFill>
+                  <a:srgbClr val="008080"/>
+                </a:solidFill>
+              </a:rPr>
+              <a:t>	</a:t>
+            </a:r>
+            <a:r>
+              <a:rPr lang="en-US" b="1" dirty="0"/>
+              <a:t>Bar</a:t>
+            </a:r>
+            <a:r>
+              <a:rPr lang="en-US" b="1" dirty="0">
+                <a:solidFill>
+                  <a:srgbClr val="008000"/>
+                </a:solidFill>
+                <a:effectLst/>
+              </a:rPr>
+              <a:t>(){}</a:t>
+            </a:r>
+            <a:r>
+              <a:rPr lang="en-US" b="1" dirty="0"/>
+              <a:t> </a:t>
+            </a:r>
+          </a:p>
+          <a:p>
+            <a:pPr defTabSz="182563"/>
+            <a:r>
+              <a:rPr lang="en-US" b="1" dirty="0"/>
+              <a:t>	~Bar</a:t>
+            </a:r>
+            <a:r>
+              <a:rPr lang="en-US" b="1" dirty="0">
+                <a:solidFill>
+                  <a:srgbClr val="008000"/>
+                </a:solidFill>
+                <a:effectLst/>
+              </a:rPr>
+              <a:t>(){</a:t>
+            </a:r>
+            <a:r>
+              <a:rPr lang="en-US" b="1" dirty="0" err="1"/>
+              <a:t>Baz</a:t>
+            </a:r>
+            <a:r>
+              <a:rPr lang="en-US" b="1" dirty="0">
                 <a:solidFill>
                   <a:srgbClr val="008000"/>
                 </a:solidFill>
@@ -21842,7 +21853,7 @@
               <a:t>()</a:t>
             </a:r>
             <a:r>
-              <a:rPr lang="en-US" b="1" dirty="0" smtClean="0">
+              <a:rPr lang="en-US" b="1" dirty="0">
                 <a:solidFill>
                   <a:srgbClr val="008080"/>
                 </a:solidFill>
@@ -21851,7 +21862,7 @@
               <a:t>;</a:t>
             </a:r>
             <a:r>
-              <a:rPr lang="en-US" b="1" dirty="0" smtClean="0">
+              <a:rPr lang="en-US" b="1" dirty="0">
                 <a:solidFill>
                   <a:srgbClr val="008000"/>
                 </a:solidFill>
@@ -21859,7 +21870,10 @@
               </a:rPr>
               <a:t>}</a:t>
             </a:r>
-            <a:endParaRPr lang="en-US" b="1" dirty="0" smtClean="0"/>
+            <a:r>
+              <a:rPr lang="en-US" b="1" dirty="0"/>
+              <a:t> </a:t>
+            </a:r>
           </a:p>
           <a:p>
             <a:pPr defTabSz="182563"/>
@@ -21870,36 +21884,18 @@
                 </a:solidFill>
                 <a:effectLst/>
               </a:rPr>
-              <a:t>	</a:t>
-            </a:r>
-            <a:r>
-              <a:rPr lang="en-US" b="1" dirty="0" smtClean="0">
-                <a:solidFill>
-                  <a:srgbClr val="0000FF"/>
-                </a:solidFill>
-                <a:effectLst/>
-              </a:rPr>
-              <a:t>virtual</a:t>
-            </a:r>
-            <a:r>
-              <a:rPr lang="en-US" b="1" dirty="0" smtClean="0"/>
+              <a:t>	void</a:t>
+            </a:r>
+            <a:r>
+              <a:rPr lang="en-US" b="1" dirty="0"/>
               <a:t> </a:t>
             </a:r>
             <a:r>
-              <a:rPr lang="en-US" b="1" dirty="0" smtClean="0">
-                <a:solidFill>
-                  <a:srgbClr val="0000FF"/>
-                </a:solidFill>
-                <a:effectLst/>
-              </a:rPr>
-              <a:t>void</a:t>
-            </a:r>
-            <a:r>
-              <a:rPr lang="en-US" b="1" dirty="0" smtClean="0"/>
-              <a:t> Moo</a:t>
-            </a:r>
-            <a:r>
-              <a:rPr lang="en-US" b="1" dirty="0" smtClean="0">
+              <a:rPr lang="en-US" b="1" dirty="0" err="1"/>
+              <a:t>Baz</a:t>
+            </a:r>
+            <a:r>
+              <a:rPr lang="en-US" b="1" dirty="0">
                 <a:solidFill>
                   <a:srgbClr val="008000"/>
                 </a:solidFill>
@@ -21908,7 +21904,29 @@
               <a:t>(){</a:t>
             </a:r>
             <a:r>
-              <a:rPr lang="en-US" b="1" dirty="0" err="1" smtClean="0">
+              <a:rPr lang="en-US" b="1" dirty="0"/>
+              <a:t>Boo</a:t>
+            </a:r>
+            <a:r>
+              <a:rPr lang="en-US" b="1" dirty="0">
+                <a:solidFill>
+                  <a:srgbClr val="008000"/>
+                </a:solidFill>
+                <a:effectLst/>
+              </a:rPr>
+              <a:t>()</a:t>
+            </a:r>
+            <a:r>
+              <a:rPr lang="en-US" b="1" dirty="0">
+                <a:solidFill>
+                  <a:srgbClr val="008080"/>
+                </a:solidFill>
+                <a:effectLst/>
+              </a:rPr>
+              <a:t>;</a:t>
+            </a:r>
+            <a:r>
+              <a:rPr lang="en-US" b="1" dirty="0" err="1">
                 <a:solidFill>
                   <a:srgbClr val="0000DD"/>
                 </a:solidFill>
@@ -21917,11 +21935,11 @@
               <a:t>cout</a:t>
             </a:r>
             <a:r>
-              <a:rPr lang="en-US" b="1" dirty="0" smtClean="0"/>
+              <a:rPr lang="en-US" b="1" dirty="0"/>
               <a:t> </a:t>
             </a:r>
             <a:r>
-              <a:rPr lang="en-US" b="1" dirty="0" smtClean="0">
+              <a:rPr lang="en-US" b="1" dirty="0">
                 <a:solidFill>
                   <a:srgbClr val="000080"/>
                 </a:solidFill>
@@ -21934,16 +21952,16 @@
               <a:t> </a:t>
             </a:r>
             <a:r>
-              <a:rPr lang="en-US" b="1" dirty="0" smtClean="0">
+              <a:rPr lang="en-US" b="1" dirty="0">
                 <a:solidFill>
                   <a:srgbClr val="FF0000"/>
                 </a:solidFill>
                 <a:effectLst/>
               </a:rPr>
-              <a:t>"1"</a:t>
-            </a:r>
-            <a:r>
-              <a:rPr lang="en-US" b="1" dirty="0" smtClean="0">
+              <a:t>"3"</a:t>
+            </a:r>
+            <a:r>
+              <a:rPr lang="en-US" b="1" dirty="0">
                 <a:solidFill>
                   <a:srgbClr val="008080"/>
                 </a:solidFill>
@@ -21952,7 +21970,7 @@
               <a:t>;</a:t>
             </a:r>
             <a:r>
-              <a:rPr lang="en-US" b="1" dirty="0" smtClean="0">
+              <a:rPr lang="en-US" b="1" dirty="0">
                 <a:solidFill>
                   <a:srgbClr val="008000"/>
                 </a:solidFill>
@@ -21960,7 +21978,7 @@
               </a:rPr>
               <a:t>}</a:t>
             </a:r>
-            <a:endParaRPr lang="en-US" b="1" dirty="0" smtClean="0"/>
+            <a:endParaRPr lang="en-US" b="1" dirty="0"/>
           </a:p>
           <a:p>
             <a:pPr defTabSz="182563"/>
@@ -21971,45 +21989,53 @@
                 </a:solidFill>
                 <a:effectLst/>
               </a:rPr>
-              <a:t>	</a:t>
-            </a:r>
-            <a:r>
-              <a:rPr lang="en-US" b="1" dirty="0" smtClean="0">
-                <a:solidFill>
-                  <a:srgbClr val="0000FF"/>
-                </a:solidFill>
-                <a:effectLst/>
-              </a:rPr>
-              <a:t>virtual</a:t>
-            </a:r>
-            <a:r>
-              <a:rPr lang="en-US" b="1" dirty="0" smtClean="0"/>
-              <a:t> </a:t>
-            </a:r>
-            <a:r>
-              <a:rPr lang="en-US" b="1" dirty="0" smtClean="0">
-                <a:solidFill>
-                  <a:srgbClr val="0000FF"/>
-                </a:solidFill>
-                <a:effectLst/>
-              </a:rPr>
-              <a:t>void</a:t>
-            </a:r>
-            <a:r>
-              <a:rPr lang="en-US" b="1" dirty="0" smtClean="0"/>
-              <a:t> Goo</a:t>
-            </a:r>
-            <a:r>
-              <a:rPr lang="en-US" b="1" dirty="0" smtClean="0">
+              <a:t>	void</a:t>
+            </a:r>
+            <a:r>
+              <a:rPr lang="en-US" b="1" dirty="0"/>
+              <a:t> Moo</a:t>
+            </a:r>
+            <a:r>
+              <a:rPr lang="en-US" b="1" dirty="0">
                 <a:solidFill>
                   <a:srgbClr val="008000"/>
                 </a:solidFill>
                 <a:effectLst/>
               </a:rPr>
-              <a:t>(){</a:t>
-            </a:r>
-            <a:r>
-              <a:rPr lang="en-US" b="1" dirty="0" err="1" smtClean="0">
+              <a:t>()</a:t>
+            </a:r>
+            <a:r>
+              <a:rPr lang="ru-RU" b="1" dirty="0">
+                <a:solidFill>
+                  <a:srgbClr val="008000"/>
+                </a:solidFill>
+                <a:effectLst/>
+              </a:rPr>
+              <a:t> </a:t>
+            </a:r>
+            <a:r>
+              <a:rPr lang="en-US" b="1" dirty="0">
+                <a:solidFill>
+                  <a:srgbClr val="0000FF"/>
+                </a:solidFill>
+              </a:rPr>
+              <a:t>override</a:t>
+            </a:r>
+            <a:r>
+              <a:rPr lang="en-US" b="1" dirty="0"/>
+              <a:t> </a:t>
+            </a:r>
+            <a:r>
+              <a:rPr lang="en-US" b="1" dirty="0">
+                <a:solidFill>
+                  <a:srgbClr val="008000"/>
+                </a:solidFill>
+                <a:effectLst/>
+              </a:rPr>
+              <a:t>{</a:t>
+            </a:r>
+            <a:r>
+              <a:rPr lang="en-US" b="1" dirty="0" err="1">
                 <a:solidFill>
                   <a:srgbClr val="0000DD"/>
                 </a:solidFill>
@@ -22018,11 +22044,11 @@
               <a:t>cout</a:t>
             </a:r>
             <a:r>
-              <a:rPr lang="en-US" b="1" dirty="0" smtClean="0"/>
+              <a:rPr lang="en-US" b="1" dirty="0"/>
               <a:t> </a:t>
             </a:r>
             <a:r>
-              <a:rPr lang="en-US" b="1" dirty="0" smtClean="0">
+              <a:rPr lang="en-US" b="1" dirty="0">
                 <a:solidFill>
                   <a:srgbClr val="000080"/>
                 </a:solidFill>
@@ -22031,20 +22057,20 @@
               <a:t>&lt;&lt;</a:t>
             </a:r>
             <a:r>
-              <a:rPr lang="en-US" b="1" dirty="0" smtClean="0"/>
+              <a:rPr lang="en-US" b="1" dirty="0"/>
               <a:t> </a:t>
             </a:r>
             <a:r>
-              <a:rPr lang="en-US" b="1" dirty="0" smtClean="0">
+              <a:rPr lang="en-US" b="1" dirty="0">
                 <a:solidFill>
                   <a:srgbClr val="FF0000"/>
                 </a:solidFill>
                 <a:effectLst/>
               </a:rPr>
-              <a:t>"2"</a:t>
-            </a:r>
-            <a:r>
-              <a:rPr lang="en-US" b="1" dirty="0" smtClean="0">
+              <a:t>"4"</a:t>
+            </a:r>
+            <a:r>
+              <a:rPr lang="en-US" b="1" dirty="0">
                 <a:solidFill>
                   <a:srgbClr val="008080"/>
                 </a:solidFill>
@@ -22053,7 +22079,7 @@
               <a:t>;</a:t>
             </a:r>
             <a:r>
-              <a:rPr lang="en-US" b="1" dirty="0" smtClean="0">
+              <a:rPr lang="en-US" b="1" dirty="0">
                 <a:solidFill>
                   <a:srgbClr val="008000"/>
                 </a:solidFill>
@@ -22066,7 +22092,90 @@
           <a:p>
             <a:pPr defTabSz="182563"/>
             <a:r>
-              <a:rPr lang="en-US" b="1" dirty="0" smtClean="0">
+              <a:rPr lang="en-US" b="1" dirty="0">
+                <a:solidFill>
+                  <a:srgbClr val="0000FF"/>
+                </a:solidFill>
+                <a:effectLst/>
+              </a:rPr>
+              <a:t>	void</a:t>
+            </a:r>
+            <a:r>
+              <a:rPr lang="en-US" b="1" dirty="0"/>
+              <a:t> Goo</a:t>
+            </a:r>
+            <a:r>
+              <a:rPr lang="en-US" b="1" dirty="0">
+                <a:solidFill>
+                  <a:srgbClr val="008000"/>
+                </a:solidFill>
+                <a:effectLst/>
+              </a:rPr>
+              <a:t>() </a:t>
+            </a:r>
+            <a:r>
+              <a:rPr lang="en-US" b="1" dirty="0">
+                <a:solidFill>
+                  <a:srgbClr val="0000FF"/>
+                </a:solidFill>
+              </a:rPr>
+              <a:t>override </a:t>
+            </a:r>
+            <a:r>
+              <a:rPr lang="en-US" b="1" dirty="0">
+                <a:solidFill>
+                  <a:srgbClr val="008000"/>
+                </a:solidFill>
+                <a:effectLst/>
+              </a:rPr>
+              <a:t>{</a:t>
+            </a:r>
+            <a:r>
+              <a:rPr lang="en-US" b="1" dirty="0" err="1">
+                <a:solidFill>
+                  <a:srgbClr val="0000DD"/>
+                </a:solidFill>
+                <a:effectLst/>
+              </a:rPr>
+              <a:t>cout</a:t>
+            </a:r>
+            <a:r>
+              <a:rPr lang="en-US" b="1" dirty="0"/>
+              <a:t> </a:t>
+            </a:r>
+            <a:r>
+              <a:rPr lang="en-US" b="1" dirty="0">
+                <a:solidFill>
+                  <a:srgbClr val="000080"/>
+                </a:solidFill>
+                <a:effectLst/>
+              </a:rPr>
+              <a:t>&lt;&lt;</a:t>
+            </a:r>
+            <a:r>
+              <a:rPr lang="en-US" b="1" dirty="0"/>
+              <a:t> </a:t>
+            </a:r>
+            <a:r>
+              <a:rPr lang="en-US" b="1" dirty="0">
+                <a:solidFill>
+                  <a:srgbClr val="FF0000"/>
+                </a:solidFill>
+                <a:effectLst/>
+              </a:rPr>
+              <a:t>"5"</a:t>
+            </a:r>
+            <a:r>
+              <a:rPr lang="en-US" b="1" dirty="0">
+                <a:solidFill>
+                  <a:srgbClr val="008080"/>
+                </a:solidFill>
+                <a:effectLst/>
+              </a:rPr>
+              <a:t>;</a:t>
+            </a:r>
+            <a:r>
+              <a:rPr lang="en-US" b="1" dirty="0">
                 <a:solidFill>
                   <a:srgbClr val="008000"/>
                 </a:solidFill>
@@ -22074,167 +22183,12 @@
               </a:rPr>
               <a:t>}</a:t>
             </a:r>
-            <a:r>
-              <a:rPr lang="en-US" b="1" dirty="0" smtClean="0">
-                <a:solidFill>
-                  <a:srgbClr val="008080"/>
-                </a:solidFill>
-                <a:effectLst/>
-              </a:rPr>
-              <a:t>;</a:t>
-            </a:r>
             <a:endParaRPr lang="en-US" b="1" dirty="0"/>
           </a:p>
           <a:p>
             <a:pPr defTabSz="182563"/>
             <a:r>
-              <a:rPr lang="en-US" b="1" dirty="0" smtClean="0">
-                <a:solidFill>
-                  <a:srgbClr val="0000FF"/>
-                </a:solidFill>
-                <a:effectLst/>
-              </a:rPr>
-              <a:t>class</a:t>
-            </a:r>
-            <a:r>
-              <a:rPr lang="en-US" b="1" dirty="0" smtClean="0"/>
-              <a:t> Bar </a:t>
-            </a:r>
-            <a:r>
-              <a:rPr lang="en-US" b="1" dirty="0" smtClean="0">
-                <a:solidFill>
-                  <a:srgbClr val="008080"/>
-                </a:solidFill>
-                <a:effectLst/>
-              </a:rPr>
-              <a:t>:</a:t>
-            </a:r>
-            <a:r>
-              <a:rPr lang="en-US" b="1" dirty="0" smtClean="0"/>
-              <a:t> </a:t>
-            </a:r>
-            <a:r>
-              <a:rPr lang="en-US" b="1" dirty="0" smtClean="0">
-                <a:solidFill>
-                  <a:srgbClr val="0000FF"/>
-                </a:solidFill>
-                <a:effectLst/>
-              </a:rPr>
-              <a:t>public</a:t>
-            </a:r>
-            <a:r>
-              <a:rPr lang="en-US" b="1" dirty="0" smtClean="0"/>
-              <a:t> Foo</a:t>
-            </a:r>
-          </a:p>
-          <a:p>
-            <a:pPr defTabSz="182563"/>
-            <a:r>
-              <a:rPr lang="en-US" b="1" dirty="0" smtClean="0">
-                <a:solidFill>
-                  <a:srgbClr val="008000"/>
-                </a:solidFill>
-                <a:effectLst/>
-              </a:rPr>
-              <a:t>{</a:t>
-            </a:r>
-            <a:r>
-              <a:rPr lang="en-US" b="1" dirty="0" smtClean="0"/>
-              <a:t> </a:t>
-            </a:r>
-          </a:p>
-          <a:p>
-            <a:pPr defTabSz="182563"/>
-            <a:r>
-              <a:rPr lang="en-US" b="1" dirty="0" smtClean="0">
-                <a:solidFill>
-                  <a:srgbClr val="0000FF"/>
-                </a:solidFill>
-                <a:effectLst/>
-              </a:rPr>
-              <a:t>public</a:t>
-            </a:r>
-            <a:r>
-              <a:rPr lang="en-US" b="1" dirty="0" smtClean="0">
-                <a:solidFill>
-                  <a:srgbClr val="008080"/>
-                </a:solidFill>
-                <a:effectLst/>
-              </a:rPr>
-              <a:t>:</a:t>
-            </a:r>
-          </a:p>
-          <a:p>
-            <a:pPr defTabSz="182563"/>
-            <a:r>
               <a:rPr lang="en-US" b="1" dirty="0">
-                <a:solidFill>
-                  <a:srgbClr val="008080"/>
-                </a:solidFill>
-              </a:rPr>
-              <a:t>	</a:t>
-            </a:r>
-            <a:r>
-              <a:rPr lang="en-US" b="1" dirty="0" smtClean="0"/>
-              <a:t>Bar</a:t>
-            </a:r>
-            <a:r>
-              <a:rPr lang="en-US" b="1" dirty="0" smtClean="0">
-                <a:solidFill>
-                  <a:srgbClr val="008000"/>
-                </a:solidFill>
-                <a:effectLst/>
-              </a:rPr>
-              <a:t>(){}</a:t>
-            </a:r>
-            <a:r>
-              <a:rPr lang="en-US" b="1" dirty="0" smtClean="0"/>
-              <a:t> </a:t>
-            </a:r>
-          </a:p>
-          <a:p>
-            <a:pPr defTabSz="182563"/>
-            <a:r>
-              <a:rPr lang="en-US" b="1" dirty="0"/>
-              <a:t>	</a:t>
-            </a:r>
-            <a:r>
-              <a:rPr lang="en-US" b="1" dirty="0" smtClean="0"/>
-              <a:t>~Bar</a:t>
-            </a:r>
-            <a:r>
-              <a:rPr lang="en-US" b="1" dirty="0" smtClean="0">
-                <a:solidFill>
-                  <a:srgbClr val="008000"/>
-                </a:solidFill>
-                <a:effectLst/>
-              </a:rPr>
-              <a:t>(){</a:t>
-            </a:r>
-            <a:r>
-              <a:rPr lang="en-US" b="1" dirty="0" err="1" smtClean="0"/>
-              <a:t>Baz</a:t>
-            </a:r>
-            <a:r>
-              <a:rPr lang="en-US" b="1" dirty="0" smtClean="0">
-                <a:solidFill>
-                  <a:srgbClr val="008000"/>
-                </a:solidFill>
-                <a:effectLst/>
-              </a:rPr>
-              <a:t>()</a:t>
-            </a:r>
-            <a:r>
-              <a:rPr lang="en-US" b="1" dirty="0" smtClean="0">
-                <a:solidFill>
-                  <a:srgbClr val="008080"/>
-                </a:solidFill>
-                <a:effectLst/>
-              </a:rPr>
-              <a:t>;</a:t>
-            </a:r>
-            <a:r>
-              <a:rPr lang="en-US" b="1" dirty="0" smtClean="0">
                 <a:solidFill>
                   <a:srgbClr val="008000"/>
                 </a:solidFill>
@@ -22243,368 +22197,7 @@
               <a:t>}</a:t>
             </a:r>
             <a:r>
-              <a:rPr lang="en-US" b="1" dirty="0" smtClean="0"/>
-              <a:t> </a:t>
-            </a:r>
-          </a:p>
-          <a:p>
-            <a:pPr defTabSz="182563"/>
-            <a:r>
               <a:rPr lang="en-US" b="1" dirty="0">
-                <a:solidFill>
-                  <a:srgbClr val="0000FF"/>
-                </a:solidFill>
-                <a:effectLst/>
-              </a:rPr>
-              <a:t>	</a:t>
-            </a:r>
-            <a:r>
-              <a:rPr lang="en-US" b="1" dirty="0" smtClean="0">
-                <a:solidFill>
-                  <a:srgbClr val="0000FF"/>
-                </a:solidFill>
-                <a:effectLst/>
-              </a:rPr>
-              <a:t>void</a:t>
-            </a:r>
-            <a:r>
-              <a:rPr lang="en-US" b="1" dirty="0" smtClean="0"/>
-              <a:t> </a:t>
-            </a:r>
-            <a:r>
-              <a:rPr lang="en-US" b="1" dirty="0" err="1" smtClean="0"/>
-              <a:t>Baz</a:t>
-            </a:r>
-            <a:r>
-              <a:rPr lang="en-US" b="1" dirty="0" smtClean="0">
-                <a:solidFill>
-                  <a:srgbClr val="008000"/>
-                </a:solidFill>
-                <a:effectLst/>
-              </a:rPr>
-              <a:t>(){</a:t>
-            </a:r>
-            <a:r>
-              <a:rPr lang="en-US" b="1" dirty="0" smtClean="0"/>
-              <a:t>Boo</a:t>
-            </a:r>
-            <a:r>
-              <a:rPr lang="en-US" b="1" dirty="0" smtClean="0">
-                <a:solidFill>
-                  <a:srgbClr val="008000"/>
-                </a:solidFill>
-                <a:effectLst/>
-              </a:rPr>
-              <a:t>()</a:t>
-            </a:r>
-            <a:r>
-              <a:rPr lang="en-US" b="1" dirty="0" smtClean="0">
-                <a:solidFill>
-                  <a:srgbClr val="008080"/>
-                </a:solidFill>
-                <a:effectLst/>
-              </a:rPr>
-              <a:t>;</a:t>
-            </a:r>
-            <a:r>
-              <a:rPr lang="en-US" b="1" dirty="0" err="1" smtClean="0">
-                <a:solidFill>
-                  <a:srgbClr val="0000DD"/>
-                </a:solidFill>
-                <a:effectLst/>
-              </a:rPr>
-              <a:t>cout</a:t>
-            </a:r>
-            <a:r>
-              <a:rPr lang="en-US" b="1" dirty="0" smtClean="0"/>
-              <a:t> </a:t>
-            </a:r>
-            <a:r>
-              <a:rPr lang="en-US" b="1" dirty="0" smtClean="0">
-                <a:solidFill>
-                  <a:srgbClr val="000080"/>
-                </a:solidFill>
-                <a:effectLst/>
-              </a:rPr>
-              <a:t>&lt;&lt;</a:t>
-            </a:r>
-            <a:r>
-              <a:rPr lang="en-US" b="1" dirty="0" smtClean="0"/>
-              <a:t> </a:t>
-            </a:r>
-            <a:r>
-              <a:rPr lang="en-US" b="1" dirty="0" smtClean="0">
-                <a:solidFill>
-                  <a:srgbClr val="FF0000"/>
-                </a:solidFill>
-                <a:effectLst/>
-              </a:rPr>
-              <a:t>"3"</a:t>
-            </a:r>
-            <a:r>
-              <a:rPr lang="en-US" b="1" dirty="0" smtClean="0">
-                <a:solidFill>
-                  <a:srgbClr val="008080"/>
-                </a:solidFill>
-                <a:effectLst/>
-              </a:rPr>
-              <a:t>;</a:t>
-            </a:r>
-            <a:r>
-              <a:rPr lang="en-US" b="1" dirty="0" smtClean="0">
-                <a:solidFill>
-                  <a:srgbClr val="008000"/>
-                </a:solidFill>
-                <a:effectLst/>
-              </a:rPr>
-              <a:t>}</a:t>
-            </a:r>
-            <a:endParaRPr lang="en-US" b="1" dirty="0" smtClean="0"/>
-          </a:p>
-          <a:p>
-            <a:pPr defTabSz="182563"/>
-            <a:r>
-              <a:rPr lang="en-US" b="1" dirty="0">
-                <a:solidFill>
-                  <a:srgbClr val="0000FF"/>
-                </a:solidFill>
-                <a:effectLst/>
-              </a:rPr>
-              <a:t>	</a:t>
-            </a:r>
-            <a:r>
-              <a:rPr lang="en-US" b="1" dirty="0" smtClean="0">
-                <a:solidFill>
-                  <a:srgbClr val="0000FF"/>
-                </a:solidFill>
-                <a:effectLst/>
-              </a:rPr>
-              <a:t>void</a:t>
-            </a:r>
-            <a:r>
-              <a:rPr lang="en-US" b="1" dirty="0" smtClean="0"/>
-              <a:t> </a:t>
-            </a:r>
-            <a:r>
-              <a:rPr lang="en-US" b="1" dirty="0" smtClean="0"/>
-              <a:t>Moo</a:t>
-            </a:r>
-            <a:r>
-              <a:rPr lang="en-US" b="1" dirty="0" smtClean="0">
-                <a:solidFill>
-                  <a:srgbClr val="008000"/>
-                </a:solidFill>
-                <a:effectLst/>
-              </a:rPr>
-              <a:t>()</a:t>
-            </a:r>
-            <a:r>
-              <a:rPr lang="ru-RU" b="1" dirty="0" smtClean="0">
-                <a:solidFill>
-                  <a:srgbClr val="008000"/>
-                </a:solidFill>
-                <a:effectLst/>
-              </a:rPr>
-              <a:t> </a:t>
-            </a:r>
-            <a:r>
-              <a:rPr lang="en-US" b="1" dirty="0" smtClean="0">
-                <a:solidFill>
-                  <a:srgbClr val="0000FF"/>
-                </a:solidFill>
-              </a:rPr>
-              <a:t>override</a:t>
-            </a:r>
-            <a:r>
-              <a:rPr lang="en-US" b="1" dirty="0" smtClean="0"/>
-              <a:t> </a:t>
-            </a:r>
-            <a:r>
-              <a:rPr lang="en-US" b="1" dirty="0" smtClean="0">
-                <a:solidFill>
-                  <a:srgbClr val="008000"/>
-                </a:solidFill>
-                <a:effectLst/>
-              </a:rPr>
-              <a:t>{</a:t>
-            </a:r>
-            <a:r>
-              <a:rPr lang="en-US" b="1" dirty="0" err="1" smtClean="0">
-                <a:solidFill>
-                  <a:srgbClr val="0000DD"/>
-                </a:solidFill>
-                <a:effectLst/>
-              </a:rPr>
-              <a:t>cout</a:t>
-            </a:r>
-            <a:r>
-              <a:rPr lang="en-US" b="1" dirty="0" smtClean="0"/>
-              <a:t> </a:t>
-            </a:r>
-            <a:r>
-              <a:rPr lang="en-US" b="1" dirty="0" smtClean="0">
-                <a:solidFill>
-                  <a:srgbClr val="000080"/>
-                </a:solidFill>
-                <a:effectLst/>
-              </a:rPr>
-              <a:t>&lt;&lt;</a:t>
-            </a:r>
-            <a:r>
-              <a:rPr lang="en-US" b="1" dirty="0" smtClean="0"/>
-              <a:t> </a:t>
-            </a:r>
-            <a:r>
-              <a:rPr lang="en-US" b="1" dirty="0" smtClean="0">
-                <a:solidFill>
-                  <a:srgbClr val="FF0000"/>
-                </a:solidFill>
-                <a:effectLst/>
-              </a:rPr>
-              <a:t>"4"</a:t>
-            </a:r>
-            <a:r>
-              <a:rPr lang="en-US" b="1" dirty="0" smtClean="0">
-                <a:solidFill>
-                  <a:srgbClr val="008080"/>
-                </a:solidFill>
-                <a:effectLst/>
-              </a:rPr>
-              <a:t>;</a:t>
-            </a:r>
-            <a:r>
-              <a:rPr lang="en-US" b="1" dirty="0" smtClean="0">
-                <a:solidFill>
-                  <a:srgbClr val="008000"/>
-                </a:solidFill>
-                <a:effectLst/>
-              </a:rPr>
-              <a:t>}</a:t>
-            </a:r>
-            <a:endParaRPr lang="en-US" b="1" dirty="0"/>
-          </a:p>
-          <a:p>
-            <a:pPr defTabSz="182563"/>
-            <a:r>
-              <a:rPr lang="en-US" b="1" smtClean="0">
-                <a:solidFill>
-                  <a:srgbClr val="0000FF"/>
-                </a:solidFill>
-                <a:effectLst/>
-              </a:rPr>
-              <a:t>	</a:t>
-            </a:r>
-            <a:r>
-              <a:rPr lang="en-US" b="1" smtClean="0">
-                <a:solidFill>
-                  <a:srgbClr val="0000FF"/>
-                </a:solidFill>
-                <a:effectLst/>
-              </a:rPr>
-              <a:t>void</a:t>
-            </a:r>
-            <a:r>
-              <a:rPr lang="en-US" b="1" smtClean="0"/>
-              <a:t> </a:t>
-            </a:r>
-            <a:r>
-              <a:rPr lang="en-US" b="1" smtClean="0"/>
-              <a:t>Goo</a:t>
-            </a:r>
-            <a:r>
-              <a:rPr lang="en-US" b="1" smtClean="0">
-                <a:solidFill>
-                  <a:srgbClr val="008000"/>
-                </a:solidFill>
-                <a:effectLst/>
-              </a:rPr>
-              <a:t>() </a:t>
-            </a:r>
-            <a:r>
-              <a:rPr lang="en-US" b="1" smtClean="0">
-                <a:solidFill>
-                  <a:srgbClr val="0000FF"/>
-                </a:solidFill>
-              </a:rPr>
-              <a:t>override </a:t>
-            </a:r>
-            <a:r>
-              <a:rPr lang="en-US" b="1" smtClean="0">
-                <a:solidFill>
-                  <a:srgbClr val="008000"/>
-                </a:solidFill>
-                <a:effectLst/>
-              </a:rPr>
-              <a:t>{</a:t>
-            </a:r>
-            <a:r>
-              <a:rPr lang="en-US" b="1" dirty="0" err="1" smtClean="0">
-                <a:solidFill>
-                  <a:srgbClr val="0000DD"/>
-                </a:solidFill>
-                <a:effectLst/>
-              </a:rPr>
-              <a:t>cout</a:t>
-            </a:r>
-            <a:r>
-              <a:rPr lang="en-US" b="1" dirty="0" smtClean="0"/>
-              <a:t> </a:t>
-            </a:r>
-            <a:r>
-              <a:rPr lang="en-US" b="1" dirty="0" smtClean="0">
-                <a:solidFill>
-                  <a:srgbClr val="000080"/>
-                </a:solidFill>
-                <a:effectLst/>
-              </a:rPr>
-              <a:t>&lt;&lt;</a:t>
-            </a:r>
-            <a:r>
-              <a:rPr lang="en-US" b="1" dirty="0" smtClean="0"/>
-              <a:t> </a:t>
-            </a:r>
-            <a:r>
-              <a:rPr lang="en-US" b="1" dirty="0" smtClean="0">
-                <a:solidFill>
-                  <a:srgbClr val="FF0000"/>
-                </a:solidFill>
-                <a:effectLst/>
-              </a:rPr>
-              <a:t>"5"</a:t>
-            </a:r>
-            <a:r>
-              <a:rPr lang="en-US" b="1" dirty="0" smtClean="0">
-                <a:solidFill>
-                  <a:srgbClr val="008080"/>
-                </a:solidFill>
-                <a:effectLst/>
-              </a:rPr>
-              <a:t>;</a:t>
-            </a:r>
-            <a:r>
-              <a:rPr lang="en-US" b="1" dirty="0" smtClean="0">
-                <a:solidFill>
-                  <a:srgbClr val="008000"/>
-                </a:solidFill>
-                <a:effectLst/>
-              </a:rPr>
-              <a:t>}</a:t>
-            </a:r>
-            <a:endParaRPr lang="en-US" b="1" dirty="0"/>
-          </a:p>
-          <a:p>
-            <a:pPr defTabSz="182563"/>
-            <a:r>
-              <a:rPr lang="en-US" b="1" dirty="0" smtClean="0">
-                <a:solidFill>
-                  <a:srgbClr val="008000"/>
-                </a:solidFill>
-                <a:effectLst/>
-              </a:rPr>
-              <a:t>}</a:t>
-            </a:r>
-            <a:r>
-              <a:rPr lang="en-US" b="1" dirty="0" smtClean="0">
                 <a:solidFill>
                   <a:srgbClr val="008080"/>
                 </a:solidFill>
@@ -22640,7 +22233,7 @@
           <a:p>
             <a:pPr defTabSz="182563"/>
             <a:r>
-              <a:rPr lang="en-US" b="1" dirty="0" err="1" smtClean="0">
+              <a:rPr lang="en-US" b="1" dirty="0" err="1">
                 <a:solidFill>
                   <a:srgbClr val="0000FF"/>
                 </a:solidFill>
@@ -22649,11 +22242,11 @@
               <a:t>int</a:t>
             </a:r>
             <a:r>
-              <a:rPr lang="en-US" b="1" dirty="0" smtClean="0"/>
+              <a:rPr lang="en-US" b="1" dirty="0"/>
               <a:t> main</a:t>
             </a:r>
             <a:r>
-              <a:rPr lang="en-US" b="1" dirty="0" smtClean="0">
+              <a:rPr lang="en-US" b="1" dirty="0">
                 <a:solidFill>
                   <a:srgbClr val="008000"/>
                 </a:solidFill>
@@ -22661,12 +22254,12 @@
               </a:rPr>
               <a:t>()</a:t>
             </a:r>
-            <a:endParaRPr lang="en-US" b="1" dirty="0" smtClean="0"/>
+            <a:endParaRPr lang="en-US" b="1" dirty="0"/>
           </a:p>
           <a:p>
             <a:pPr defTabSz="182563"/>
             <a:r>
-              <a:rPr lang="en-US" b="1" dirty="0" smtClean="0">
+              <a:rPr lang="en-US" b="1" dirty="0">
                 <a:solidFill>
                   <a:srgbClr val="008000"/>
                 </a:solidFill>
@@ -22678,11 +22271,11 @@
           <a:p>
             <a:pPr defTabSz="182563"/>
             <a:r>
-              <a:rPr lang="en-US" b="1" dirty="0" smtClean="0"/>
+              <a:rPr lang="en-US" b="1" dirty="0"/>
               <a:t>	Bar b</a:t>
             </a:r>
             <a:r>
-              <a:rPr lang="en-US" b="1" dirty="0" smtClean="0">
+              <a:rPr lang="en-US" b="1" dirty="0">
                 <a:solidFill>
                   <a:srgbClr val="008080"/>
                 </a:solidFill>
@@ -22695,15 +22288,15 @@
           <a:p>
             <a:pPr defTabSz="182563"/>
             <a:r>
-              <a:rPr lang="en-US" b="1" dirty="0" smtClean="0"/>
+              <a:rPr lang="en-US" b="1" dirty="0"/>
               <a:t>	</a:t>
             </a:r>
             <a:r>
-              <a:rPr lang="en-US" b="1" dirty="0" err="1" smtClean="0"/>
+              <a:rPr lang="en-US" b="1" dirty="0" err="1"/>
               <a:t>b.</a:t>
             </a:r>
             <a:r>
-              <a:rPr lang="en-US" b="1" dirty="0" err="1" smtClean="0">
+              <a:rPr lang="en-US" b="1" dirty="0" err="1">
                 <a:solidFill>
                   <a:srgbClr val="007788"/>
                 </a:solidFill>
@@ -22712,7 +22305,7 @@
               <a:t>Baz</a:t>
             </a:r>
             <a:r>
-              <a:rPr lang="en-US" b="1" dirty="0" smtClean="0">
+              <a:rPr lang="en-US" b="1" dirty="0">
                 <a:solidFill>
                   <a:srgbClr val="008000"/>
                 </a:solidFill>
@@ -22721,7 +22314,7 @@
               <a:t>()</a:t>
             </a:r>
             <a:r>
-              <a:rPr lang="en-US" b="1" dirty="0" smtClean="0">
+              <a:rPr lang="en-US" b="1" dirty="0">
                 <a:solidFill>
                   <a:srgbClr val="008080"/>
                 </a:solidFill>
@@ -22734,15 +22327,15 @@
           <a:p>
             <a:pPr defTabSz="182563"/>
             <a:r>
-              <a:rPr lang="en-US" b="1" dirty="0" smtClean="0"/>
+              <a:rPr lang="en-US" b="1" dirty="0"/>
               <a:t>	</a:t>
             </a:r>
             <a:r>
-              <a:rPr lang="en-US" b="1" dirty="0" err="1" smtClean="0"/>
+              <a:rPr lang="en-US" b="1" dirty="0" err="1"/>
               <a:t>b.</a:t>
             </a:r>
             <a:r>
-              <a:rPr lang="en-US" b="1" dirty="0" err="1" smtClean="0">
+              <a:rPr lang="en-US" b="1" dirty="0" err="1">
                 <a:solidFill>
                   <a:srgbClr val="007788"/>
                 </a:solidFill>
@@ -22751,7 +22344,7 @@
               <a:t>Moo</a:t>
             </a:r>
             <a:r>
-              <a:rPr lang="en-US" b="1" dirty="0" smtClean="0">
+              <a:rPr lang="en-US" b="1" dirty="0">
                 <a:solidFill>
                   <a:srgbClr val="008000"/>
                 </a:solidFill>
@@ -22760,7 +22353,7 @@
               <a:t>()</a:t>
             </a:r>
             <a:r>
-              <a:rPr lang="en-US" b="1" dirty="0" smtClean="0">
+              <a:rPr lang="en-US" b="1" dirty="0">
                 <a:solidFill>
                   <a:srgbClr val="008080"/>
                 </a:solidFill>
@@ -22769,14 +22362,14 @@
               <a:t>;</a:t>
             </a:r>
             <a:r>
-              <a:rPr lang="en-US" b="1" dirty="0" smtClean="0"/>
+              <a:rPr lang="en-US" b="1" dirty="0"/>
               <a:t> </a:t>
             </a:r>
           </a:p>
           <a:p>
             <a:pPr defTabSz="182563"/>
             <a:r>
-              <a:rPr lang="en-US" b="1" dirty="0" smtClean="0">
+              <a:rPr lang="en-US" b="1" dirty="0">
                 <a:solidFill>
                   <a:srgbClr val="0000FF"/>
                 </a:solidFill>
@@ -22785,11 +22378,11 @@
               <a:t>	return</a:t>
             </a:r>
             <a:r>
-              <a:rPr lang="en-US" b="1" dirty="0" smtClean="0"/>
+              <a:rPr lang="en-US" b="1" dirty="0"/>
               <a:t> </a:t>
             </a:r>
             <a:r>
-              <a:rPr lang="en-US" b="1" dirty="0" smtClean="0">
+              <a:rPr lang="en-US" b="1" dirty="0">
                 <a:solidFill>
                   <a:srgbClr val="0000DD"/>
                 </a:solidFill>
@@ -22798,7 +22391,7 @@
               <a:t>0</a:t>
             </a:r>
             <a:r>
-              <a:rPr lang="en-US" b="1" dirty="0" smtClean="0">
+              <a:rPr lang="en-US" b="1" dirty="0">
                 <a:solidFill>
                   <a:srgbClr val="008080"/>
                 </a:solidFill>
@@ -22811,7 +22404,7 @@
           <a:p>
             <a:pPr defTabSz="182563"/>
             <a:r>
-              <a:rPr lang="en-US" b="1" dirty="0" smtClean="0">
+              <a:rPr lang="en-US" b="1" dirty="0">
                 <a:solidFill>
                   <a:srgbClr val="008000"/>
                 </a:solidFill>
@@ -22820,6 +22413,53 @@
               <a:t>}</a:t>
             </a:r>
             <a:endParaRPr lang="ru-RU" b="1" dirty="0"/>
+          </a:p>
+        </p:txBody>
+      </p:sp>
+      <p:sp>
+        <p:nvSpPr>
+          <p:cNvPr id="7" name="Прямоугольник 6">
+            <a:extLst>
+              <a:ext uri="{FF2B5EF4-FFF2-40B4-BE49-F238E27FC236}">
+                <a16:creationId xmlns:a16="http://schemas.microsoft.com/office/drawing/2014/main" id="{668C2387-7041-CC4E-3A77-EC80B13C201D}"/>
+              </a:ext>
+            </a:extLst>
+          </p:cNvPr>
+          <p:cNvSpPr/>
+          <p:nvPr/>
+        </p:nvSpPr>
+        <p:spPr>
+          <a:xfrm>
+            <a:off x="4097488" y="5365747"/>
+            <a:ext cx="2490736" cy="648072"/>
+          </a:xfrm>
+          <a:prstGeom prst="rect">
+            <a:avLst/>
+          </a:prstGeom>
+          <a:noFill/>
+        </p:spPr>
+        <p:style>
+          <a:lnRef idx="2">
+            <a:schemeClr val="accent1">
+              <a:shade val="50000"/>
+            </a:schemeClr>
+          </a:lnRef>
+          <a:fillRef idx="1">
+            <a:schemeClr val="accent1"/>
+          </a:fillRef>
+          <a:effectRef idx="0">
+            <a:schemeClr val="accent1"/>
+          </a:effectRef>
+          <a:fontRef idx="minor">
+            <a:schemeClr val="lt1"/>
+          </a:fontRef>
+        </p:style>
+        <p:txBody>
+          <a:bodyPr rtlCol="0" anchor="ctr"/>
+          <a:lstStyle/>
+          <a:p>
+            <a:pPr algn="ctr"/>
+            <a:endParaRPr lang="ru-RU"/>
           </a:p>
         </p:txBody>
       </p:sp>
@@ -22836,9 +22476,88 @@
   <p:timing>
     <p:tnLst>
       <p:par>
-        <p:cTn id="1" dur="indefinite" restart="never" nodeType="tmRoot"/>
+        <p:cTn id="1" dur="indefinite" restart="never" nodeType="tmRoot">
+          <p:childTnLst>
+            <p:seq concurrent="1" nextAc="seek">
+              <p:cTn id="2" dur="indefinite" nodeType="mainSeq">
+                <p:childTnLst>
+                  <p:par>
+                    <p:cTn id="3" fill="hold">
+                      <p:stCondLst>
+                        <p:cond delay="indefinite"/>
+                      </p:stCondLst>
+                      <p:childTnLst>
+                        <p:par>
+                          <p:cTn id="4" fill="hold">
+                            <p:stCondLst>
+                              <p:cond delay="0"/>
+                            </p:stCondLst>
+                            <p:childTnLst>
+                              <p:par>
+                                <p:cTn id="5" presetID="10" presetClass="entr" presetSubtype="0" fill="hold" grpId="0" nodeType="clickEffect">
+                                  <p:stCondLst>
+                                    <p:cond delay="0"/>
+                                  </p:stCondLst>
+                                  <p:childTnLst>
+                                    <p:set>
+                                      <p:cBhvr>
+                                        <p:cTn id="6" dur="1" fill="hold">
+                                          <p:stCondLst>
+                                            <p:cond delay="0"/>
+                                          </p:stCondLst>
+                                        </p:cTn>
+                                        <p:tgtEl>
+                                          <p:spTgt spid="7"/>
+                                        </p:tgtEl>
+                                        <p:attrNameLst>
+                                          <p:attrName>style.visibility</p:attrName>
+                                        </p:attrNameLst>
+                                      </p:cBhvr>
+                                      <p:to>
+                                        <p:strVal val="visible"/>
+                                      </p:to>
+                                    </p:set>
+                                    <p:animEffect transition="in" filter="fade">
+                                      <p:cBhvr>
+                                        <p:cTn id="7" dur="500"/>
+                                        <p:tgtEl>
+                                          <p:spTgt spid="7"/>
+                                        </p:tgtEl>
+                                      </p:cBhvr>
+                                    </p:animEffect>
+                                  </p:childTnLst>
+                                </p:cTn>
+                              </p:par>
+                            </p:childTnLst>
+                          </p:cTn>
+                        </p:par>
+                      </p:childTnLst>
+                    </p:cTn>
+                  </p:par>
+                </p:childTnLst>
+              </p:cTn>
+              <p:prevCondLst>
+                <p:cond evt="onPrev" delay="0">
+                  <p:tgtEl>
+                    <p:sldTgt/>
+                  </p:tgtEl>
+                </p:cond>
+              </p:prevCondLst>
+              <p:nextCondLst>
+                <p:cond evt="onNext" delay="0">
+                  <p:tgtEl>
+                    <p:sldTgt/>
+                  </p:tgtEl>
+                </p:cond>
+              </p:nextCondLst>
+            </p:seq>
+          </p:childTnLst>
+        </p:cTn>
       </p:par>
     </p:tnLst>
+    <p:bldLst>
+      <p:bldP spid="7" grpId="0" animBg="1"/>
+    </p:bldLst>
   </p:timing>
 </p:sld>
 </file>
